--- a/MicrosoftTeams.pptx
+++ b/MicrosoftTeams.pptx
@@ -116,5190 +116,12 @@
       </a:defRPr>
     </a:lvl9pPr>
   </p:defaultTextStyle>
+  <p:extLst>
+    <p:ext uri="{EFAFB233-063F-42B5-8137-9DF3F51BA10A}">
+      <p15:sldGuideLst xmlns:p15="http://schemas.microsoft.com/office/powerpoint/2012/main"/>
+    </p:ext>
+  </p:extLst>
 </p:presentation>
-</file>
-
-<file path=ppt/diagrams/colors1.xml><?xml version="1.0" encoding="utf-8"?>
-<dgm:colorsDef xmlns:dgm="http://schemas.openxmlformats.org/drawingml/2006/diagram" xmlns:a="http://schemas.openxmlformats.org/drawingml/2006/main" uniqueId="urn:microsoft.com/office/officeart/2005/8/colors/accent1_2">
-  <dgm:title val=""/>
-  <dgm:desc val=""/>
-  <dgm:catLst>
-    <dgm:cat type="accent1" pri="11200"/>
-  </dgm:catLst>
-  <dgm:styleLbl name="node0">
-    <dgm:fillClrLst meth="repeat">
-      <a:schemeClr val="accent1"/>
-    </dgm:fillClrLst>
-    <dgm:linClrLst meth="repeat">
-      <a:schemeClr val="lt1"/>
-    </dgm:linClrLst>
-    <dgm:effectClrLst/>
-    <dgm:txLinClrLst/>
-    <dgm:txFillClrLst/>
-    <dgm:txEffectClrLst/>
-  </dgm:styleLbl>
-  <dgm:styleLbl name="alignNode1">
-    <dgm:fillClrLst meth="repeat">
-      <a:schemeClr val="accent1"/>
-    </dgm:fillClrLst>
-    <dgm:linClrLst meth="repeat">
-      <a:schemeClr val="accent1"/>
-    </dgm:linClrLst>
-    <dgm:effectClrLst/>
-    <dgm:txLinClrLst/>
-    <dgm:txFillClrLst/>
-    <dgm:txEffectClrLst/>
-  </dgm:styleLbl>
-  <dgm:styleLbl name="node1">
-    <dgm:fillClrLst meth="repeat">
-      <a:schemeClr val="accent1"/>
-    </dgm:fillClrLst>
-    <dgm:linClrLst meth="repeat">
-      <a:schemeClr val="lt1"/>
-    </dgm:linClrLst>
-    <dgm:effectClrLst/>
-    <dgm:txLinClrLst/>
-    <dgm:txFillClrLst/>
-    <dgm:txEffectClrLst/>
-  </dgm:styleLbl>
-  <dgm:styleLbl name="lnNode1">
-    <dgm:fillClrLst meth="repeat">
-      <a:schemeClr val="accent1"/>
-    </dgm:fillClrLst>
-    <dgm:linClrLst meth="repeat">
-      <a:schemeClr val="lt1"/>
-    </dgm:linClrLst>
-    <dgm:effectClrLst/>
-    <dgm:txLinClrLst/>
-    <dgm:txFillClrLst/>
-    <dgm:txEffectClrLst/>
-  </dgm:styleLbl>
-  <dgm:styleLbl name="vennNode1">
-    <dgm:fillClrLst meth="repeat">
-      <a:schemeClr val="accent1">
-        <a:alpha val="50000"/>
-      </a:schemeClr>
-    </dgm:fillClrLst>
-    <dgm:linClrLst meth="repeat">
-      <a:schemeClr val="lt1"/>
-    </dgm:linClrLst>
-    <dgm:effectClrLst/>
-    <dgm:txLinClrLst/>
-    <dgm:txFillClrLst/>
-    <dgm:txEffectClrLst/>
-  </dgm:styleLbl>
-  <dgm:styleLbl name="node2">
-    <dgm:fillClrLst meth="repeat">
-      <a:schemeClr val="accent1"/>
-    </dgm:fillClrLst>
-    <dgm:linClrLst meth="repeat">
-      <a:schemeClr val="lt1"/>
-    </dgm:linClrLst>
-    <dgm:effectClrLst/>
-    <dgm:txLinClrLst/>
-    <dgm:txFillClrLst/>
-    <dgm:txEffectClrLst/>
-  </dgm:styleLbl>
-  <dgm:styleLbl name="node3">
-    <dgm:fillClrLst meth="repeat">
-      <a:schemeClr val="accent1"/>
-    </dgm:fillClrLst>
-    <dgm:linClrLst meth="repeat">
-      <a:schemeClr val="lt1"/>
-    </dgm:linClrLst>
-    <dgm:effectClrLst/>
-    <dgm:txLinClrLst/>
-    <dgm:txFillClrLst/>
-    <dgm:txEffectClrLst/>
-  </dgm:styleLbl>
-  <dgm:styleLbl name="node4">
-    <dgm:fillClrLst meth="repeat">
-      <a:schemeClr val="accent1"/>
-    </dgm:fillClrLst>
-    <dgm:linClrLst meth="repeat">
-      <a:schemeClr val="lt1"/>
-    </dgm:linClrLst>
-    <dgm:effectClrLst/>
-    <dgm:txLinClrLst/>
-    <dgm:txFillClrLst/>
-    <dgm:txEffectClrLst/>
-  </dgm:styleLbl>
-  <dgm:styleLbl name="fgImgPlace1">
-    <dgm:fillClrLst meth="repeat">
-      <a:schemeClr val="accent1">
-        <a:tint val="50000"/>
-      </a:schemeClr>
-    </dgm:fillClrLst>
-    <dgm:linClrLst meth="repeat">
-      <a:schemeClr val="lt1"/>
-    </dgm:linClrLst>
-    <dgm:effectClrLst/>
-    <dgm:txLinClrLst/>
-    <dgm:txFillClrLst meth="repeat">
-      <a:schemeClr val="lt1"/>
-    </dgm:txFillClrLst>
-    <dgm:txEffectClrLst/>
-  </dgm:styleLbl>
-  <dgm:styleLbl name="alignImgPlace1">
-    <dgm:fillClrLst meth="repeat">
-      <a:schemeClr val="accent1">
-        <a:tint val="50000"/>
-      </a:schemeClr>
-    </dgm:fillClrLst>
-    <dgm:linClrLst meth="repeat">
-      <a:schemeClr val="lt1"/>
-    </dgm:linClrLst>
-    <dgm:effectClrLst/>
-    <dgm:txLinClrLst/>
-    <dgm:txFillClrLst meth="repeat">
-      <a:schemeClr val="lt1"/>
-    </dgm:txFillClrLst>
-    <dgm:txEffectClrLst/>
-  </dgm:styleLbl>
-  <dgm:styleLbl name="bgImgPlace1">
-    <dgm:fillClrLst meth="repeat">
-      <a:schemeClr val="accent1">
-        <a:tint val="50000"/>
-      </a:schemeClr>
-    </dgm:fillClrLst>
-    <dgm:linClrLst meth="repeat">
-      <a:schemeClr val="lt1"/>
-    </dgm:linClrLst>
-    <dgm:effectClrLst/>
-    <dgm:txLinClrLst/>
-    <dgm:txFillClrLst meth="repeat">
-      <a:schemeClr val="lt1"/>
-    </dgm:txFillClrLst>
-    <dgm:txEffectClrLst/>
-  </dgm:styleLbl>
-  <dgm:styleLbl name="sibTrans2D1">
-    <dgm:fillClrLst meth="repeat">
-      <a:schemeClr val="accent1">
-        <a:tint val="60000"/>
-      </a:schemeClr>
-    </dgm:fillClrLst>
-    <dgm:linClrLst meth="repeat">
-      <a:schemeClr val="accent1">
-        <a:tint val="60000"/>
-      </a:schemeClr>
-    </dgm:linClrLst>
-    <dgm:effectClrLst/>
-    <dgm:txLinClrLst/>
-    <dgm:txFillClrLst/>
-    <dgm:txEffectClrLst/>
-  </dgm:styleLbl>
-  <dgm:styleLbl name="fgSibTrans2D1">
-    <dgm:fillClrLst meth="repeat">
-      <a:schemeClr val="accent1">
-        <a:tint val="60000"/>
-      </a:schemeClr>
-    </dgm:fillClrLst>
-    <dgm:linClrLst meth="repeat">
-      <a:schemeClr val="accent1">
-        <a:tint val="60000"/>
-      </a:schemeClr>
-    </dgm:linClrLst>
-    <dgm:effectClrLst/>
-    <dgm:txLinClrLst/>
-    <dgm:txFillClrLst/>
-    <dgm:txEffectClrLst/>
-  </dgm:styleLbl>
-  <dgm:styleLbl name="bgSibTrans2D1">
-    <dgm:fillClrLst meth="repeat">
-      <a:schemeClr val="accent1">
-        <a:tint val="60000"/>
-      </a:schemeClr>
-    </dgm:fillClrLst>
-    <dgm:linClrLst meth="repeat">
-      <a:schemeClr val="accent1">
-        <a:tint val="60000"/>
-      </a:schemeClr>
-    </dgm:linClrLst>
-    <dgm:effectClrLst/>
-    <dgm:txLinClrLst/>
-    <dgm:txFillClrLst/>
-    <dgm:txEffectClrLst/>
-  </dgm:styleLbl>
-  <dgm:styleLbl name="sibTrans1D1">
-    <dgm:fillClrLst meth="repeat">
-      <a:schemeClr val="accent1"/>
-    </dgm:fillClrLst>
-    <dgm:linClrLst meth="repeat">
-      <a:schemeClr val="accent1"/>
-    </dgm:linClrLst>
-    <dgm:effectClrLst/>
-    <dgm:txLinClrLst/>
-    <dgm:txFillClrLst meth="repeat">
-      <a:schemeClr val="tx1"/>
-    </dgm:txFillClrLst>
-    <dgm:txEffectClrLst/>
-  </dgm:styleLbl>
-  <dgm:styleLbl name="callout">
-    <dgm:fillClrLst meth="repeat">
-      <a:schemeClr val="accent1"/>
-    </dgm:fillClrLst>
-    <dgm:linClrLst meth="repeat">
-      <a:schemeClr val="accent1">
-        <a:tint val="50000"/>
-      </a:schemeClr>
-    </dgm:linClrLst>
-    <dgm:effectClrLst/>
-    <dgm:txLinClrLst/>
-    <dgm:txFillClrLst meth="repeat">
-      <a:schemeClr val="tx1"/>
-    </dgm:txFillClrLst>
-    <dgm:txEffectClrLst/>
-  </dgm:styleLbl>
-  <dgm:styleLbl name="asst0">
-    <dgm:fillClrLst meth="repeat">
-      <a:schemeClr val="accent1"/>
-    </dgm:fillClrLst>
-    <dgm:linClrLst meth="repeat">
-      <a:schemeClr val="lt1"/>
-    </dgm:linClrLst>
-    <dgm:effectClrLst/>
-    <dgm:txLinClrLst/>
-    <dgm:txFillClrLst/>
-    <dgm:txEffectClrLst/>
-  </dgm:styleLbl>
-  <dgm:styleLbl name="asst1">
-    <dgm:fillClrLst meth="repeat">
-      <a:schemeClr val="accent1"/>
-    </dgm:fillClrLst>
-    <dgm:linClrLst meth="repeat">
-      <a:schemeClr val="lt1"/>
-    </dgm:linClrLst>
-    <dgm:effectClrLst/>
-    <dgm:txLinClrLst/>
-    <dgm:txFillClrLst/>
-    <dgm:txEffectClrLst/>
-  </dgm:styleLbl>
-  <dgm:styleLbl name="asst2">
-    <dgm:fillClrLst meth="repeat">
-      <a:schemeClr val="accent1"/>
-    </dgm:fillClrLst>
-    <dgm:linClrLst meth="repeat">
-      <a:schemeClr val="lt1"/>
-    </dgm:linClrLst>
-    <dgm:effectClrLst/>
-    <dgm:txLinClrLst/>
-    <dgm:txFillClrLst/>
-    <dgm:txEffectClrLst/>
-  </dgm:styleLbl>
-  <dgm:styleLbl name="asst3">
-    <dgm:fillClrLst meth="repeat">
-      <a:schemeClr val="accent1"/>
-    </dgm:fillClrLst>
-    <dgm:linClrLst meth="repeat">
-      <a:schemeClr val="lt1"/>
-    </dgm:linClrLst>
-    <dgm:effectClrLst/>
-    <dgm:txLinClrLst/>
-    <dgm:txFillClrLst/>
-    <dgm:txEffectClrLst/>
-  </dgm:styleLbl>
-  <dgm:styleLbl name="asst4">
-    <dgm:fillClrLst meth="repeat">
-      <a:schemeClr val="accent1"/>
-    </dgm:fillClrLst>
-    <dgm:linClrLst meth="repeat">
-      <a:schemeClr val="lt1"/>
-    </dgm:linClrLst>
-    <dgm:effectClrLst/>
-    <dgm:txLinClrLst/>
-    <dgm:txFillClrLst/>
-    <dgm:txEffectClrLst/>
-  </dgm:styleLbl>
-  <dgm:styleLbl name="parChTrans2D1">
-    <dgm:fillClrLst meth="repeat">
-      <a:schemeClr val="accent1">
-        <a:tint val="60000"/>
-      </a:schemeClr>
-    </dgm:fillClrLst>
-    <dgm:linClrLst meth="repeat">
-      <a:schemeClr val="accent1">
-        <a:tint val="60000"/>
-      </a:schemeClr>
-    </dgm:linClrLst>
-    <dgm:effectClrLst/>
-    <dgm:txLinClrLst/>
-    <dgm:txFillClrLst meth="repeat">
-      <a:schemeClr val="lt1"/>
-    </dgm:txFillClrLst>
-    <dgm:txEffectClrLst/>
-  </dgm:styleLbl>
-  <dgm:styleLbl name="parChTrans2D2">
-    <dgm:fillClrLst meth="repeat">
-      <a:schemeClr val="accent1"/>
-    </dgm:fillClrLst>
-    <dgm:linClrLst meth="repeat">
-      <a:schemeClr val="accent1"/>
-    </dgm:linClrLst>
-    <dgm:effectClrLst/>
-    <dgm:txLinClrLst/>
-    <dgm:txFillClrLst meth="repeat">
-      <a:schemeClr val="lt1"/>
-    </dgm:txFillClrLst>
-    <dgm:txEffectClrLst/>
-  </dgm:styleLbl>
-  <dgm:styleLbl name="parChTrans2D3">
-    <dgm:fillClrLst meth="repeat">
-      <a:schemeClr val="accent1"/>
-    </dgm:fillClrLst>
-    <dgm:linClrLst meth="repeat">
-      <a:schemeClr val="accent1"/>
-    </dgm:linClrLst>
-    <dgm:effectClrLst/>
-    <dgm:txLinClrLst/>
-    <dgm:txFillClrLst meth="repeat">
-      <a:schemeClr val="lt1"/>
-    </dgm:txFillClrLst>
-    <dgm:txEffectClrLst/>
-  </dgm:styleLbl>
-  <dgm:styleLbl name="parChTrans2D4">
-    <dgm:fillClrLst meth="repeat">
-      <a:schemeClr val="accent1"/>
-    </dgm:fillClrLst>
-    <dgm:linClrLst meth="repeat">
-      <a:schemeClr val="accent1"/>
-    </dgm:linClrLst>
-    <dgm:effectClrLst/>
-    <dgm:txLinClrLst/>
-    <dgm:txFillClrLst meth="repeat">
-      <a:schemeClr val="lt1"/>
-    </dgm:txFillClrLst>
-    <dgm:txEffectClrLst/>
-  </dgm:styleLbl>
-  <dgm:styleLbl name="parChTrans1D1">
-    <dgm:fillClrLst meth="repeat">
-      <a:schemeClr val="accent1"/>
-    </dgm:fillClrLst>
-    <dgm:linClrLst meth="repeat">
-      <a:schemeClr val="accent1">
-        <a:shade val="60000"/>
-      </a:schemeClr>
-    </dgm:linClrLst>
-    <dgm:effectClrLst/>
-    <dgm:txLinClrLst/>
-    <dgm:txFillClrLst meth="repeat">
-      <a:schemeClr val="tx1"/>
-    </dgm:txFillClrLst>
-    <dgm:txEffectClrLst/>
-  </dgm:styleLbl>
-  <dgm:styleLbl name="parChTrans1D2">
-    <dgm:fillClrLst meth="repeat">
-      <a:schemeClr val="accent1"/>
-    </dgm:fillClrLst>
-    <dgm:linClrLst meth="repeat">
-      <a:schemeClr val="accent1">
-        <a:shade val="60000"/>
-      </a:schemeClr>
-    </dgm:linClrLst>
-    <dgm:effectClrLst/>
-    <dgm:txLinClrLst/>
-    <dgm:txFillClrLst meth="repeat">
-      <a:schemeClr val="tx1"/>
-    </dgm:txFillClrLst>
-    <dgm:txEffectClrLst/>
-  </dgm:styleLbl>
-  <dgm:styleLbl name="parChTrans1D3">
-    <dgm:fillClrLst meth="repeat">
-      <a:schemeClr val="accent1"/>
-    </dgm:fillClrLst>
-    <dgm:linClrLst meth="repeat">
-      <a:schemeClr val="accent1">
-        <a:shade val="80000"/>
-      </a:schemeClr>
-    </dgm:linClrLst>
-    <dgm:effectClrLst/>
-    <dgm:txLinClrLst/>
-    <dgm:txFillClrLst meth="repeat">
-      <a:schemeClr val="tx1"/>
-    </dgm:txFillClrLst>
-    <dgm:txEffectClrLst/>
-  </dgm:styleLbl>
-  <dgm:styleLbl name="parChTrans1D4">
-    <dgm:fillClrLst meth="repeat">
-      <a:schemeClr val="accent1"/>
-    </dgm:fillClrLst>
-    <dgm:linClrLst meth="repeat">
-      <a:schemeClr val="accent1">
-        <a:shade val="80000"/>
-      </a:schemeClr>
-    </dgm:linClrLst>
-    <dgm:effectClrLst/>
-    <dgm:txLinClrLst/>
-    <dgm:txFillClrLst meth="repeat">
-      <a:schemeClr val="tx1"/>
-    </dgm:txFillClrLst>
-    <dgm:txEffectClrLst/>
-  </dgm:styleLbl>
-  <dgm:styleLbl name="fgAcc1">
-    <dgm:fillClrLst meth="repeat">
-      <a:schemeClr val="lt1">
-        <a:alpha val="90000"/>
-      </a:schemeClr>
-    </dgm:fillClrLst>
-    <dgm:linClrLst meth="repeat">
-      <a:schemeClr val="accent1"/>
-    </dgm:linClrLst>
-    <dgm:effectClrLst/>
-    <dgm:txLinClrLst/>
-    <dgm:txFillClrLst meth="repeat">
-      <a:schemeClr val="dk1"/>
-    </dgm:txFillClrLst>
-    <dgm:txEffectClrLst/>
-  </dgm:styleLbl>
-  <dgm:styleLbl name="conFgAcc1">
-    <dgm:fillClrLst meth="repeat">
-      <a:schemeClr val="lt1">
-        <a:alpha val="90000"/>
-      </a:schemeClr>
-    </dgm:fillClrLst>
-    <dgm:linClrLst meth="repeat">
-      <a:schemeClr val="accent1"/>
-    </dgm:linClrLst>
-    <dgm:effectClrLst/>
-    <dgm:txLinClrLst/>
-    <dgm:txFillClrLst meth="repeat">
-      <a:schemeClr val="dk1"/>
-    </dgm:txFillClrLst>
-    <dgm:txEffectClrLst/>
-  </dgm:styleLbl>
-  <dgm:styleLbl name="alignAcc1">
-    <dgm:fillClrLst meth="repeat">
-      <a:schemeClr val="lt1">
-        <a:alpha val="90000"/>
-      </a:schemeClr>
-    </dgm:fillClrLst>
-    <dgm:linClrLst meth="repeat">
-      <a:schemeClr val="accent1"/>
-    </dgm:linClrLst>
-    <dgm:effectClrLst/>
-    <dgm:txLinClrLst/>
-    <dgm:txFillClrLst meth="repeat">
-      <a:schemeClr val="dk1"/>
-    </dgm:txFillClrLst>
-    <dgm:txEffectClrLst/>
-  </dgm:styleLbl>
-  <dgm:styleLbl name="trAlignAcc1">
-    <dgm:fillClrLst meth="repeat">
-      <a:schemeClr val="lt1">
-        <a:alpha val="40000"/>
-      </a:schemeClr>
-    </dgm:fillClrLst>
-    <dgm:linClrLst meth="repeat">
-      <a:schemeClr val="accent1"/>
-    </dgm:linClrLst>
-    <dgm:effectClrLst/>
-    <dgm:txLinClrLst/>
-    <dgm:txFillClrLst meth="repeat">
-      <a:schemeClr val="dk1"/>
-    </dgm:txFillClrLst>
-    <dgm:txEffectClrLst/>
-  </dgm:styleLbl>
-  <dgm:styleLbl name="bgAcc1">
-    <dgm:fillClrLst meth="repeat">
-      <a:schemeClr val="lt1">
-        <a:alpha val="90000"/>
-      </a:schemeClr>
-    </dgm:fillClrLst>
-    <dgm:linClrLst meth="repeat">
-      <a:schemeClr val="accent1"/>
-    </dgm:linClrLst>
-    <dgm:effectClrLst/>
-    <dgm:txLinClrLst/>
-    <dgm:txFillClrLst meth="repeat">
-      <a:schemeClr val="dk1"/>
-    </dgm:txFillClrLst>
-    <dgm:txEffectClrLst/>
-  </dgm:styleLbl>
-  <dgm:styleLbl name="solidFgAcc1">
-    <dgm:fillClrLst meth="repeat">
-      <a:schemeClr val="lt1"/>
-    </dgm:fillClrLst>
-    <dgm:linClrLst meth="repeat">
-      <a:schemeClr val="accent1"/>
-    </dgm:linClrLst>
-    <dgm:effectClrLst/>
-    <dgm:txLinClrLst/>
-    <dgm:txFillClrLst meth="repeat">
-      <a:schemeClr val="dk1"/>
-    </dgm:txFillClrLst>
-    <dgm:txEffectClrLst/>
-  </dgm:styleLbl>
-  <dgm:styleLbl name="solidAlignAcc1">
-    <dgm:fillClrLst meth="repeat">
-      <a:schemeClr val="lt1"/>
-    </dgm:fillClrLst>
-    <dgm:linClrLst meth="repeat">
-      <a:schemeClr val="accent1"/>
-    </dgm:linClrLst>
-    <dgm:effectClrLst/>
-    <dgm:txLinClrLst/>
-    <dgm:txFillClrLst meth="repeat">
-      <a:schemeClr val="dk1"/>
-    </dgm:txFillClrLst>
-    <dgm:txEffectClrLst/>
-  </dgm:styleLbl>
-  <dgm:styleLbl name="solidBgAcc1">
-    <dgm:fillClrLst meth="repeat">
-      <a:schemeClr val="lt1"/>
-    </dgm:fillClrLst>
-    <dgm:linClrLst meth="repeat">
-      <a:schemeClr val="accent1"/>
-    </dgm:linClrLst>
-    <dgm:effectClrLst/>
-    <dgm:txLinClrLst/>
-    <dgm:txFillClrLst meth="repeat">
-      <a:schemeClr val="dk1"/>
-    </dgm:txFillClrLst>
-    <dgm:txEffectClrLst/>
-  </dgm:styleLbl>
-  <dgm:styleLbl name="fgAccFollowNode1">
-    <dgm:fillClrLst meth="repeat">
-      <a:schemeClr val="accent1">
-        <a:alpha val="90000"/>
-        <a:tint val="40000"/>
-      </a:schemeClr>
-    </dgm:fillClrLst>
-    <dgm:linClrLst meth="repeat">
-      <a:schemeClr val="accent1">
-        <a:alpha val="90000"/>
-        <a:tint val="40000"/>
-      </a:schemeClr>
-    </dgm:linClrLst>
-    <dgm:effectClrLst/>
-    <dgm:txLinClrLst/>
-    <dgm:txFillClrLst meth="repeat">
-      <a:schemeClr val="dk1"/>
-    </dgm:txFillClrLst>
-    <dgm:txEffectClrLst/>
-  </dgm:styleLbl>
-  <dgm:styleLbl name="alignAccFollowNode1">
-    <dgm:fillClrLst meth="repeat">
-      <a:schemeClr val="accent1">
-        <a:alpha val="90000"/>
-        <a:tint val="40000"/>
-      </a:schemeClr>
-    </dgm:fillClrLst>
-    <dgm:linClrLst meth="repeat">
-      <a:schemeClr val="accent1">
-        <a:alpha val="90000"/>
-        <a:tint val="40000"/>
-      </a:schemeClr>
-    </dgm:linClrLst>
-    <dgm:effectClrLst/>
-    <dgm:txLinClrLst/>
-    <dgm:txFillClrLst meth="repeat">
-      <a:schemeClr val="dk1"/>
-    </dgm:txFillClrLst>
-    <dgm:txEffectClrLst/>
-  </dgm:styleLbl>
-  <dgm:styleLbl name="bgAccFollowNode1">
-    <dgm:fillClrLst meth="repeat">
-      <a:schemeClr val="accent1">
-        <a:alpha val="90000"/>
-        <a:tint val="40000"/>
-      </a:schemeClr>
-    </dgm:fillClrLst>
-    <dgm:linClrLst meth="repeat">
-      <a:schemeClr val="accent1">
-        <a:alpha val="90000"/>
-        <a:tint val="40000"/>
-      </a:schemeClr>
-    </dgm:linClrLst>
-    <dgm:effectClrLst/>
-    <dgm:txLinClrLst/>
-    <dgm:txFillClrLst meth="repeat">
-      <a:schemeClr val="dk1"/>
-    </dgm:txFillClrLst>
-    <dgm:txEffectClrLst/>
-  </dgm:styleLbl>
-  <dgm:styleLbl name="fgAcc0">
-    <dgm:fillClrLst meth="repeat">
-      <a:schemeClr val="lt1">
-        <a:alpha val="90000"/>
-      </a:schemeClr>
-    </dgm:fillClrLst>
-    <dgm:linClrLst meth="repeat">
-      <a:schemeClr val="accent1"/>
-    </dgm:linClrLst>
-    <dgm:effectClrLst/>
-    <dgm:txLinClrLst/>
-    <dgm:txFillClrLst meth="repeat">
-      <a:schemeClr val="dk1"/>
-    </dgm:txFillClrLst>
-    <dgm:txEffectClrLst/>
-  </dgm:styleLbl>
-  <dgm:styleLbl name="fgAcc2">
-    <dgm:fillClrLst meth="repeat">
-      <a:schemeClr val="lt1">
-        <a:alpha val="90000"/>
-      </a:schemeClr>
-    </dgm:fillClrLst>
-    <dgm:linClrLst meth="repeat">
-      <a:schemeClr val="accent1"/>
-    </dgm:linClrLst>
-    <dgm:effectClrLst/>
-    <dgm:txLinClrLst/>
-    <dgm:txFillClrLst meth="repeat">
-      <a:schemeClr val="dk1"/>
-    </dgm:txFillClrLst>
-    <dgm:txEffectClrLst/>
-  </dgm:styleLbl>
-  <dgm:styleLbl name="fgAcc3">
-    <dgm:fillClrLst meth="repeat">
-      <a:schemeClr val="lt1">
-        <a:alpha val="90000"/>
-      </a:schemeClr>
-    </dgm:fillClrLst>
-    <dgm:linClrLst meth="repeat">
-      <a:schemeClr val="accent1"/>
-    </dgm:linClrLst>
-    <dgm:effectClrLst/>
-    <dgm:txLinClrLst/>
-    <dgm:txFillClrLst meth="repeat">
-      <a:schemeClr val="dk1"/>
-    </dgm:txFillClrLst>
-    <dgm:txEffectClrLst/>
-  </dgm:styleLbl>
-  <dgm:styleLbl name="fgAcc4">
-    <dgm:fillClrLst meth="repeat">
-      <a:schemeClr val="lt1">
-        <a:alpha val="90000"/>
-      </a:schemeClr>
-    </dgm:fillClrLst>
-    <dgm:linClrLst meth="repeat">
-      <a:schemeClr val="accent1"/>
-    </dgm:linClrLst>
-    <dgm:effectClrLst/>
-    <dgm:txLinClrLst/>
-    <dgm:txFillClrLst meth="repeat">
-      <a:schemeClr val="dk1"/>
-    </dgm:txFillClrLst>
-    <dgm:txEffectClrLst/>
-  </dgm:styleLbl>
-  <dgm:styleLbl name="bgShp">
-    <dgm:fillClrLst meth="repeat">
-      <a:schemeClr val="accent1">
-        <a:tint val="40000"/>
-      </a:schemeClr>
-    </dgm:fillClrLst>
-    <dgm:linClrLst meth="repeat">
-      <a:schemeClr val="accent1"/>
-    </dgm:linClrLst>
-    <dgm:effectClrLst/>
-    <dgm:txLinClrLst/>
-    <dgm:txFillClrLst meth="repeat">
-      <a:schemeClr val="dk1"/>
-    </dgm:txFillClrLst>
-    <dgm:txEffectClrLst/>
-  </dgm:styleLbl>
-  <dgm:styleLbl name="dkBgShp">
-    <dgm:fillClrLst meth="repeat">
-      <a:schemeClr val="accent1">
-        <a:shade val="80000"/>
-      </a:schemeClr>
-    </dgm:fillClrLst>
-    <dgm:linClrLst meth="repeat">
-      <a:schemeClr val="accent1"/>
-    </dgm:linClrLst>
-    <dgm:effectClrLst/>
-    <dgm:txLinClrLst/>
-    <dgm:txFillClrLst meth="repeat">
-      <a:schemeClr val="lt1"/>
-    </dgm:txFillClrLst>
-    <dgm:txEffectClrLst/>
-  </dgm:styleLbl>
-  <dgm:styleLbl name="trBgShp">
-    <dgm:fillClrLst meth="repeat">
-      <a:schemeClr val="accent1">
-        <a:tint val="50000"/>
-        <a:alpha val="40000"/>
-      </a:schemeClr>
-    </dgm:fillClrLst>
-    <dgm:linClrLst meth="repeat">
-      <a:schemeClr val="accent1"/>
-    </dgm:linClrLst>
-    <dgm:effectClrLst/>
-    <dgm:txLinClrLst/>
-    <dgm:txFillClrLst meth="repeat">
-      <a:schemeClr val="lt1"/>
-    </dgm:txFillClrLst>
-    <dgm:txEffectClrLst/>
-  </dgm:styleLbl>
-  <dgm:styleLbl name="fgShp">
-    <dgm:fillClrLst meth="repeat">
-      <a:schemeClr val="accent1">
-        <a:tint val="60000"/>
-      </a:schemeClr>
-    </dgm:fillClrLst>
-    <dgm:linClrLst meth="repeat">
-      <a:schemeClr val="lt1"/>
-    </dgm:linClrLst>
-    <dgm:effectClrLst/>
-    <dgm:txLinClrLst/>
-    <dgm:txFillClrLst meth="repeat">
-      <a:schemeClr val="dk1"/>
-    </dgm:txFillClrLst>
-    <dgm:txEffectClrLst/>
-  </dgm:styleLbl>
-  <dgm:styleLbl name="revTx">
-    <dgm:fillClrLst meth="repeat">
-      <a:schemeClr val="lt1">
-        <a:alpha val="0"/>
-      </a:schemeClr>
-    </dgm:fillClrLst>
-    <dgm:linClrLst meth="repeat">
-      <a:schemeClr val="dk1">
-        <a:alpha val="0"/>
-      </a:schemeClr>
-    </dgm:linClrLst>
-    <dgm:effectClrLst/>
-    <dgm:txLinClrLst/>
-    <dgm:txFillClrLst meth="repeat">
-      <a:schemeClr val="tx1"/>
-    </dgm:txFillClrLst>
-    <dgm:txEffectClrLst/>
-  </dgm:styleLbl>
-</dgm:colorsDef>
-</file>
-
-<file path=ppt/diagrams/data1.xml><?xml version="1.0" encoding="utf-8"?>
-<dgm:dataModel xmlns:dgm="http://schemas.openxmlformats.org/drawingml/2006/diagram" xmlns:a="http://schemas.openxmlformats.org/drawingml/2006/main">
-  <dgm:ptLst>
-    <dgm:pt modelId="{AC11CA59-F486-473C-AE1A-BD3E159BD48A}" type="doc">
-      <dgm:prSet loTypeId="urn:microsoft.com/office/officeart/2005/8/layout/hList1" loCatId="list" qsTypeId="urn:microsoft.com/office/officeart/2005/8/quickstyle/simple1" qsCatId="simple" csTypeId="urn:microsoft.com/office/officeart/2005/8/colors/accent1_2" csCatId="accent1" phldr="1"/>
-      <dgm:spPr/>
-      <dgm:t>
-        <a:bodyPr/>
-        <a:lstStyle/>
-        <a:p>
-          <a:endParaRPr lang="en-AU"/>
-        </a:p>
-      </dgm:t>
-    </dgm:pt>
-    <dgm:pt modelId="{3F8F7C63-6D9D-4496-99F3-13DF66B8EAD6}">
-      <dgm:prSet custT="1"/>
-      <dgm:spPr>
-        <a:solidFill>
-          <a:srgbClr val="7030A0"/>
-        </a:solidFill>
-        <a:ln>
-          <a:solidFill>
-            <a:srgbClr val="6600FF"/>
-          </a:solidFill>
-        </a:ln>
-      </dgm:spPr>
-      <dgm:t>
-        <a:bodyPr/>
-        <a:lstStyle/>
-        <a:p>
-          <a:r>
-            <a:rPr lang="en-AU" sz="1100" dirty="0"/>
-            <a:t>Day 1 </a:t>
-          </a:r>
-        </a:p>
-        <a:p>
-          <a:r>
-            <a:rPr lang="en-US" sz="1100" dirty="0"/>
-            <a:t>Empowering everyone with Power Platform</a:t>
-          </a:r>
-          <a:endParaRPr lang="en-AU" sz="1100" dirty="0"/>
-        </a:p>
-      </dgm:t>
-    </dgm:pt>
-    <dgm:pt modelId="{CB554395-990A-4765-A8BF-03117E7BEA30}" type="parTrans" cxnId="{792082BB-298F-413A-A79A-5FC4B6C8DCDC}">
-      <dgm:prSet/>
-      <dgm:spPr/>
-      <dgm:t>
-        <a:bodyPr/>
-        <a:lstStyle/>
-        <a:p>
-          <a:endParaRPr lang="en-AU" sz="2400"/>
-        </a:p>
-      </dgm:t>
-    </dgm:pt>
-    <dgm:pt modelId="{DF74605E-4936-443D-9D28-163DDAEF2472}" type="sibTrans" cxnId="{792082BB-298F-413A-A79A-5FC4B6C8DCDC}">
-      <dgm:prSet/>
-      <dgm:spPr/>
-      <dgm:t>
-        <a:bodyPr/>
-        <a:lstStyle/>
-        <a:p>
-          <a:endParaRPr lang="en-AU" sz="2400"/>
-        </a:p>
-      </dgm:t>
-    </dgm:pt>
-    <dgm:pt modelId="{630C8C32-A979-40C7-BDD7-71A76577670D}">
-      <dgm:prSet custT="1"/>
-      <dgm:spPr>
-        <a:noFill/>
-      </dgm:spPr>
-      <dgm:t>
-        <a:bodyPr/>
-        <a:lstStyle/>
-        <a:p>
-          <a:pPr>
-            <a:lnSpc>
-              <a:spcPct val="150000"/>
-            </a:lnSpc>
-            <a:buFont typeface="Wingdings" panose="05000000000000000000" pitchFamily="2" charset="2"/>
-            <a:buChar char="ü"/>
-          </a:pPr>
-          <a:r>
-            <a:rPr lang="en-GB" sz="1100" dirty="0"/>
-            <a:t>Introduction to Power Platform</a:t>
-          </a:r>
-          <a:endParaRPr lang="en-AU" sz="1100" dirty="0"/>
-        </a:p>
-      </dgm:t>
-    </dgm:pt>
-    <dgm:pt modelId="{A072B589-234B-4E81-93D6-F23076B69245}" type="parTrans" cxnId="{8C63B698-8A4E-457D-994E-67C74BAEA65D}">
-      <dgm:prSet/>
-      <dgm:spPr/>
-      <dgm:t>
-        <a:bodyPr/>
-        <a:lstStyle/>
-        <a:p>
-          <a:endParaRPr lang="en-AU" sz="2400"/>
-        </a:p>
-      </dgm:t>
-    </dgm:pt>
-    <dgm:pt modelId="{BC580252-AC53-48E5-98C9-B7684010D558}" type="sibTrans" cxnId="{8C63B698-8A4E-457D-994E-67C74BAEA65D}">
-      <dgm:prSet/>
-      <dgm:spPr/>
-      <dgm:t>
-        <a:bodyPr/>
-        <a:lstStyle/>
-        <a:p>
-          <a:endParaRPr lang="en-AU" sz="2400"/>
-        </a:p>
-      </dgm:t>
-    </dgm:pt>
-    <dgm:pt modelId="{5D730ECF-5E56-4BCC-9295-01AA7310EDA9}">
-      <dgm:prSet custT="1"/>
-      <dgm:spPr>
-        <a:solidFill>
-          <a:schemeClr val="bg1">
-            <a:lumMod val="65000"/>
-          </a:schemeClr>
-        </a:solidFill>
-        <a:ln>
-          <a:solidFill>
-            <a:schemeClr val="bg1">
-              <a:lumMod val="65000"/>
-            </a:schemeClr>
-          </a:solidFill>
-        </a:ln>
-      </dgm:spPr>
-      <dgm:t>
-        <a:bodyPr/>
-        <a:lstStyle/>
-        <a:p>
-          <a:r>
-            <a:rPr lang="en-AU" sz="1100" dirty="0"/>
-            <a:t>Day 2</a:t>
-          </a:r>
-        </a:p>
-        <a:p>
-          <a:r>
-            <a:rPr lang="en-GB" sz="1100" dirty="0"/>
-            <a:t>Power Automate Introduction</a:t>
-          </a:r>
-          <a:endParaRPr lang="en-AU" sz="1100" dirty="0"/>
-        </a:p>
-      </dgm:t>
-    </dgm:pt>
-    <dgm:pt modelId="{B49ADB08-7DAD-4DCA-9B2B-46818BC4CFDF}" type="parTrans" cxnId="{1D679673-5FD6-4446-B5C4-EA13252864E0}">
-      <dgm:prSet/>
-      <dgm:spPr/>
-      <dgm:t>
-        <a:bodyPr/>
-        <a:lstStyle/>
-        <a:p>
-          <a:endParaRPr lang="en-AU" sz="2400"/>
-        </a:p>
-      </dgm:t>
-    </dgm:pt>
-    <dgm:pt modelId="{9491BB27-9D09-4225-BBD1-073A5C5F0A21}" type="sibTrans" cxnId="{1D679673-5FD6-4446-B5C4-EA13252864E0}">
-      <dgm:prSet/>
-      <dgm:spPr/>
-      <dgm:t>
-        <a:bodyPr/>
-        <a:lstStyle/>
-        <a:p>
-          <a:endParaRPr lang="en-AU" sz="2400"/>
-        </a:p>
-      </dgm:t>
-    </dgm:pt>
-    <dgm:pt modelId="{F44527D1-3623-4718-A5C7-590A95354660}">
-      <dgm:prSet custT="1"/>
-      <dgm:spPr>
-        <a:noFill/>
-      </dgm:spPr>
-      <dgm:t>
-        <a:bodyPr/>
-        <a:lstStyle/>
-        <a:p>
-          <a:pPr>
-            <a:lnSpc>
-              <a:spcPct val="150000"/>
-            </a:lnSpc>
-            <a:buFont typeface="Wingdings" panose="05000000000000000000" pitchFamily="2" charset="2"/>
-            <a:buChar char="ü"/>
-          </a:pPr>
-          <a:r>
-            <a:rPr lang="en-GB" sz="1100" kern="1200" dirty="0">
-              <a:solidFill>
-                <a:prstClr val="black">
-                  <a:hueOff val="0"/>
-                  <a:satOff val="0"/>
-                  <a:lumOff val="0"/>
-                  <a:alphaOff val="0"/>
-                </a:prstClr>
-              </a:solidFill>
-              <a:latin typeface="Calibri" panose="020F0502020204030204"/>
-              <a:ea typeface="+mn-ea"/>
-              <a:cs typeface="+mn-cs"/>
-            </a:rPr>
-            <a:t>Microsoft Flow Basics</a:t>
-          </a:r>
-          <a:endParaRPr lang="en-AU" sz="1100" kern="1200" dirty="0">
-            <a:solidFill>
-              <a:prstClr val="black">
-                <a:hueOff val="0"/>
-                <a:satOff val="0"/>
-                <a:lumOff val="0"/>
-                <a:alphaOff val="0"/>
-              </a:prstClr>
-            </a:solidFill>
-            <a:latin typeface="Calibri" panose="020F0502020204030204"/>
-            <a:ea typeface="+mn-ea"/>
-            <a:cs typeface="+mn-cs"/>
-          </a:endParaRPr>
-        </a:p>
-      </dgm:t>
-    </dgm:pt>
-    <dgm:pt modelId="{5E7514FD-99DE-4412-9C1C-3D96F9C74494}" type="parTrans" cxnId="{FBE15CA0-3717-497A-8E9A-018989822677}">
-      <dgm:prSet/>
-      <dgm:spPr/>
-      <dgm:t>
-        <a:bodyPr/>
-        <a:lstStyle/>
-        <a:p>
-          <a:endParaRPr lang="en-AU" sz="2400"/>
-        </a:p>
-      </dgm:t>
-    </dgm:pt>
-    <dgm:pt modelId="{07EC650E-232F-42AC-A156-321F455F5A3F}" type="sibTrans" cxnId="{FBE15CA0-3717-497A-8E9A-018989822677}">
-      <dgm:prSet/>
-      <dgm:spPr/>
-      <dgm:t>
-        <a:bodyPr/>
-        <a:lstStyle/>
-        <a:p>
-          <a:endParaRPr lang="en-AU" sz="2400"/>
-        </a:p>
-      </dgm:t>
-    </dgm:pt>
-    <dgm:pt modelId="{AA0CC1A4-89B3-4AA2-AE39-4C1399639CA2}">
-      <dgm:prSet custT="1"/>
-      <dgm:spPr>
-        <a:solidFill>
-          <a:schemeClr val="bg1">
-            <a:lumMod val="65000"/>
-          </a:schemeClr>
-        </a:solidFill>
-        <a:ln>
-          <a:solidFill>
-            <a:schemeClr val="bg1">
-              <a:lumMod val="65000"/>
-            </a:schemeClr>
-          </a:solidFill>
-        </a:ln>
-      </dgm:spPr>
-      <dgm:t>
-        <a:bodyPr/>
-        <a:lstStyle/>
-        <a:p>
-          <a:r>
-            <a:rPr lang="en-AU" sz="1100" dirty="0"/>
-            <a:t>Day 3</a:t>
-          </a:r>
-        </a:p>
-        <a:p>
-          <a:r>
-            <a:rPr lang="en-GB" sz="1100" dirty="0"/>
-            <a:t>Power Automate Project Scenarios</a:t>
-          </a:r>
-          <a:endParaRPr lang="en-AU" sz="1100" dirty="0"/>
-        </a:p>
-      </dgm:t>
-    </dgm:pt>
-    <dgm:pt modelId="{C0AF6D3B-B26B-43D4-8370-C068EA004DB7}" type="parTrans" cxnId="{F856FA7B-3279-4151-88C6-FC89EF00CA04}">
-      <dgm:prSet/>
-      <dgm:spPr/>
-      <dgm:t>
-        <a:bodyPr/>
-        <a:lstStyle/>
-        <a:p>
-          <a:endParaRPr lang="en-AU" sz="2400"/>
-        </a:p>
-      </dgm:t>
-    </dgm:pt>
-    <dgm:pt modelId="{6CDD5F2F-DC14-46D9-87E7-871C2297CCE1}" type="sibTrans" cxnId="{F856FA7B-3279-4151-88C6-FC89EF00CA04}">
-      <dgm:prSet/>
-      <dgm:spPr/>
-      <dgm:t>
-        <a:bodyPr/>
-        <a:lstStyle/>
-        <a:p>
-          <a:endParaRPr lang="en-AU" sz="2400"/>
-        </a:p>
-      </dgm:t>
-    </dgm:pt>
-    <dgm:pt modelId="{C6F6A35E-EF9D-42DB-9F6B-51AFF90BC98C}">
-      <dgm:prSet custT="1"/>
-      <dgm:spPr>
-        <a:noFill/>
-      </dgm:spPr>
-      <dgm:t>
-        <a:bodyPr/>
-        <a:lstStyle/>
-        <a:p>
-          <a:pPr>
-            <a:lnSpc>
-              <a:spcPct val="150000"/>
-            </a:lnSpc>
-            <a:buFont typeface="Wingdings" panose="05000000000000000000" pitchFamily="2" charset="2"/>
-            <a:buChar char="ü"/>
-          </a:pPr>
-          <a:r>
-            <a:rPr lang="en-GB" sz="1100" dirty="0"/>
-            <a:t>Approve / Reject Workflow  Scenario</a:t>
-          </a:r>
-          <a:endParaRPr lang="en-AU" sz="1100" dirty="0"/>
-        </a:p>
-      </dgm:t>
-    </dgm:pt>
-    <dgm:pt modelId="{4BE4706B-ADBA-4294-8DC4-FD7F07C201E2}" type="parTrans" cxnId="{33F1A608-4DA9-4826-AF52-36D4C55E4E04}">
-      <dgm:prSet/>
-      <dgm:spPr/>
-      <dgm:t>
-        <a:bodyPr/>
-        <a:lstStyle/>
-        <a:p>
-          <a:endParaRPr lang="en-AU" sz="2400"/>
-        </a:p>
-      </dgm:t>
-    </dgm:pt>
-    <dgm:pt modelId="{5C687E63-B55E-4016-81AC-60C7B4AB88A6}" type="sibTrans" cxnId="{33F1A608-4DA9-4826-AF52-36D4C55E4E04}">
-      <dgm:prSet/>
-      <dgm:spPr/>
-      <dgm:t>
-        <a:bodyPr/>
-        <a:lstStyle/>
-        <a:p>
-          <a:endParaRPr lang="en-AU" sz="2400"/>
-        </a:p>
-      </dgm:t>
-    </dgm:pt>
-    <dgm:pt modelId="{639BF8EA-4D33-4B30-911B-6776BADCAC46}">
-      <dgm:prSet custT="1"/>
-      <dgm:spPr>
-        <a:solidFill>
-          <a:schemeClr val="bg1">
-            <a:lumMod val="65000"/>
-          </a:schemeClr>
-        </a:solidFill>
-        <a:ln>
-          <a:solidFill>
-            <a:schemeClr val="bg1">
-              <a:lumMod val="65000"/>
-            </a:schemeClr>
-          </a:solidFill>
-        </a:ln>
-      </dgm:spPr>
-      <dgm:t>
-        <a:bodyPr/>
-        <a:lstStyle/>
-        <a:p>
-          <a:r>
-            <a:rPr lang="en-AU" sz="1100" dirty="0"/>
-            <a:t>Day 4</a:t>
-          </a:r>
-        </a:p>
-        <a:p>
-          <a:r>
-            <a:rPr lang="en-US" sz="1100" dirty="0"/>
-            <a:t>Monitoring &amp; Administration of Power Automate</a:t>
-          </a:r>
-          <a:endParaRPr lang="en-AU" sz="1100" dirty="0"/>
-        </a:p>
-      </dgm:t>
-    </dgm:pt>
-    <dgm:pt modelId="{73779F8B-B701-4BB6-9E77-1298E5928771}" type="parTrans" cxnId="{533B33B0-F780-445E-9B62-7F84DB009051}">
-      <dgm:prSet/>
-      <dgm:spPr/>
-      <dgm:t>
-        <a:bodyPr/>
-        <a:lstStyle/>
-        <a:p>
-          <a:endParaRPr lang="en-AU" sz="2400"/>
-        </a:p>
-      </dgm:t>
-    </dgm:pt>
-    <dgm:pt modelId="{02641D1F-193F-4370-8212-3D28CA0839D7}" type="sibTrans" cxnId="{533B33B0-F780-445E-9B62-7F84DB009051}">
-      <dgm:prSet/>
-      <dgm:spPr/>
-      <dgm:t>
-        <a:bodyPr/>
-        <a:lstStyle/>
-        <a:p>
-          <a:endParaRPr lang="en-AU" sz="2400"/>
-        </a:p>
-      </dgm:t>
-    </dgm:pt>
-    <dgm:pt modelId="{8A005F68-872E-4565-97CF-5F934A8F7106}">
-      <dgm:prSet custT="1"/>
-      <dgm:spPr>
-        <a:noFill/>
-      </dgm:spPr>
-      <dgm:t>
-        <a:bodyPr/>
-        <a:lstStyle/>
-        <a:p>
-          <a:pPr>
-            <a:lnSpc>
-              <a:spcPct val="150000"/>
-            </a:lnSpc>
-            <a:buFont typeface="Wingdings" panose="05000000000000000000" pitchFamily="2" charset="2"/>
-            <a:buChar char="ü"/>
-          </a:pPr>
-          <a:r>
-            <a:rPr lang="en-GB" sz="1100" dirty="0"/>
-            <a:t>Import, Export Flows</a:t>
-          </a:r>
-          <a:endParaRPr lang="en-AU" sz="1100" dirty="0"/>
-        </a:p>
-      </dgm:t>
-    </dgm:pt>
-    <dgm:pt modelId="{6458AC6F-FC93-49FE-B39E-B3BD37FC1330}" type="parTrans" cxnId="{D4F09DD2-D7DC-4C0A-B107-20DDDF7554E9}">
-      <dgm:prSet/>
-      <dgm:spPr/>
-      <dgm:t>
-        <a:bodyPr/>
-        <a:lstStyle/>
-        <a:p>
-          <a:endParaRPr lang="en-AU" sz="2400"/>
-        </a:p>
-      </dgm:t>
-    </dgm:pt>
-    <dgm:pt modelId="{88809219-9B02-4029-97B7-029D87354175}" type="sibTrans" cxnId="{D4F09DD2-D7DC-4C0A-B107-20DDDF7554E9}">
-      <dgm:prSet/>
-      <dgm:spPr/>
-      <dgm:t>
-        <a:bodyPr/>
-        <a:lstStyle/>
-        <a:p>
-          <a:endParaRPr lang="en-AU" sz="2400"/>
-        </a:p>
-      </dgm:t>
-    </dgm:pt>
-    <dgm:pt modelId="{4A547C1D-B2B4-4DC0-9186-F06ADA29D96C}">
-      <dgm:prSet custT="1"/>
-      <dgm:spPr/>
-      <dgm:t>
-        <a:bodyPr/>
-        <a:lstStyle/>
-        <a:p>
-          <a:pPr>
-            <a:lnSpc>
-              <a:spcPct val="150000"/>
-            </a:lnSpc>
-            <a:buFont typeface="Wingdings" panose="05000000000000000000" pitchFamily="2" charset="2"/>
-            <a:buChar char="ü"/>
-          </a:pPr>
-          <a:r>
-            <a:rPr lang="en-GB" sz="1100" dirty="0"/>
-            <a:t>Microsoft Power Platform momentum</a:t>
-          </a:r>
-        </a:p>
-      </dgm:t>
-    </dgm:pt>
-    <dgm:pt modelId="{F4FB9ED1-E83E-49C1-92FA-6655211CE690}" type="parTrans" cxnId="{28191EE6-95A7-4034-9576-375608FEE2BA}">
-      <dgm:prSet/>
-      <dgm:spPr/>
-      <dgm:t>
-        <a:bodyPr/>
-        <a:lstStyle/>
-        <a:p>
-          <a:endParaRPr lang="en-GB"/>
-        </a:p>
-      </dgm:t>
-    </dgm:pt>
-    <dgm:pt modelId="{5B58EB33-10F0-4DE7-8164-D3499FE473A2}" type="sibTrans" cxnId="{28191EE6-95A7-4034-9576-375608FEE2BA}">
-      <dgm:prSet/>
-      <dgm:spPr/>
-      <dgm:t>
-        <a:bodyPr/>
-        <a:lstStyle/>
-        <a:p>
-          <a:endParaRPr lang="en-GB"/>
-        </a:p>
-      </dgm:t>
-    </dgm:pt>
-    <dgm:pt modelId="{98420ADA-3284-4782-9084-DBF7EC77014B}">
-      <dgm:prSet custT="1"/>
-      <dgm:spPr/>
-      <dgm:t>
-        <a:bodyPr/>
-        <a:lstStyle/>
-        <a:p>
-          <a:pPr>
-            <a:lnSpc>
-              <a:spcPct val="150000"/>
-            </a:lnSpc>
-            <a:buFont typeface="Wingdings" panose="05000000000000000000" pitchFamily="2" charset="2"/>
-            <a:buChar char="ü"/>
-          </a:pPr>
-          <a:r>
-            <a:rPr lang="en-GB" sz="1100" dirty="0"/>
-            <a:t>Why Power Platform?</a:t>
-          </a:r>
-        </a:p>
-      </dgm:t>
-    </dgm:pt>
-    <dgm:pt modelId="{89B80783-5988-4921-94F1-75DDC6E54496}" type="parTrans" cxnId="{AE63756E-C35D-4442-A6EA-011C399286C8}">
-      <dgm:prSet/>
-      <dgm:spPr/>
-      <dgm:t>
-        <a:bodyPr/>
-        <a:lstStyle/>
-        <a:p>
-          <a:endParaRPr lang="en-GB"/>
-        </a:p>
-      </dgm:t>
-    </dgm:pt>
-    <dgm:pt modelId="{5786085F-3BE1-4E70-A5A6-F1EBB3D8528F}" type="sibTrans" cxnId="{AE63756E-C35D-4442-A6EA-011C399286C8}">
-      <dgm:prSet/>
-      <dgm:spPr/>
-      <dgm:t>
-        <a:bodyPr/>
-        <a:lstStyle/>
-        <a:p>
-          <a:endParaRPr lang="en-GB"/>
-        </a:p>
-      </dgm:t>
-    </dgm:pt>
-    <dgm:pt modelId="{9910124C-CD53-4A9F-B500-6A452AAC9432}">
-      <dgm:prSet custT="1"/>
-      <dgm:spPr/>
-      <dgm:t>
-        <a:bodyPr/>
-        <a:lstStyle/>
-        <a:p>
-          <a:pPr>
-            <a:lnSpc>
-              <a:spcPct val="150000"/>
-            </a:lnSpc>
-            <a:buFont typeface="Wingdings" panose="05000000000000000000" pitchFamily="2" charset="2"/>
-            <a:buChar char="ü"/>
-          </a:pPr>
-          <a:r>
-            <a:rPr lang="en-GB" sz="1100" dirty="0"/>
-            <a:t>Customer Stories</a:t>
-          </a:r>
-        </a:p>
-      </dgm:t>
-    </dgm:pt>
-    <dgm:pt modelId="{ECDD36CF-1B96-4E0B-9554-F2878A2DC6F7}" type="parTrans" cxnId="{AC32DA07-188E-46CF-B9B2-312CAF1701EA}">
-      <dgm:prSet/>
-      <dgm:spPr/>
-      <dgm:t>
-        <a:bodyPr/>
-        <a:lstStyle/>
-        <a:p>
-          <a:endParaRPr lang="en-GB"/>
-        </a:p>
-      </dgm:t>
-    </dgm:pt>
-    <dgm:pt modelId="{08D79C43-12CD-4B87-A9B1-16CF29738924}" type="sibTrans" cxnId="{AC32DA07-188E-46CF-B9B2-312CAF1701EA}">
-      <dgm:prSet/>
-      <dgm:spPr/>
-      <dgm:t>
-        <a:bodyPr/>
-        <a:lstStyle/>
-        <a:p>
-          <a:endParaRPr lang="en-GB"/>
-        </a:p>
-      </dgm:t>
-    </dgm:pt>
-    <dgm:pt modelId="{777AE668-A3FF-421B-AA60-91430B833B72}">
-      <dgm:prSet custT="1"/>
-      <dgm:spPr/>
-      <dgm:t>
-        <a:bodyPr/>
-        <a:lstStyle/>
-        <a:p>
-          <a:pPr>
-            <a:lnSpc>
-              <a:spcPct val="150000"/>
-            </a:lnSpc>
-            <a:buFont typeface="Wingdings" panose="05000000000000000000" pitchFamily="2" charset="2"/>
-            <a:buChar char="ü"/>
-          </a:pPr>
-          <a:r>
-            <a:rPr lang="en-GB" sz="1100" dirty="0"/>
-            <a:t>Power Platform Components Demo</a:t>
-          </a:r>
-        </a:p>
-      </dgm:t>
-    </dgm:pt>
-    <dgm:pt modelId="{C5035A71-CE2A-4132-8D22-291133620881}" type="parTrans" cxnId="{20A37F8A-3D18-468D-9A8D-BB5DD6F8EB68}">
-      <dgm:prSet/>
-      <dgm:spPr/>
-      <dgm:t>
-        <a:bodyPr/>
-        <a:lstStyle/>
-        <a:p>
-          <a:endParaRPr lang="en-GB"/>
-        </a:p>
-      </dgm:t>
-    </dgm:pt>
-    <dgm:pt modelId="{80E45B46-58A5-4AA8-A811-35666F3DB650}" type="sibTrans" cxnId="{20A37F8A-3D18-468D-9A8D-BB5DD6F8EB68}">
-      <dgm:prSet/>
-      <dgm:spPr/>
-      <dgm:t>
-        <a:bodyPr/>
-        <a:lstStyle/>
-        <a:p>
-          <a:endParaRPr lang="en-GB"/>
-        </a:p>
-      </dgm:t>
-    </dgm:pt>
-    <dgm:pt modelId="{4E3D64BF-2AD9-45C1-AC04-097E5D037127}">
-      <dgm:prSet custT="1"/>
-      <dgm:spPr/>
-      <dgm:t>
-        <a:bodyPr/>
-        <a:lstStyle/>
-        <a:p>
-          <a:pPr>
-            <a:lnSpc>
-              <a:spcPct val="150000"/>
-            </a:lnSpc>
-            <a:buFont typeface="Wingdings" panose="05000000000000000000" pitchFamily="2" charset="2"/>
-            <a:buChar char="ü"/>
-          </a:pPr>
-          <a:r>
-            <a:rPr lang="en-GB" sz="1100" dirty="0"/>
-            <a:t>Power Platform Account Setup</a:t>
-          </a:r>
-        </a:p>
-      </dgm:t>
-    </dgm:pt>
-    <dgm:pt modelId="{9F13A664-2CE7-4547-BE24-B47D59CE4E84}" type="parTrans" cxnId="{0EE837FC-2AC7-483C-BBEB-085A76A0BAAA}">
-      <dgm:prSet/>
-      <dgm:spPr/>
-      <dgm:t>
-        <a:bodyPr/>
-        <a:lstStyle/>
-        <a:p>
-          <a:endParaRPr lang="en-GB"/>
-        </a:p>
-      </dgm:t>
-    </dgm:pt>
-    <dgm:pt modelId="{CDFA3C01-8856-462D-A67B-92FDA903ED41}" type="sibTrans" cxnId="{0EE837FC-2AC7-483C-BBEB-085A76A0BAAA}">
-      <dgm:prSet/>
-      <dgm:spPr/>
-      <dgm:t>
-        <a:bodyPr/>
-        <a:lstStyle/>
-        <a:p>
-          <a:endParaRPr lang="en-GB"/>
-        </a:p>
-      </dgm:t>
-    </dgm:pt>
-    <dgm:pt modelId="{7F57E202-16DB-48EF-AA61-5EE4E0F12D18}">
-      <dgm:prSet custT="1"/>
-      <dgm:spPr/>
-      <dgm:t>
-        <a:bodyPr/>
-        <a:lstStyle/>
-        <a:p>
-          <a:pPr>
-            <a:lnSpc>
-              <a:spcPct val="150000"/>
-            </a:lnSpc>
-            <a:buFont typeface="Wingdings" panose="05000000000000000000" pitchFamily="2" charset="2"/>
-            <a:buChar char="ü"/>
-          </a:pPr>
-          <a:endParaRPr lang="en-GB" sz="1100" dirty="0"/>
-        </a:p>
-      </dgm:t>
-    </dgm:pt>
-    <dgm:pt modelId="{16CBFB77-215D-4C4C-9B4F-B3F4F6CE158D}" type="parTrans" cxnId="{A4F2B443-5389-4899-B10B-CF7D03420B88}">
-      <dgm:prSet/>
-      <dgm:spPr/>
-      <dgm:t>
-        <a:bodyPr/>
-        <a:lstStyle/>
-        <a:p>
-          <a:endParaRPr lang="en-GB"/>
-        </a:p>
-      </dgm:t>
-    </dgm:pt>
-    <dgm:pt modelId="{273D1426-0995-4464-8A6E-C445AD18582F}" type="sibTrans" cxnId="{A4F2B443-5389-4899-B10B-CF7D03420B88}">
-      <dgm:prSet/>
-      <dgm:spPr/>
-      <dgm:t>
-        <a:bodyPr/>
-        <a:lstStyle/>
-        <a:p>
-          <a:endParaRPr lang="en-GB"/>
-        </a:p>
-      </dgm:t>
-    </dgm:pt>
-    <dgm:pt modelId="{B76E5240-9127-4202-B4B6-880EBDC0BE5D}">
-      <dgm:prSet custT="1"/>
-      <dgm:spPr/>
-      <dgm:t>
-        <a:bodyPr/>
-        <a:lstStyle/>
-        <a:p>
-          <a:pPr>
-            <a:lnSpc>
-              <a:spcPct val="150000"/>
-            </a:lnSpc>
-            <a:buFont typeface="Wingdings" panose="05000000000000000000" pitchFamily="2" charset="2"/>
-            <a:buChar char="ü"/>
-          </a:pPr>
-          <a:r>
-            <a:rPr lang="en-GB" sz="1100" kern="1200" dirty="0">
-              <a:solidFill>
-                <a:prstClr val="black">
-                  <a:hueOff val="0"/>
-                  <a:satOff val="0"/>
-                  <a:lumOff val="0"/>
-                  <a:alphaOff val="0"/>
-                </a:prstClr>
-              </a:solidFill>
-              <a:latin typeface="Calibri" panose="020F0502020204030204"/>
-              <a:ea typeface="+mn-ea"/>
-              <a:cs typeface="+mn-cs"/>
-            </a:rPr>
-            <a:t>Microsoft Flow Templates</a:t>
-          </a:r>
-        </a:p>
-      </dgm:t>
-    </dgm:pt>
-    <dgm:pt modelId="{3C3C3E7C-DC0A-4334-8A57-924BAA5C8111}" type="parTrans" cxnId="{8087E398-DA5C-498C-8A5B-B2713AD266BE}">
-      <dgm:prSet/>
-      <dgm:spPr/>
-      <dgm:t>
-        <a:bodyPr/>
-        <a:lstStyle/>
-        <a:p>
-          <a:endParaRPr lang="en-GB"/>
-        </a:p>
-      </dgm:t>
-    </dgm:pt>
-    <dgm:pt modelId="{9A2BF3C6-C764-40A8-8F22-EE9345CDA652}" type="sibTrans" cxnId="{8087E398-DA5C-498C-8A5B-B2713AD266BE}">
-      <dgm:prSet/>
-      <dgm:spPr/>
-      <dgm:t>
-        <a:bodyPr/>
-        <a:lstStyle/>
-        <a:p>
-          <a:endParaRPr lang="en-GB"/>
-        </a:p>
-      </dgm:t>
-    </dgm:pt>
-    <dgm:pt modelId="{4062502E-73E8-4324-A7AC-1A9773108A8C}">
-      <dgm:prSet custT="1"/>
-      <dgm:spPr/>
-      <dgm:t>
-        <a:bodyPr/>
-        <a:lstStyle/>
-        <a:p>
-          <a:pPr>
-            <a:lnSpc>
-              <a:spcPct val="150000"/>
-            </a:lnSpc>
-            <a:buFont typeface="Wingdings" panose="05000000000000000000" pitchFamily="2" charset="2"/>
-            <a:buChar char="ü"/>
-          </a:pPr>
-          <a:r>
-            <a:rPr lang="en-GB" sz="1100" kern="1200" dirty="0">
-              <a:solidFill>
-                <a:prstClr val="black">
-                  <a:hueOff val="0"/>
-                  <a:satOff val="0"/>
-                  <a:lumOff val="0"/>
-                  <a:alphaOff val="0"/>
-                </a:prstClr>
-              </a:solidFill>
-              <a:latin typeface="Calibri" panose="020F0502020204030204"/>
-              <a:ea typeface="+mn-ea"/>
-              <a:cs typeface="+mn-cs"/>
-            </a:rPr>
-            <a:t>Decision Making with Flow</a:t>
-          </a:r>
-        </a:p>
-      </dgm:t>
-    </dgm:pt>
-    <dgm:pt modelId="{816C2CA6-B6D7-4C48-887A-EEF7BBA74E45}" type="parTrans" cxnId="{BA785D16-BA51-4786-B044-CF9D9B2B6FC9}">
-      <dgm:prSet/>
-      <dgm:spPr/>
-      <dgm:t>
-        <a:bodyPr/>
-        <a:lstStyle/>
-        <a:p>
-          <a:endParaRPr lang="en-GB"/>
-        </a:p>
-      </dgm:t>
-    </dgm:pt>
-    <dgm:pt modelId="{D41C9D69-8D47-43D6-B4CF-06DAA7360DA8}" type="sibTrans" cxnId="{BA785D16-BA51-4786-B044-CF9D9B2B6FC9}">
-      <dgm:prSet/>
-      <dgm:spPr/>
-      <dgm:t>
-        <a:bodyPr/>
-        <a:lstStyle/>
-        <a:p>
-          <a:endParaRPr lang="en-GB"/>
-        </a:p>
-      </dgm:t>
-    </dgm:pt>
-    <dgm:pt modelId="{F17BEB75-8B5D-4DF3-BAD2-7858046F08F9}">
-      <dgm:prSet custT="1"/>
-      <dgm:spPr/>
-      <dgm:t>
-        <a:bodyPr/>
-        <a:lstStyle/>
-        <a:p>
-          <a:pPr>
-            <a:lnSpc>
-              <a:spcPct val="150000"/>
-            </a:lnSpc>
-            <a:buFont typeface="Wingdings" panose="05000000000000000000" pitchFamily="2" charset="2"/>
-            <a:buChar char="ü"/>
-          </a:pPr>
-          <a:r>
-            <a:rPr lang="en-GB" sz="1100" kern="1200" dirty="0">
-              <a:solidFill>
-                <a:prstClr val="black">
-                  <a:hueOff val="0"/>
-                  <a:satOff val="0"/>
-                  <a:lumOff val="0"/>
-                  <a:alphaOff val="0"/>
-                </a:prstClr>
-              </a:solidFill>
-              <a:latin typeface="Calibri" panose="020F0502020204030204"/>
-              <a:ea typeface="+mn-ea"/>
-              <a:cs typeface="+mn-cs"/>
-            </a:rPr>
-            <a:t>Building</a:t>
-          </a:r>
-          <a:r>
-            <a:rPr lang="en-US" sz="1100" kern="1200" dirty="0">
-              <a:solidFill>
-                <a:prstClr val="black">
-                  <a:hueOff val="0"/>
-                  <a:satOff val="0"/>
-                  <a:lumOff val="0"/>
-                  <a:alphaOff val="0"/>
-                </a:prstClr>
-              </a:solidFill>
-              <a:latin typeface="Calibri" panose="020F0502020204030204"/>
-              <a:ea typeface="+mn-ea"/>
-              <a:cs typeface="+mn-cs"/>
-            </a:rPr>
-            <a:t> Workflows with Power Automate</a:t>
-          </a:r>
-          <a:endParaRPr lang="en-GB" sz="1100" kern="1200" dirty="0">
-            <a:solidFill>
-              <a:prstClr val="black">
-                <a:hueOff val="0"/>
-                <a:satOff val="0"/>
-                <a:lumOff val="0"/>
-                <a:alphaOff val="0"/>
-              </a:prstClr>
-            </a:solidFill>
-            <a:latin typeface="Calibri" panose="020F0502020204030204"/>
-            <a:ea typeface="+mn-ea"/>
-            <a:cs typeface="+mn-cs"/>
-          </a:endParaRPr>
-        </a:p>
-      </dgm:t>
-    </dgm:pt>
-    <dgm:pt modelId="{2D7B33D9-E84F-4694-BCB9-CC9B02BA603C}" type="parTrans" cxnId="{9D81BF66-3661-47D0-96ED-DF8D298B5A8F}">
-      <dgm:prSet/>
-      <dgm:spPr/>
-      <dgm:t>
-        <a:bodyPr/>
-        <a:lstStyle/>
-        <a:p>
-          <a:endParaRPr lang="en-GB"/>
-        </a:p>
-      </dgm:t>
-    </dgm:pt>
-    <dgm:pt modelId="{00EFD0E1-9201-4CB3-A5CF-B939FCA68856}" type="sibTrans" cxnId="{9D81BF66-3661-47D0-96ED-DF8D298B5A8F}">
-      <dgm:prSet/>
-      <dgm:spPr/>
-      <dgm:t>
-        <a:bodyPr/>
-        <a:lstStyle/>
-        <a:p>
-          <a:endParaRPr lang="en-GB"/>
-        </a:p>
-      </dgm:t>
-    </dgm:pt>
-    <dgm:pt modelId="{C08907B6-F4F6-4E9F-A114-87BF3EF73DB3}">
-      <dgm:prSet custT="1"/>
-      <dgm:spPr/>
-      <dgm:t>
-        <a:bodyPr/>
-        <a:lstStyle/>
-        <a:p>
-          <a:pPr>
-            <a:lnSpc>
-              <a:spcPct val="150000"/>
-            </a:lnSpc>
-            <a:buFont typeface="Wingdings" panose="05000000000000000000" pitchFamily="2" charset="2"/>
-            <a:buChar char="ü"/>
-          </a:pPr>
-          <a:r>
-            <a:rPr lang="en-US" sz="1100" kern="1200" dirty="0">
-              <a:solidFill>
-                <a:prstClr val="black">
-                  <a:hueOff val="0"/>
-                  <a:satOff val="0"/>
-                  <a:lumOff val="0"/>
-                  <a:alphaOff val="0"/>
-                </a:prstClr>
-              </a:solidFill>
-              <a:latin typeface="Calibri" panose="020F0502020204030204"/>
-              <a:ea typeface="+mn-ea"/>
-              <a:cs typeface="+mn-cs"/>
-            </a:rPr>
-            <a:t>Hands on Lab - Microsoft Flow</a:t>
-          </a:r>
-          <a:endParaRPr lang="en-GB" sz="1100" kern="1200" dirty="0">
-            <a:solidFill>
-              <a:prstClr val="black">
-                <a:hueOff val="0"/>
-                <a:satOff val="0"/>
-                <a:lumOff val="0"/>
-                <a:alphaOff val="0"/>
-              </a:prstClr>
-            </a:solidFill>
-            <a:latin typeface="Calibri" panose="020F0502020204030204"/>
-            <a:ea typeface="+mn-ea"/>
-            <a:cs typeface="+mn-cs"/>
-          </a:endParaRPr>
-        </a:p>
-      </dgm:t>
-    </dgm:pt>
-    <dgm:pt modelId="{5DF358E1-6826-4640-B338-EEAE82712288}" type="parTrans" cxnId="{C2F7A3ED-EE26-432F-900A-ACCDE9BCB9FF}">
-      <dgm:prSet/>
-      <dgm:spPr/>
-      <dgm:t>
-        <a:bodyPr/>
-        <a:lstStyle/>
-        <a:p>
-          <a:endParaRPr lang="en-GB"/>
-        </a:p>
-      </dgm:t>
-    </dgm:pt>
-    <dgm:pt modelId="{0BB32A38-3545-4719-B85C-E151C3E1FE0F}" type="sibTrans" cxnId="{C2F7A3ED-EE26-432F-900A-ACCDE9BCB9FF}">
-      <dgm:prSet/>
-      <dgm:spPr/>
-      <dgm:t>
-        <a:bodyPr/>
-        <a:lstStyle/>
-        <a:p>
-          <a:endParaRPr lang="en-GB"/>
-        </a:p>
-      </dgm:t>
-    </dgm:pt>
-    <dgm:pt modelId="{465BEE15-71A8-424E-B5D8-1D9D9FC35CD0}">
-      <dgm:prSet custT="1"/>
-      <dgm:spPr/>
-      <dgm:t>
-        <a:bodyPr/>
-        <a:lstStyle/>
-        <a:p>
-          <a:pPr>
-            <a:lnSpc>
-              <a:spcPct val="150000"/>
-            </a:lnSpc>
-            <a:buFont typeface="Wingdings" panose="05000000000000000000" pitchFamily="2" charset="2"/>
-            <a:buNone/>
-          </a:pPr>
-          <a:r>
-            <a:rPr lang="en-US" sz="1100" kern="1200" dirty="0">
-              <a:solidFill>
-                <a:prstClr val="black">
-                  <a:hueOff val="0"/>
-                  <a:satOff val="0"/>
-                  <a:lumOff val="0"/>
-                  <a:alphaOff val="0"/>
-                </a:prstClr>
-              </a:solidFill>
-              <a:latin typeface="Calibri" panose="020F0502020204030204"/>
-              <a:ea typeface="+mn-ea"/>
-              <a:cs typeface="+mn-cs"/>
-            </a:rPr>
-            <a:t>		Conditions, Switches, Scope &amp; 	Context of Decision-Making 	Control Elements</a:t>
-          </a:r>
-          <a:endParaRPr lang="en-GB" sz="1100" kern="1200" dirty="0">
-            <a:solidFill>
-              <a:prstClr val="black">
-                <a:hueOff val="0"/>
-                <a:satOff val="0"/>
-                <a:lumOff val="0"/>
-                <a:alphaOff val="0"/>
-              </a:prstClr>
-            </a:solidFill>
-            <a:latin typeface="Calibri" panose="020F0502020204030204"/>
-            <a:ea typeface="+mn-ea"/>
-            <a:cs typeface="+mn-cs"/>
-          </a:endParaRPr>
-        </a:p>
-      </dgm:t>
-    </dgm:pt>
-    <dgm:pt modelId="{09FC7E24-1202-44C7-9E5E-2BE18D247AB4}" type="parTrans" cxnId="{308FD3B2-16DE-4C7D-866D-F8B8AF954809}">
-      <dgm:prSet/>
-      <dgm:spPr/>
-      <dgm:t>
-        <a:bodyPr/>
-        <a:lstStyle/>
-        <a:p>
-          <a:endParaRPr lang="en-GB"/>
-        </a:p>
-      </dgm:t>
-    </dgm:pt>
-    <dgm:pt modelId="{31C99780-C33E-4A30-81DB-BC359D4E2788}" type="sibTrans" cxnId="{308FD3B2-16DE-4C7D-866D-F8B8AF954809}">
-      <dgm:prSet/>
-      <dgm:spPr/>
-      <dgm:t>
-        <a:bodyPr/>
-        <a:lstStyle/>
-        <a:p>
-          <a:endParaRPr lang="en-GB"/>
-        </a:p>
-      </dgm:t>
-    </dgm:pt>
-    <dgm:pt modelId="{5DA3169F-0ED9-4D3F-A9A4-A28F74F508BA}">
-      <dgm:prSet custT="1"/>
-      <dgm:spPr/>
-      <dgm:t>
-        <a:bodyPr/>
-        <a:lstStyle/>
-        <a:p>
-          <a:pPr>
-            <a:lnSpc>
-              <a:spcPct val="150000"/>
-            </a:lnSpc>
-            <a:buFont typeface="Wingdings" panose="05000000000000000000" pitchFamily="2" charset="2"/>
-            <a:buChar char="ü"/>
-          </a:pPr>
-          <a:r>
-            <a:rPr lang="en-GB" sz="1100" dirty="0"/>
-            <a:t>Recurrence Workflow Scenario</a:t>
-          </a:r>
-        </a:p>
-      </dgm:t>
-    </dgm:pt>
-    <dgm:pt modelId="{EC5A99B9-164C-48A3-B089-5384823D72AD}" type="parTrans" cxnId="{16E846A7-E950-45B9-BAAC-0FDE572734BB}">
-      <dgm:prSet/>
-      <dgm:spPr/>
-      <dgm:t>
-        <a:bodyPr/>
-        <a:lstStyle/>
-        <a:p>
-          <a:endParaRPr lang="en-GB"/>
-        </a:p>
-      </dgm:t>
-    </dgm:pt>
-    <dgm:pt modelId="{1040AC97-3D85-42FF-877E-CF1F54C3AD71}" type="sibTrans" cxnId="{16E846A7-E950-45B9-BAAC-0FDE572734BB}">
-      <dgm:prSet/>
-      <dgm:spPr/>
-      <dgm:t>
-        <a:bodyPr/>
-        <a:lstStyle/>
-        <a:p>
-          <a:endParaRPr lang="en-GB"/>
-        </a:p>
-      </dgm:t>
-    </dgm:pt>
-    <dgm:pt modelId="{FF7479FA-D3DE-42F8-A37E-4C7A90DEED1E}">
-      <dgm:prSet custT="1"/>
-      <dgm:spPr/>
-      <dgm:t>
-        <a:bodyPr/>
-        <a:lstStyle/>
-        <a:p>
-          <a:pPr>
-            <a:lnSpc>
-              <a:spcPct val="150000"/>
-            </a:lnSpc>
-            <a:buFont typeface="Wingdings" panose="05000000000000000000" pitchFamily="2" charset="2"/>
-            <a:buChar char="ü"/>
-          </a:pPr>
-          <a:r>
-            <a:rPr lang="en-GB" sz="1100" dirty="0"/>
-            <a:t>Azure Cognitive Services AI Integration Workflow Scenario</a:t>
-          </a:r>
-        </a:p>
-      </dgm:t>
-    </dgm:pt>
-    <dgm:pt modelId="{2024654F-E7D8-4A6D-929C-24A8AEE6E968}" type="parTrans" cxnId="{5579CBB5-8891-4FBE-92D3-9C17178C4EBA}">
-      <dgm:prSet/>
-      <dgm:spPr/>
-      <dgm:t>
-        <a:bodyPr/>
-        <a:lstStyle/>
-        <a:p>
-          <a:endParaRPr lang="en-GB"/>
-        </a:p>
-      </dgm:t>
-    </dgm:pt>
-    <dgm:pt modelId="{F3288068-09C5-4DDA-ACD4-9AEC46940091}" type="sibTrans" cxnId="{5579CBB5-8891-4FBE-92D3-9C17178C4EBA}">
-      <dgm:prSet/>
-      <dgm:spPr/>
-      <dgm:t>
-        <a:bodyPr/>
-        <a:lstStyle/>
-        <a:p>
-          <a:endParaRPr lang="en-GB"/>
-        </a:p>
-      </dgm:t>
-    </dgm:pt>
-    <dgm:pt modelId="{1F091809-64B7-4EDB-B64B-E91ABBD1972E}">
-      <dgm:prSet custT="1"/>
-      <dgm:spPr/>
-      <dgm:t>
-        <a:bodyPr/>
-        <a:lstStyle/>
-        <a:p>
-          <a:pPr>
-            <a:lnSpc>
-              <a:spcPct val="150000"/>
-            </a:lnSpc>
-            <a:buFont typeface="Wingdings" panose="05000000000000000000" pitchFamily="2" charset="2"/>
-            <a:buChar char="ü"/>
-          </a:pPr>
-          <a:r>
-            <a:rPr lang="en-US" sz="1100" dirty="0"/>
-            <a:t>Power App Integration Workflow Scenario</a:t>
-          </a:r>
-          <a:endParaRPr lang="en-GB" sz="1100" dirty="0"/>
-        </a:p>
-      </dgm:t>
-    </dgm:pt>
-    <dgm:pt modelId="{E84E1695-1DEE-4DBE-9AFA-52C976851076}" type="parTrans" cxnId="{091251E4-AD66-439E-BEC0-A0C18B3C9505}">
-      <dgm:prSet/>
-      <dgm:spPr/>
-      <dgm:t>
-        <a:bodyPr/>
-        <a:lstStyle/>
-        <a:p>
-          <a:endParaRPr lang="en-GB"/>
-        </a:p>
-      </dgm:t>
-    </dgm:pt>
-    <dgm:pt modelId="{183D1BFC-BE5A-451A-BB57-735983241704}" type="sibTrans" cxnId="{091251E4-AD66-439E-BEC0-A0C18B3C9505}">
-      <dgm:prSet/>
-      <dgm:spPr/>
-      <dgm:t>
-        <a:bodyPr/>
-        <a:lstStyle/>
-        <a:p>
-          <a:endParaRPr lang="en-GB"/>
-        </a:p>
-      </dgm:t>
-    </dgm:pt>
-    <dgm:pt modelId="{3FF34A44-49F2-4761-8B3C-706C18349373}">
-      <dgm:prSet custT="1"/>
-      <dgm:spPr/>
-      <dgm:t>
-        <a:bodyPr/>
-        <a:lstStyle/>
-        <a:p>
-          <a:pPr>
-            <a:lnSpc>
-              <a:spcPct val="150000"/>
-            </a:lnSpc>
-            <a:buFont typeface="Wingdings" panose="05000000000000000000" pitchFamily="2" charset="2"/>
-            <a:buChar char="ü"/>
-          </a:pPr>
-          <a:r>
-            <a:rPr lang="en-US" sz="1100" dirty="0"/>
-            <a:t>SQL Server Integration Workflow Scenario</a:t>
-          </a:r>
-          <a:endParaRPr lang="en-GB" sz="1100" dirty="0"/>
-        </a:p>
-      </dgm:t>
-    </dgm:pt>
-    <dgm:pt modelId="{5E6D0FDF-D479-483B-A503-28B735817019}" type="parTrans" cxnId="{E8DF9DF6-FF12-48DC-93F7-62A9460C794D}">
-      <dgm:prSet/>
-      <dgm:spPr/>
-      <dgm:t>
-        <a:bodyPr/>
-        <a:lstStyle/>
-        <a:p>
-          <a:endParaRPr lang="en-GB"/>
-        </a:p>
-      </dgm:t>
-    </dgm:pt>
-    <dgm:pt modelId="{6E531A41-70C0-40F8-8CD1-20C376A35278}" type="sibTrans" cxnId="{E8DF9DF6-FF12-48DC-93F7-62A9460C794D}">
-      <dgm:prSet/>
-      <dgm:spPr/>
-      <dgm:t>
-        <a:bodyPr/>
-        <a:lstStyle/>
-        <a:p>
-          <a:endParaRPr lang="en-GB"/>
-        </a:p>
-      </dgm:t>
-    </dgm:pt>
-    <dgm:pt modelId="{56FF165D-4EE6-47F7-B585-BA258EE1956E}">
-      <dgm:prSet custT="1"/>
-      <dgm:spPr/>
-      <dgm:t>
-        <a:bodyPr/>
-        <a:lstStyle/>
-        <a:p>
-          <a:pPr>
-            <a:lnSpc>
-              <a:spcPct val="150000"/>
-            </a:lnSpc>
-            <a:buFont typeface="Wingdings" panose="05000000000000000000" pitchFamily="2" charset="2"/>
-            <a:buChar char="ü"/>
-          </a:pPr>
-          <a:r>
-            <a:rPr lang="en-US" sz="1100" dirty="0"/>
-            <a:t>HoL - End to End Business Flow with all Scenarios</a:t>
-          </a:r>
-          <a:endParaRPr lang="en-GB" sz="1100" dirty="0"/>
-        </a:p>
-      </dgm:t>
-    </dgm:pt>
-    <dgm:pt modelId="{E7FA3762-1EEE-421B-AF2E-E8FC468373E8}" type="parTrans" cxnId="{E9047D9B-EAAD-461E-A038-34D231E1EA94}">
-      <dgm:prSet/>
-      <dgm:spPr/>
-      <dgm:t>
-        <a:bodyPr/>
-        <a:lstStyle/>
-        <a:p>
-          <a:endParaRPr lang="en-GB"/>
-        </a:p>
-      </dgm:t>
-    </dgm:pt>
-    <dgm:pt modelId="{1DBDFFA1-635A-4BD0-AD79-4ACCD2108BB5}" type="sibTrans" cxnId="{E9047D9B-EAAD-461E-A038-34D231E1EA94}">
-      <dgm:prSet/>
-      <dgm:spPr/>
-      <dgm:t>
-        <a:bodyPr/>
-        <a:lstStyle/>
-        <a:p>
-          <a:endParaRPr lang="en-GB"/>
-        </a:p>
-      </dgm:t>
-    </dgm:pt>
-    <dgm:pt modelId="{302D37E3-A5D4-40CB-BAA5-13200B6B9D4C}">
-      <dgm:prSet custT="1"/>
-      <dgm:spPr/>
-      <dgm:t>
-        <a:bodyPr/>
-        <a:lstStyle/>
-        <a:p>
-          <a:pPr>
-            <a:lnSpc>
-              <a:spcPct val="150000"/>
-            </a:lnSpc>
-            <a:buFont typeface="Wingdings" panose="05000000000000000000" pitchFamily="2" charset="2"/>
-            <a:buChar char="ü"/>
-          </a:pPr>
-          <a:r>
-            <a:rPr lang="en-GB" sz="1100" dirty="0"/>
-            <a:t>Distribute Flows</a:t>
-          </a:r>
-        </a:p>
-      </dgm:t>
-    </dgm:pt>
-    <dgm:pt modelId="{68A20770-5B82-4864-BA08-523E3B3FCFE0}" type="parTrans" cxnId="{85894D8B-0C47-4ACF-B7B5-AD7E0F237546}">
-      <dgm:prSet/>
-      <dgm:spPr/>
-      <dgm:t>
-        <a:bodyPr/>
-        <a:lstStyle/>
-        <a:p>
-          <a:endParaRPr lang="en-GB"/>
-        </a:p>
-      </dgm:t>
-    </dgm:pt>
-    <dgm:pt modelId="{435BA6CF-AB6F-4DB8-AAE1-9960E24ACAEE}" type="sibTrans" cxnId="{85894D8B-0C47-4ACF-B7B5-AD7E0F237546}">
-      <dgm:prSet/>
-      <dgm:spPr/>
-      <dgm:t>
-        <a:bodyPr/>
-        <a:lstStyle/>
-        <a:p>
-          <a:endParaRPr lang="en-GB"/>
-        </a:p>
-      </dgm:t>
-    </dgm:pt>
-    <dgm:pt modelId="{B3C8BECF-B8AB-490A-A92F-3EDD86B284EA}">
-      <dgm:prSet custT="1"/>
-      <dgm:spPr/>
-      <dgm:t>
-        <a:bodyPr/>
-        <a:lstStyle/>
-        <a:p>
-          <a:pPr>
-            <a:lnSpc>
-              <a:spcPct val="150000"/>
-            </a:lnSpc>
-            <a:buFont typeface="Wingdings" panose="05000000000000000000" pitchFamily="2" charset="2"/>
-            <a:buChar char="ü"/>
-          </a:pPr>
-          <a:r>
-            <a:rPr lang="en-US" sz="1100" dirty="0"/>
-            <a:t>Sharing of Flows across workspaces</a:t>
-          </a:r>
-          <a:endParaRPr lang="en-GB" sz="1100" dirty="0"/>
-        </a:p>
-      </dgm:t>
-    </dgm:pt>
-    <dgm:pt modelId="{8BA0BCA8-8254-4313-AC80-D429F9536B2E}" type="parTrans" cxnId="{5BBD34A7-279B-474C-B3D4-8A6EC7E2E77C}">
-      <dgm:prSet/>
-      <dgm:spPr/>
-      <dgm:t>
-        <a:bodyPr/>
-        <a:lstStyle/>
-        <a:p>
-          <a:endParaRPr lang="en-GB"/>
-        </a:p>
-      </dgm:t>
-    </dgm:pt>
-    <dgm:pt modelId="{9F84ECDD-E797-4866-A905-9121135ACE49}" type="sibTrans" cxnId="{5BBD34A7-279B-474C-B3D4-8A6EC7E2E77C}">
-      <dgm:prSet/>
-      <dgm:spPr/>
-      <dgm:t>
-        <a:bodyPr/>
-        <a:lstStyle/>
-        <a:p>
-          <a:endParaRPr lang="en-GB"/>
-        </a:p>
-      </dgm:t>
-    </dgm:pt>
-    <dgm:pt modelId="{3FACC810-504C-4984-865C-1306BCF49691}">
-      <dgm:prSet custT="1"/>
-      <dgm:spPr/>
-      <dgm:t>
-        <a:bodyPr/>
-        <a:lstStyle/>
-        <a:p>
-          <a:pPr>
-            <a:lnSpc>
-              <a:spcPct val="150000"/>
-            </a:lnSpc>
-            <a:buFont typeface="Wingdings" panose="05000000000000000000" pitchFamily="2" charset="2"/>
-            <a:buChar char="ü"/>
-          </a:pPr>
-          <a:r>
-            <a:rPr lang="en-US" sz="1100" dirty="0"/>
-            <a:t>Different Flow Environments and Code Promotion</a:t>
-          </a:r>
-          <a:endParaRPr lang="en-GB" sz="1100" dirty="0"/>
-        </a:p>
-      </dgm:t>
-    </dgm:pt>
-    <dgm:pt modelId="{DE0DC09F-3045-4FE7-97C4-7FB14D1B8E8C}" type="parTrans" cxnId="{9A6DA869-1412-4943-B4A2-AB5DCED672F7}">
-      <dgm:prSet/>
-      <dgm:spPr/>
-      <dgm:t>
-        <a:bodyPr/>
-        <a:lstStyle/>
-        <a:p>
-          <a:endParaRPr lang="en-GB"/>
-        </a:p>
-      </dgm:t>
-    </dgm:pt>
-    <dgm:pt modelId="{D795B2B7-8A5C-42DD-95A2-72B8F801F1C9}" type="sibTrans" cxnId="{9A6DA869-1412-4943-B4A2-AB5DCED672F7}">
-      <dgm:prSet/>
-      <dgm:spPr/>
-      <dgm:t>
-        <a:bodyPr/>
-        <a:lstStyle/>
-        <a:p>
-          <a:endParaRPr lang="en-GB"/>
-        </a:p>
-      </dgm:t>
-    </dgm:pt>
-    <dgm:pt modelId="{C81EB984-23B7-442F-A891-2AEE32760477}">
-      <dgm:prSet custT="1"/>
-      <dgm:spPr/>
-      <dgm:t>
-        <a:bodyPr/>
-        <a:lstStyle/>
-        <a:p>
-          <a:pPr>
-            <a:lnSpc>
-              <a:spcPct val="150000"/>
-            </a:lnSpc>
-            <a:buFont typeface="Wingdings" panose="05000000000000000000" pitchFamily="2" charset="2"/>
-            <a:buChar char="ü"/>
-          </a:pPr>
-          <a:r>
-            <a:rPr lang="en-US" sz="1100" dirty="0"/>
-            <a:t>Data Policies &amp; Integration Check Points</a:t>
-          </a:r>
-          <a:endParaRPr lang="en-GB" sz="1100" dirty="0"/>
-        </a:p>
-      </dgm:t>
-    </dgm:pt>
-    <dgm:pt modelId="{C5A2633B-610C-464A-A3C9-30CE6E9F6AE7}" type="parTrans" cxnId="{9CF1AE44-C1BE-47A9-B15D-C44E7248BBC9}">
-      <dgm:prSet/>
-      <dgm:spPr/>
-      <dgm:t>
-        <a:bodyPr/>
-        <a:lstStyle/>
-        <a:p>
-          <a:endParaRPr lang="en-GB"/>
-        </a:p>
-      </dgm:t>
-    </dgm:pt>
-    <dgm:pt modelId="{0BCC8B92-D16C-4EBD-91EA-322878E79335}" type="sibTrans" cxnId="{9CF1AE44-C1BE-47A9-B15D-C44E7248BBC9}">
-      <dgm:prSet/>
-      <dgm:spPr/>
-      <dgm:t>
-        <a:bodyPr/>
-        <a:lstStyle/>
-        <a:p>
-          <a:endParaRPr lang="en-GB"/>
-        </a:p>
-      </dgm:t>
-    </dgm:pt>
-    <dgm:pt modelId="{9B013DFF-1E80-4216-9B3F-611E64EEA6D2}">
-      <dgm:prSet custT="1"/>
-      <dgm:spPr/>
-      <dgm:t>
-        <a:bodyPr/>
-        <a:lstStyle/>
-        <a:p>
-          <a:pPr>
-            <a:lnSpc>
-              <a:spcPct val="150000"/>
-            </a:lnSpc>
-            <a:buFont typeface="Wingdings" panose="05000000000000000000" pitchFamily="2" charset="2"/>
-            <a:buChar char="ü"/>
-          </a:pPr>
-          <a:r>
-            <a:rPr lang="en-GB" sz="1100" dirty="0"/>
-            <a:t>Flow History and Analytics</a:t>
-          </a:r>
-        </a:p>
-      </dgm:t>
-    </dgm:pt>
-    <dgm:pt modelId="{AA9E4DCD-BD72-4813-9549-E2E0CF8E5E6F}" type="parTrans" cxnId="{603EFCD5-7FAF-448D-B90B-B0669D7A2CFD}">
-      <dgm:prSet/>
-      <dgm:spPr/>
-      <dgm:t>
-        <a:bodyPr/>
-        <a:lstStyle/>
-        <a:p>
-          <a:endParaRPr lang="en-GB"/>
-        </a:p>
-      </dgm:t>
-    </dgm:pt>
-    <dgm:pt modelId="{634B935C-CD16-424E-8FF8-8AF1ACB26D60}" type="sibTrans" cxnId="{603EFCD5-7FAF-448D-B90B-B0669D7A2CFD}">
-      <dgm:prSet/>
-      <dgm:spPr/>
-      <dgm:t>
-        <a:bodyPr/>
-        <a:lstStyle/>
-        <a:p>
-          <a:endParaRPr lang="en-GB"/>
-        </a:p>
-      </dgm:t>
-    </dgm:pt>
-    <dgm:pt modelId="{22D53C49-724B-4B83-90DC-79ABA8121C0C}">
-      <dgm:prSet custT="1"/>
-      <dgm:spPr/>
-      <dgm:t>
-        <a:bodyPr/>
-        <a:lstStyle/>
-        <a:p>
-          <a:pPr>
-            <a:lnSpc>
-              <a:spcPct val="150000"/>
-            </a:lnSpc>
-            <a:buFont typeface="Wingdings" panose="05000000000000000000" pitchFamily="2" charset="2"/>
-            <a:buChar char="ü"/>
-          </a:pPr>
-          <a:r>
-            <a:rPr lang="en-GB" sz="1100" dirty="0"/>
-            <a:t>HoL - Check your Knowledge</a:t>
-          </a:r>
-        </a:p>
-      </dgm:t>
-    </dgm:pt>
-    <dgm:pt modelId="{2567B733-2D9B-40E5-8CDA-F42D2E447855}" type="parTrans" cxnId="{1F997B2F-08A7-4059-93A2-F33CEC7E12D3}">
-      <dgm:prSet/>
-      <dgm:spPr/>
-      <dgm:t>
-        <a:bodyPr/>
-        <a:lstStyle/>
-        <a:p>
-          <a:endParaRPr lang="en-GB"/>
-        </a:p>
-      </dgm:t>
-    </dgm:pt>
-    <dgm:pt modelId="{18F30784-4D71-47AA-B92A-29B6CA549629}" type="sibTrans" cxnId="{1F997B2F-08A7-4059-93A2-F33CEC7E12D3}">
-      <dgm:prSet/>
-      <dgm:spPr/>
-      <dgm:t>
-        <a:bodyPr/>
-        <a:lstStyle/>
-        <a:p>
-          <a:endParaRPr lang="en-GB"/>
-        </a:p>
-      </dgm:t>
-    </dgm:pt>
-    <dgm:pt modelId="{6B2FFAB6-6807-495B-A4C3-431EC605ABA8}">
-      <dgm:prSet custT="1"/>
-      <dgm:spPr/>
-      <dgm:t>
-        <a:bodyPr/>
-        <a:lstStyle/>
-        <a:p>
-          <a:pPr>
-            <a:lnSpc>
-              <a:spcPct val="150000"/>
-            </a:lnSpc>
-            <a:buFont typeface="Wingdings" panose="05000000000000000000" pitchFamily="2" charset="2"/>
-            <a:buNone/>
-          </a:pPr>
-          <a:endParaRPr lang="en-GB" sz="1100" dirty="0"/>
-        </a:p>
-      </dgm:t>
-    </dgm:pt>
-    <dgm:pt modelId="{10807C3F-FABF-41BD-B65B-8E11F28CD61B}" type="parTrans" cxnId="{50161FD8-F589-4F1C-8759-2D8635E3DD5F}">
-      <dgm:prSet/>
-      <dgm:spPr/>
-      <dgm:t>
-        <a:bodyPr/>
-        <a:lstStyle/>
-        <a:p>
-          <a:endParaRPr lang="en-GB"/>
-        </a:p>
-      </dgm:t>
-    </dgm:pt>
-    <dgm:pt modelId="{517731D1-7408-4B9A-B478-62C681AB054F}" type="sibTrans" cxnId="{50161FD8-F589-4F1C-8759-2D8635E3DD5F}">
-      <dgm:prSet/>
-      <dgm:spPr/>
-      <dgm:t>
-        <a:bodyPr/>
-        <a:lstStyle/>
-        <a:p>
-          <a:endParaRPr lang="en-GB"/>
-        </a:p>
-      </dgm:t>
-    </dgm:pt>
-    <dgm:pt modelId="{85B4582B-0983-43CC-8A36-C896BBF7DFFC}">
-      <dgm:prSet custT="1"/>
-      <dgm:spPr>
-        <a:noFill/>
-      </dgm:spPr>
-      <dgm:t>
-        <a:bodyPr/>
-        <a:lstStyle/>
-        <a:p>
-          <a:pPr>
-            <a:lnSpc>
-              <a:spcPct val="150000"/>
-            </a:lnSpc>
-            <a:buFont typeface="Wingdings" panose="05000000000000000000" pitchFamily="2" charset="2"/>
-            <a:buChar char="ü"/>
-          </a:pPr>
-          <a:r>
-            <a:rPr lang="en-AU" sz="1100" dirty="0"/>
-            <a:t>UI Flows</a:t>
-          </a:r>
-        </a:p>
-      </dgm:t>
-    </dgm:pt>
-    <dgm:pt modelId="{1DDC19F3-ADC8-4A6A-9188-DA9280690109}" type="parTrans" cxnId="{1873EE45-42DD-4B25-BD8F-E7220B07729C}">
-      <dgm:prSet/>
-      <dgm:spPr/>
-      <dgm:t>
-        <a:bodyPr/>
-        <a:lstStyle/>
-        <a:p>
-          <a:endParaRPr lang="en-GB"/>
-        </a:p>
-      </dgm:t>
-    </dgm:pt>
-    <dgm:pt modelId="{AE928213-B7B7-4FED-9A0C-FE5072E6D603}" type="sibTrans" cxnId="{1873EE45-42DD-4B25-BD8F-E7220B07729C}">
-      <dgm:prSet/>
-      <dgm:spPr/>
-      <dgm:t>
-        <a:bodyPr/>
-        <a:lstStyle/>
-        <a:p>
-          <a:endParaRPr lang="en-GB"/>
-        </a:p>
-      </dgm:t>
-    </dgm:pt>
-    <dgm:pt modelId="{658E0A94-E4E8-4BC5-977C-55EB688A6C84}">
-      <dgm:prSet custT="1"/>
-      <dgm:spPr/>
-      <dgm:t>
-        <a:bodyPr/>
-        <a:lstStyle/>
-        <a:p>
-          <a:pPr>
-            <a:lnSpc>
-              <a:spcPct val="150000"/>
-            </a:lnSpc>
-            <a:buFont typeface="Wingdings" panose="05000000000000000000" pitchFamily="2" charset="2"/>
-            <a:buChar char="ü"/>
-          </a:pPr>
-          <a:r>
-            <a:rPr lang="en-US" sz="1100" dirty="0"/>
-            <a:t>Build and Implement Custom Connector</a:t>
-          </a:r>
-          <a:endParaRPr lang="en-GB" sz="1100" dirty="0"/>
-        </a:p>
-      </dgm:t>
-    </dgm:pt>
-    <dgm:pt modelId="{E530C8E4-BC38-4B50-B7C1-B4B2C794DA14}" type="parTrans" cxnId="{2065AC03-11FF-4FF9-ACAD-918F124EA199}">
-      <dgm:prSet/>
-      <dgm:spPr/>
-      <dgm:t>
-        <a:bodyPr/>
-        <a:lstStyle/>
-        <a:p>
-          <a:endParaRPr lang="en-GB"/>
-        </a:p>
-      </dgm:t>
-    </dgm:pt>
-    <dgm:pt modelId="{2A3FA123-4B74-4C92-AD37-ECFF9F5D1FA9}" type="sibTrans" cxnId="{2065AC03-11FF-4FF9-ACAD-918F124EA199}">
-      <dgm:prSet/>
-      <dgm:spPr/>
-      <dgm:t>
-        <a:bodyPr/>
-        <a:lstStyle/>
-        <a:p>
-          <a:endParaRPr lang="en-GB"/>
-        </a:p>
-      </dgm:t>
-    </dgm:pt>
-    <dgm:pt modelId="{14502906-6C28-4A1C-8DF2-DA19450696BC}">
-      <dgm:prSet custT="1"/>
-      <dgm:spPr/>
-      <dgm:t>
-        <a:bodyPr/>
-        <a:lstStyle/>
-        <a:p>
-          <a:pPr>
-            <a:lnSpc>
-              <a:spcPct val="150000"/>
-            </a:lnSpc>
-            <a:buFont typeface="Wingdings" panose="05000000000000000000" pitchFamily="2" charset="2"/>
-            <a:buChar char="ü"/>
-          </a:pPr>
-          <a:r>
-            <a:rPr lang="en-GB" sz="1100" dirty="0"/>
-            <a:t>Errorless workflows Scenario</a:t>
-          </a:r>
-        </a:p>
-      </dgm:t>
-    </dgm:pt>
-    <dgm:pt modelId="{C48E28D9-610F-421B-B8DB-8B89EE32E240}" type="parTrans" cxnId="{C460FC89-7503-4895-B9B3-2F53F62728B3}">
-      <dgm:prSet/>
-      <dgm:spPr/>
-      <dgm:t>
-        <a:bodyPr/>
-        <a:lstStyle/>
-        <a:p>
-          <a:endParaRPr lang="en-GB"/>
-        </a:p>
-      </dgm:t>
-    </dgm:pt>
-    <dgm:pt modelId="{F0BAD01E-D9ED-4A1C-81C4-8B8927A9560D}" type="sibTrans" cxnId="{C460FC89-7503-4895-B9B3-2F53F62728B3}">
-      <dgm:prSet/>
-      <dgm:spPr/>
-      <dgm:t>
-        <a:bodyPr/>
-        <a:lstStyle/>
-        <a:p>
-          <a:endParaRPr lang="en-GB"/>
-        </a:p>
-      </dgm:t>
-    </dgm:pt>
-    <dgm:pt modelId="{E2E8F0FF-2562-411A-AEBD-32131929444C}" type="pres">
-      <dgm:prSet presAssocID="{AC11CA59-F486-473C-AE1A-BD3E159BD48A}" presName="Name0" presStyleCnt="0">
-        <dgm:presLayoutVars>
-          <dgm:dir/>
-          <dgm:animLvl val="lvl"/>
-          <dgm:resizeHandles val="exact"/>
-        </dgm:presLayoutVars>
-      </dgm:prSet>
-      <dgm:spPr/>
-    </dgm:pt>
-    <dgm:pt modelId="{176247BB-19BB-49E9-B85D-3D6E084ED755}" type="pres">
-      <dgm:prSet presAssocID="{3F8F7C63-6D9D-4496-99F3-13DF66B8EAD6}" presName="composite" presStyleCnt="0"/>
-      <dgm:spPr/>
-    </dgm:pt>
-    <dgm:pt modelId="{DEBF50E0-4517-471F-B18E-2795B1F5C0A8}" type="pres">
-      <dgm:prSet presAssocID="{3F8F7C63-6D9D-4496-99F3-13DF66B8EAD6}" presName="parTx" presStyleLbl="alignNode1" presStyleIdx="0" presStyleCnt="4">
-        <dgm:presLayoutVars>
-          <dgm:chMax val="0"/>
-          <dgm:chPref val="0"/>
-          <dgm:bulletEnabled val="1"/>
-        </dgm:presLayoutVars>
-      </dgm:prSet>
-      <dgm:spPr/>
-    </dgm:pt>
-    <dgm:pt modelId="{F9540AD5-4F34-4720-A853-23023519F2F5}" type="pres">
-      <dgm:prSet presAssocID="{3F8F7C63-6D9D-4496-99F3-13DF66B8EAD6}" presName="desTx" presStyleLbl="alignAccFollowNode1" presStyleIdx="0" presStyleCnt="4">
-        <dgm:presLayoutVars>
-          <dgm:bulletEnabled val="1"/>
-        </dgm:presLayoutVars>
-      </dgm:prSet>
-      <dgm:spPr/>
-    </dgm:pt>
-    <dgm:pt modelId="{453092C0-69F2-4133-89C7-1EFC080540F9}" type="pres">
-      <dgm:prSet presAssocID="{DF74605E-4936-443D-9D28-163DDAEF2472}" presName="space" presStyleCnt="0"/>
-      <dgm:spPr/>
-    </dgm:pt>
-    <dgm:pt modelId="{B534AEEA-7710-46E1-8E7F-AEB445BB6ECE}" type="pres">
-      <dgm:prSet presAssocID="{5D730ECF-5E56-4BCC-9295-01AA7310EDA9}" presName="composite" presStyleCnt="0"/>
-      <dgm:spPr/>
-    </dgm:pt>
-    <dgm:pt modelId="{A15940E0-E524-4386-893B-E5C857ACD0DE}" type="pres">
-      <dgm:prSet presAssocID="{5D730ECF-5E56-4BCC-9295-01AA7310EDA9}" presName="parTx" presStyleLbl="alignNode1" presStyleIdx="1" presStyleCnt="4">
-        <dgm:presLayoutVars>
-          <dgm:chMax val="0"/>
-          <dgm:chPref val="0"/>
-          <dgm:bulletEnabled val="1"/>
-        </dgm:presLayoutVars>
-      </dgm:prSet>
-      <dgm:spPr/>
-    </dgm:pt>
-    <dgm:pt modelId="{CD66AAD5-A74B-4989-8AD5-348B79FA87C7}" type="pres">
-      <dgm:prSet presAssocID="{5D730ECF-5E56-4BCC-9295-01AA7310EDA9}" presName="desTx" presStyleLbl="alignAccFollowNode1" presStyleIdx="1" presStyleCnt="4">
-        <dgm:presLayoutVars>
-          <dgm:bulletEnabled val="1"/>
-        </dgm:presLayoutVars>
-      </dgm:prSet>
-      <dgm:spPr/>
-    </dgm:pt>
-    <dgm:pt modelId="{C5BE0DCA-B96B-4057-8554-960F944CF794}" type="pres">
-      <dgm:prSet presAssocID="{9491BB27-9D09-4225-BBD1-073A5C5F0A21}" presName="space" presStyleCnt="0"/>
-      <dgm:spPr/>
-    </dgm:pt>
-    <dgm:pt modelId="{23BDFAD9-10B7-498B-8F93-50B81A884DDF}" type="pres">
-      <dgm:prSet presAssocID="{AA0CC1A4-89B3-4AA2-AE39-4C1399639CA2}" presName="composite" presStyleCnt="0"/>
-      <dgm:spPr/>
-    </dgm:pt>
-    <dgm:pt modelId="{6D51457A-C3C5-41AF-B616-CDB4705EBFBD}" type="pres">
-      <dgm:prSet presAssocID="{AA0CC1A4-89B3-4AA2-AE39-4C1399639CA2}" presName="parTx" presStyleLbl="alignNode1" presStyleIdx="2" presStyleCnt="4">
-        <dgm:presLayoutVars>
-          <dgm:chMax val="0"/>
-          <dgm:chPref val="0"/>
-          <dgm:bulletEnabled val="1"/>
-        </dgm:presLayoutVars>
-      </dgm:prSet>
-      <dgm:spPr/>
-    </dgm:pt>
-    <dgm:pt modelId="{FE6D297C-C9E0-4A7D-A12A-BA53DEE78AEC}" type="pres">
-      <dgm:prSet presAssocID="{AA0CC1A4-89B3-4AA2-AE39-4C1399639CA2}" presName="desTx" presStyleLbl="alignAccFollowNode1" presStyleIdx="2" presStyleCnt="4">
-        <dgm:presLayoutVars>
-          <dgm:bulletEnabled val="1"/>
-        </dgm:presLayoutVars>
-      </dgm:prSet>
-      <dgm:spPr/>
-    </dgm:pt>
-    <dgm:pt modelId="{00CE47B6-B023-4B8B-9908-3FA50864829F}" type="pres">
-      <dgm:prSet presAssocID="{6CDD5F2F-DC14-46D9-87E7-871C2297CCE1}" presName="space" presStyleCnt="0"/>
-      <dgm:spPr/>
-    </dgm:pt>
-    <dgm:pt modelId="{EB537E39-DA26-4699-AF84-94C94096DDA9}" type="pres">
-      <dgm:prSet presAssocID="{639BF8EA-4D33-4B30-911B-6776BADCAC46}" presName="composite" presStyleCnt="0"/>
-      <dgm:spPr/>
-    </dgm:pt>
-    <dgm:pt modelId="{79AA2380-6C09-4C3E-A320-87D02EF11B92}" type="pres">
-      <dgm:prSet presAssocID="{639BF8EA-4D33-4B30-911B-6776BADCAC46}" presName="parTx" presStyleLbl="alignNode1" presStyleIdx="3" presStyleCnt="4">
-        <dgm:presLayoutVars>
-          <dgm:chMax val="0"/>
-          <dgm:chPref val="0"/>
-          <dgm:bulletEnabled val="1"/>
-        </dgm:presLayoutVars>
-      </dgm:prSet>
-      <dgm:spPr/>
-    </dgm:pt>
-    <dgm:pt modelId="{569DA3D3-C2E5-4089-A6F0-CF7A0DE5293E}" type="pres">
-      <dgm:prSet presAssocID="{639BF8EA-4D33-4B30-911B-6776BADCAC46}" presName="desTx" presStyleLbl="alignAccFollowNode1" presStyleIdx="3" presStyleCnt="4">
-        <dgm:presLayoutVars>
-          <dgm:bulletEnabled val="1"/>
-        </dgm:presLayoutVars>
-      </dgm:prSet>
-      <dgm:spPr/>
-    </dgm:pt>
-  </dgm:ptLst>
-  <dgm:cxnLst>
-    <dgm:cxn modelId="{17FEE801-DBF0-454F-ACB8-6A9C3291DB69}" type="presOf" srcId="{F17BEB75-8B5D-4DF3-BAD2-7858046F08F9}" destId="{CD66AAD5-A74B-4989-8AD5-348B79FA87C7}" srcOrd="0" destOrd="4" presId="urn:microsoft.com/office/officeart/2005/8/layout/hList1"/>
-    <dgm:cxn modelId="{2065AC03-11FF-4FF9-ACAD-918F124EA199}" srcId="{AA0CC1A4-89B3-4AA2-AE39-4C1399639CA2}" destId="{658E0A94-E4E8-4BC5-977C-55EB688A6C84}" srcOrd="3" destOrd="0" parTransId="{E530C8E4-BC38-4B50-B7C1-B4B2C794DA14}" sibTransId="{2A3FA123-4B74-4C92-AD37-ECFF9F5D1FA9}"/>
-    <dgm:cxn modelId="{6927EB04-047A-4B60-B383-2EA3685506A3}" type="presOf" srcId="{98420ADA-3284-4782-9084-DBF7EC77014B}" destId="{F9540AD5-4F34-4720-A853-23023519F2F5}" srcOrd="0" destOrd="2" presId="urn:microsoft.com/office/officeart/2005/8/layout/hList1"/>
-    <dgm:cxn modelId="{AC32DA07-188E-46CF-B9B2-312CAF1701EA}" srcId="{3F8F7C63-6D9D-4496-99F3-13DF66B8EAD6}" destId="{9910124C-CD53-4A9F-B500-6A452AAC9432}" srcOrd="3" destOrd="0" parTransId="{ECDD36CF-1B96-4E0B-9554-F2878A2DC6F7}" sibTransId="{08D79C43-12CD-4B87-A9B1-16CF29738924}"/>
-    <dgm:cxn modelId="{33F1A608-4DA9-4826-AF52-36D4C55E4E04}" srcId="{AA0CC1A4-89B3-4AA2-AE39-4C1399639CA2}" destId="{C6F6A35E-EF9D-42DB-9F6B-51AFF90BC98C}" srcOrd="0" destOrd="0" parTransId="{4BE4706B-ADBA-4294-8DC4-FD7F07C201E2}" sibTransId="{5C687E63-B55E-4016-81AC-60C7B4AB88A6}"/>
-    <dgm:cxn modelId="{A644880B-579E-4CF0-BE62-25F57269182D}" type="presOf" srcId="{777AE668-A3FF-421B-AA60-91430B833B72}" destId="{F9540AD5-4F34-4720-A853-23023519F2F5}" srcOrd="0" destOrd="4" presId="urn:microsoft.com/office/officeart/2005/8/layout/hList1"/>
-    <dgm:cxn modelId="{1A200E0F-F818-47A3-B66D-FE68B8B8A7E2}" type="presOf" srcId="{6B2FFAB6-6807-495B-A4C3-431EC605ABA8}" destId="{569DA3D3-C2E5-4089-A6F0-CF7A0DE5293E}" srcOrd="0" destOrd="8" presId="urn:microsoft.com/office/officeart/2005/8/layout/hList1"/>
-    <dgm:cxn modelId="{1CEA2714-283E-431F-89CA-7EC5394C4892}" type="presOf" srcId="{C08907B6-F4F6-4E9F-A114-87BF3EF73DB3}" destId="{CD66AAD5-A74B-4989-8AD5-348B79FA87C7}" srcOrd="0" destOrd="5" presId="urn:microsoft.com/office/officeart/2005/8/layout/hList1"/>
-    <dgm:cxn modelId="{BA785D16-BA51-4786-B044-CF9D9B2B6FC9}" srcId="{5D730ECF-5E56-4BCC-9295-01AA7310EDA9}" destId="{4062502E-73E8-4324-A7AC-1A9773108A8C}" srcOrd="2" destOrd="0" parTransId="{816C2CA6-B6D7-4C48-887A-EEF7BBA74E45}" sibTransId="{D41C9D69-8D47-43D6-B4CF-06DAA7360DA8}"/>
-    <dgm:cxn modelId="{37581F1C-5334-445E-829C-72AF65A4BDB2}" type="presOf" srcId="{AA0CC1A4-89B3-4AA2-AE39-4C1399639CA2}" destId="{6D51457A-C3C5-41AF-B616-CDB4705EBFBD}" srcOrd="0" destOrd="0" presId="urn:microsoft.com/office/officeart/2005/8/layout/hList1"/>
-    <dgm:cxn modelId="{7FD1141E-CD16-43FE-B058-D8C42D33F73F}" type="presOf" srcId="{4E3D64BF-2AD9-45C1-AC04-097E5D037127}" destId="{F9540AD5-4F34-4720-A853-23023519F2F5}" srcOrd="0" destOrd="5" presId="urn:microsoft.com/office/officeart/2005/8/layout/hList1"/>
-    <dgm:cxn modelId="{1F997B2F-08A7-4059-93A2-F33CEC7E12D3}" srcId="{639BF8EA-4D33-4B30-911B-6776BADCAC46}" destId="{22D53C49-724B-4B83-90DC-79ABA8121C0C}" srcOrd="7" destOrd="0" parTransId="{2567B733-2D9B-40E5-8CDA-F42D2E447855}" sibTransId="{18F30784-4D71-47AA-B92A-29B6CA549629}"/>
-    <dgm:cxn modelId="{FE790C34-7399-41CF-8718-C9673CFBFD75}" type="presOf" srcId="{3FF34A44-49F2-4761-8B3C-706C18349373}" destId="{FE6D297C-C9E0-4A7D-A12A-BA53DEE78AEC}" srcOrd="0" destOrd="6" presId="urn:microsoft.com/office/officeart/2005/8/layout/hList1"/>
-    <dgm:cxn modelId="{A4F2B443-5389-4899-B10B-CF7D03420B88}" srcId="{3F8F7C63-6D9D-4496-99F3-13DF66B8EAD6}" destId="{7F57E202-16DB-48EF-AA61-5EE4E0F12D18}" srcOrd="6" destOrd="0" parTransId="{16CBFB77-215D-4C4C-9B4F-B3F4F6CE158D}" sibTransId="{273D1426-0995-4464-8A6E-C445AD18582F}"/>
-    <dgm:cxn modelId="{1DE5EF43-4BA1-4384-A4DF-CC234B4FECB9}" type="presOf" srcId="{14502906-6C28-4A1C-8DF2-DA19450696BC}" destId="{FE6D297C-C9E0-4A7D-A12A-BA53DEE78AEC}" srcOrd="0" destOrd="2" presId="urn:microsoft.com/office/officeart/2005/8/layout/hList1"/>
-    <dgm:cxn modelId="{9CF1AE44-C1BE-47A9-B15D-C44E7248BBC9}" srcId="{639BF8EA-4D33-4B30-911B-6776BADCAC46}" destId="{C81EB984-23B7-442F-A891-2AEE32760477}" srcOrd="5" destOrd="0" parTransId="{C5A2633B-610C-464A-A3C9-30CE6E9F6AE7}" sibTransId="{0BCC8B92-D16C-4EBD-91EA-322878E79335}"/>
-    <dgm:cxn modelId="{1873EE45-42DD-4B25-BD8F-E7220B07729C}" srcId="{639BF8EA-4D33-4B30-911B-6776BADCAC46}" destId="{85B4582B-0983-43CC-8A36-C896BBF7DFFC}" srcOrd="0" destOrd="0" parTransId="{1DDC19F3-ADC8-4A6A-9188-DA9280690109}" sibTransId="{AE928213-B7B7-4FED-9A0C-FE5072E6D603}"/>
-    <dgm:cxn modelId="{9D81BF66-3661-47D0-96ED-DF8D298B5A8F}" srcId="{5D730ECF-5E56-4BCC-9295-01AA7310EDA9}" destId="{F17BEB75-8B5D-4DF3-BAD2-7858046F08F9}" srcOrd="3" destOrd="0" parTransId="{2D7B33D9-E84F-4694-BCB9-CC9B02BA603C}" sibTransId="{00EFD0E1-9201-4CB3-A5CF-B939FCA68856}"/>
-    <dgm:cxn modelId="{F37D8A48-094D-4291-8663-3219EE933036}" type="presOf" srcId="{630C8C32-A979-40C7-BDD7-71A76577670D}" destId="{F9540AD5-4F34-4720-A853-23023519F2F5}" srcOrd="0" destOrd="0" presId="urn:microsoft.com/office/officeart/2005/8/layout/hList1"/>
-    <dgm:cxn modelId="{327A9948-452C-4620-B759-E9F43942F372}" type="presOf" srcId="{302D37E3-A5D4-40CB-BAA5-13200B6B9D4C}" destId="{569DA3D3-C2E5-4089-A6F0-CF7A0DE5293E}" srcOrd="0" destOrd="2" presId="urn:microsoft.com/office/officeart/2005/8/layout/hList1"/>
-    <dgm:cxn modelId="{9A6DA869-1412-4943-B4A2-AB5DCED672F7}" srcId="{639BF8EA-4D33-4B30-911B-6776BADCAC46}" destId="{3FACC810-504C-4984-865C-1306BCF49691}" srcOrd="4" destOrd="0" parTransId="{DE0DC09F-3045-4FE7-97C4-7FB14D1B8E8C}" sibTransId="{D795B2B7-8A5C-42DD-95A2-72B8F801F1C9}"/>
-    <dgm:cxn modelId="{BD0CE669-535C-403F-9B41-12DCED00D983}" type="presOf" srcId="{3FACC810-504C-4984-865C-1306BCF49691}" destId="{569DA3D3-C2E5-4089-A6F0-CF7A0DE5293E}" srcOrd="0" destOrd="4" presId="urn:microsoft.com/office/officeart/2005/8/layout/hList1"/>
-    <dgm:cxn modelId="{FCE3156D-4A67-4B00-ACB1-8EF1C3555039}" type="presOf" srcId="{4062502E-73E8-4324-A7AC-1A9773108A8C}" destId="{CD66AAD5-A74B-4989-8AD5-348B79FA87C7}" srcOrd="0" destOrd="2" presId="urn:microsoft.com/office/officeart/2005/8/layout/hList1"/>
-    <dgm:cxn modelId="{AE63756E-C35D-4442-A6EA-011C399286C8}" srcId="{3F8F7C63-6D9D-4496-99F3-13DF66B8EAD6}" destId="{98420ADA-3284-4782-9084-DBF7EC77014B}" srcOrd="2" destOrd="0" parTransId="{89B80783-5988-4921-94F1-75DDC6E54496}" sibTransId="{5786085F-3BE1-4E70-A5A6-F1EBB3D8528F}"/>
-    <dgm:cxn modelId="{46F53550-0107-4711-901A-8C35D4679E93}" type="presOf" srcId="{3F8F7C63-6D9D-4496-99F3-13DF66B8EAD6}" destId="{DEBF50E0-4517-471F-B18E-2795B1F5C0A8}" srcOrd="0" destOrd="0" presId="urn:microsoft.com/office/officeart/2005/8/layout/hList1"/>
-    <dgm:cxn modelId="{A08E2572-D22C-4DD7-859F-093573558A8F}" type="presOf" srcId="{9910124C-CD53-4A9F-B500-6A452AAC9432}" destId="{F9540AD5-4F34-4720-A853-23023519F2F5}" srcOrd="0" destOrd="3" presId="urn:microsoft.com/office/officeart/2005/8/layout/hList1"/>
-    <dgm:cxn modelId="{1D679673-5FD6-4446-B5C4-EA13252864E0}" srcId="{AC11CA59-F486-473C-AE1A-BD3E159BD48A}" destId="{5D730ECF-5E56-4BCC-9295-01AA7310EDA9}" srcOrd="1" destOrd="0" parTransId="{B49ADB08-7DAD-4DCA-9B2B-46818BC4CFDF}" sibTransId="{9491BB27-9D09-4225-BBD1-073A5C5F0A21}"/>
-    <dgm:cxn modelId="{21295074-A0F9-420B-A47C-9A3D0F9247AC}" type="presOf" srcId="{5D730ECF-5E56-4BCC-9295-01AA7310EDA9}" destId="{A15940E0-E524-4386-893B-E5C857ACD0DE}" srcOrd="0" destOrd="0" presId="urn:microsoft.com/office/officeart/2005/8/layout/hList1"/>
-    <dgm:cxn modelId="{92692B59-E205-42FA-B53E-48210FE905E6}" type="presOf" srcId="{B76E5240-9127-4202-B4B6-880EBDC0BE5D}" destId="{CD66AAD5-A74B-4989-8AD5-348B79FA87C7}" srcOrd="0" destOrd="1" presId="urn:microsoft.com/office/officeart/2005/8/layout/hList1"/>
-    <dgm:cxn modelId="{F856FA7B-3279-4151-88C6-FC89EF00CA04}" srcId="{AC11CA59-F486-473C-AE1A-BD3E159BD48A}" destId="{AA0CC1A4-89B3-4AA2-AE39-4C1399639CA2}" srcOrd="2" destOrd="0" parTransId="{C0AF6D3B-B26B-43D4-8370-C068EA004DB7}" sibTransId="{6CDD5F2F-DC14-46D9-87E7-871C2297CCE1}"/>
-    <dgm:cxn modelId="{03ECA186-A6AB-45FE-8441-8DA1A6548179}" type="presOf" srcId="{9B013DFF-1E80-4216-9B3F-611E64EEA6D2}" destId="{569DA3D3-C2E5-4089-A6F0-CF7A0DE5293E}" srcOrd="0" destOrd="6" presId="urn:microsoft.com/office/officeart/2005/8/layout/hList1"/>
-    <dgm:cxn modelId="{3790F588-BD57-4CCE-B91D-33379F88B9D6}" type="presOf" srcId="{F44527D1-3623-4718-A5C7-590A95354660}" destId="{CD66AAD5-A74B-4989-8AD5-348B79FA87C7}" srcOrd="0" destOrd="0" presId="urn:microsoft.com/office/officeart/2005/8/layout/hList1"/>
-    <dgm:cxn modelId="{C460FC89-7503-4895-B9B3-2F53F62728B3}" srcId="{AA0CC1A4-89B3-4AA2-AE39-4C1399639CA2}" destId="{14502906-6C28-4A1C-8DF2-DA19450696BC}" srcOrd="2" destOrd="0" parTransId="{C48E28D9-610F-421B-B8DB-8B89EE32E240}" sibTransId="{F0BAD01E-D9ED-4A1C-81C4-8B8927A9560D}"/>
-    <dgm:cxn modelId="{20A37F8A-3D18-468D-9A8D-BB5DD6F8EB68}" srcId="{3F8F7C63-6D9D-4496-99F3-13DF66B8EAD6}" destId="{777AE668-A3FF-421B-AA60-91430B833B72}" srcOrd="4" destOrd="0" parTransId="{C5035A71-CE2A-4132-8D22-291133620881}" sibTransId="{80E45B46-58A5-4AA8-A811-35666F3DB650}"/>
-    <dgm:cxn modelId="{85894D8B-0C47-4ACF-B7B5-AD7E0F237546}" srcId="{639BF8EA-4D33-4B30-911B-6776BADCAC46}" destId="{302D37E3-A5D4-40CB-BAA5-13200B6B9D4C}" srcOrd="2" destOrd="0" parTransId="{68A20770-5B82-4864-BA08-523E3B3FCFE0}" sibTransId="{435BA6CF-AB6F-4DB8-AAE1-9960E24ACAEE}"/>
-    <dgm:cxn modelId="{1BA4D992-3D20-447B-9181-1A258C493AAB}" type="presOf" srcId="{7F57E202-16DB-48EF-AA61-5EE4E0F12D18}" destId="{F9540AD5-4F34-4720-A853-23023519F2F5}" srcOrd="0" destOrd="6" presId="urn:microsoft.com/office/officeart/2005/8/layout/hList1"/>
-    <dgm:cxn modelId="{8C63B698-8A4E-457D-994E-67C74BAEA65D}" srcId="{3F8F7C63-6D9D-4496-99F3-13DF66B8EAD6}" destId="{630C8C32-A979-40C7-BDD7-71A76577670D}" srcOrd="0" destOrd="0" parTransId="{A072B589-234B-4E81-93D6-F23076B69245}" sibTransId="{BC580252-AC53-48E5-98C9-B7684010D558}"/>
-    <dgm:cxn modelId="{8087E398-DA5C-498C-8A5B-B2713AD266BE}" srcId="{5D730ECF-5E56-4BCC-9295-01AA7310EDA9}" destId="{B76E5240-9127-4202-B4B6-880EBDC0BE5D}" srcOrd="1" destOrd="0" parTransId="{3C3C3E7C-DC0A-4334-8A57-924BAA5C8111}" sibTransId="{9A2BF3C6-C764-40A8-8F22-EE9345CDA652}"/>
-    <dgm:cxn modelId="{E9047D9B-EAAD-461E-A038-34D231E1EA94}" srcId="{AA0CC1A4-89B3-4AA2-AE39-4C1399639CA2}" destId="{56FF165D-4EE6-47F7-B585-BA258EE1956E}" srcOrd="7" destOrd="0" parTransId="{E7FA3762-1EEE-421B-AF2E-E8FC468373E8}" sibTransId="{1DBDFFA1-635A-4BD0-AD79-4ACCD2108BB5}"/>
-    <dgm:cxn modelId="{FBE15CA0-3717-497A-8E9A-018989822677}" srcId="{5D730ECF-5E56-4BCC-9295-01AA7310EDA9}" destId="{F44527D1-3623-4718-A5C7-590A95354660}" srcOrd="0" destOrd="0" parTransId="{5E7514FD-99DE-4412-9C1C-3D96F9C74494}" sibTransId="{07EC650E-232F-42AC-A156-321F455F5A3F}"/>
-    <dgm:cxn modelId="{000B1AA1-D269-433B-A2F8-4074006666C0}" type="presOf" srcId="{4A547C1D-B2B4-4DC0-9186-F06ADA29D96C}" destId="{F9540AD5-4F34-4720-A853-23023519F2F5}" srcOrd="0" destOrd="1" presId="urn:microsoft.com/office/officeart/2005/8/layout/hList1"/>
-    <dgm:cxn modelId="{D1018BA4-D551-4AF8-AE83-3A349CE9146F}" type="presOf" srcId="{639BF8EA-4D33-4B30-911B-6776BADCAC46}" destId="{79AA2380-6C09-4C3E-A320-87D02EF11B92}" srcOrd="0" destOrd="0" presId="urn:microsoft.com/office/officeart/2005/8/layout/hList1"/>
-    <dgm:cxn modelId="{2D5398A5-35D5-48BB-8D38-D449AFE556E9}" type="presOf" srcId="{22D53C49-724B-4B83-90DC-79ABA8121C0C}" destId="{569DA3D3-C2E5-4089-A6F0-CF7A0DE5293E}" srcOrd="0" destOrd="7" presId="urn:microsoft.com/office/officeart/2005/8/layout/hList1"/>
-    <dgm:cxn modelId="{5BBD34A7-279B-474C-B3D4-8A6EC7E2E77C}" srcId="{639BF8EA-4D33-4B30-911B-6776BADCAC46}" destId="{B3C8BECF-B8AB-490A-A92F-3EDD86B284EA}" srcOrd="3" destOrd="0" parTransId="{8BA0BCA8-8254-4313-AC80-D429F9536B2E}" sibTransId="{9F84ECDD-E797-4866-A905-9121135ACE49}"/>
-    <dgm:cxn modelId="{16E846A7-E950-45B9-BAAC-0FDE572734BB}" srcId="{AA0CC1A4-89B3-4AA2-AE39-4C1399639CA2}" destId="{5DA3169F-0ED9-4D3F-A9A4-A28F74F508BA}" srcOrd="1" destOrd="0" parTransId="{EC5A99B9-164C-48A3-B089-5384823D72AD}" sibTransId="{1040AC97-3D85-42FF-877E-CF1F54C3AD71}"/>
-    <dgm:cxn modelId="{188FEAA7-E230-473F-8A81-7396D4537317}" type="presOf" srcId="{C81EB984-23B7-442F-A891-2AEE32760477}" destId="{569DA3D3-C2E5-4089-A6F0-CF7A0DE5293E}" srcOrd="0" destOrd="5" presId="urn:microsoft.com/office/officeart/2005/8/layout/hList1"/>
-    <dgm:cxn modelId="{01FF5FA9-0577-44D4-8CCE-D6B1C6992F90}" type="presOf" srcId="{85B4582B-0983-43CC-8A36-C896BBF7DFFC}" destId="{569DA3D3-C2E5-4089-A6F0-CF7A0DE5293E}" srcOrd="0" destOrd="0" presId="urn:microsoft.com/office/officeart/2005/8/layout/hList1"/>
-    <dgm:cxn modelId="{533B33B0-F780-445E-9B62-7F84DB009051}" srcId="{AC11CA59-F486-473C-AE1A-BD3E159BD48A}" destId="{639BF8EA-4D33-4B30-911B-6776BADCAC46}" srcOrd="3" destOrd="0" parTransId="{73779F8B-B701-4BB6-9E77-1298E5928771}" sibTransId="{02641D1F-193F-4370-8212-3D28CA0839D7}"/>
-    <dgm:cxn modelId="{308FD3B2-16DE-4C7D-866D-F8B8AF954809}" srcId="{4062502E-73E8-4324-A7AC-1A9773108A8C}" destId="{465BEE15-71A8-424E-B5D8-1D9D9FC35CD0}" srcOrd="0" destOrd="0" parTransId="{09FC7E24-1202-44C7-9E5E-2BE18D247AB4}" sibTransId="{31C99780-C33E-4A30-81DB-BC359D4E2788}"/>
-    <dgm:cxn modelId="{5579CBB5-8891-4FBE-92D3-9C17178C4EBA}" srcId="{AA0CC1A4-89B3-4AA2-AE39-4C1399639CA2}" destId="{FF7479FA-D3DE-42F8-A37E-4C7A90DEED1E}" srcOrd="4" destOrd="0" parTransId="{2024654F-E7D8-4A6D-929C-24A8AEE6E968}" sibTransId="{F3288068-09C5-4DDA-ACD4-9AEC46940091}"/>
-    <dgm:cxn modelId="{792082BB-298F-413A-A79A-5FC4B6C8DCDC}" srcId="{AC11CA59-F486-473C-AE1A-BD3E159BD48A}" destId="{3F8F7C63-6D9D-4496-99F3-13DF66B8EAD6}" srcOrd="0" destOrd="0" parTransId="{CB554395-990A-4765-A8BF-03117E7BEA30}" sibTransId="{DF74605E-4936-443D-9D28-163DDAEF2472}"/>
-    <dgm:cxn modelId="{F61E9EBC-5BEE-456D-84AD-3218882A88C6}" type="presOf" srcId="{AC11CA59-F486-473C-AE1A-BD3E159BD48A}" destId="{E2E8F0FF-2562-411A-AEBD-32131929444C}" srcOrd="0" destOrd="0" presId="urn:microsoft.com/office/officeart/2005/8/layout/hList1"/>
-    <dgm:cxn modelId="{9D10CDCD-FF5B-4932-91D8-0817BCEE26FA}" type="presOf" srcId="{56FF165D-4EE6-47F7-B585-BA258EE1956E}" destId="{FE6D297C-C9E0-4A7D-A12A-BA53DEE78AEC}" srcOrd="0" destOrd="7" presId="urn:microsoft.com/office/officeart/2005/8/layout/hList1"/>
-    <dgm:cxn modelId="{D4F09DD2-D7DC-4C0A-B107-20DDDF7554E9}" srcId="{639BF8EA-4D33-4B30-911B-6776BADCAC46}" destId="{8A005F68-872E-4565-97CF-5F934A8F7106}" srcOrd="1" destOrd="0" parTransId="{6458AC6F-FC93-49FE-B39E-B3BD37FC1330}" sibTransId="{88809219-9B02-4029-97B7-029D87354175}"/>
-    <dgm:cxn modelId="{7377AED5-B520-4DA0-9B62-F8809F299458}" type="presOf" srcId="{5DA3169F-0ED9-4D3F-A9A4-A28F74F508BA}" destId="{FE6D297C-C9E0-4A7D-A12A-BA53DEE78AEC}" srcOrd="0" destOrd="1" presId="urn:microsoft.com/office/officeart/2005/8/layout/hList1"/>
-    <dgm:cxn modelId="{603EFCD5-7FAF-448D-B90B-B0669D7A2CFD}" srcId="{639BF8EA-4D33-4B30-911B-6776BADCAC46}" destId="{9B013DFF-1E80-4216-9B3F-611E64EEA6D2}" srcOrd="6" destOrd="0" parTransId="{AA9E4DCD-BD72-4813-9549-E2E0CF8E5E6F}" sibTransId="{634B935C-CD16-424E-8FF8-8AF1ACB26D60}"/>
-    <dgm:cxn modelId="{F71997D7-D52B-491F-B718-CCD90022BC6D}" type="presOf" srcId="{B3C8BECF-B8AB-490A-A92F-3EDD86B284EA}" destId="{569DA3D3-C2E5-4089-A6F0-CF7A0DE5293E}" srcOrd="0" destOrd="3" presId="urn:microsoft.com/office/officeart/2005/8/layout/hList1"/>
-    <dgm:cxn modelId="{50161FD8-F589-4F1C-8759-2D8635E3DD5F}" srcId="{639BF8EA-4D33-4B30-911B-6776BADCAC46}" destId="{6B2FFAB6-6807-495B-A4C3-431EC605ABA8}" srcOrd="8" destOrd="0" parTransId="{10807C3F-FABF-41BD-B65B-8E11F28CD61B}" sibTransId="{517731D1-7408-4B9A-B478-62C681AB054F}"/>
-    <dgm:cxn modelId="{091251E4-AD66-439E-BEC0-A0C18B3C9505}" srcId="{AA0CC1A4-89B3-4AA2-AE39-4C1399639CA2}" destId="{1F091809-64B7-4EDB-B64B-E91ABBD1972E}" srcOrd="5" destOrd="0" parTransId="{E84E1695-1DEE-4DBE-9AFA-52C976851076}" sibTransId="{183D1BFC-BE5A-451A-BB57-735983241704}"/>
-    <dgm:cxn modelId="{28191EE6-95A7-4034-9576-375608FEE2BA}" srcId="{3F8F7C63-6D9D-4496-99F3-13DF66B8EAD6}" destId="{4A547C1D-B2B4-4DC0-9186-F06ADA29D96C}" srcOrd="1" destOrd="0" parTransId="{F4FB9ED1-E83E-49C1-92FA-6655211CE690}" sibTransId="{5B58EB33-10F0-4DE7-8164-D3499FE473A2}"/>
-    <dgm:cxn modelId="{516642EB-9EB9-41A4-A2F7-24F931141182}" type="presOf" srcId="{465BEE15-71A8-424E-B5D8-1D9D9FC35CD0}" destId="{CD66AAD5-A74B-4989-8AD5-348B79FA87C7}" srcOrd="0" destOrd="3" presId="urn:microsoft.com/office/officeart/2005/8/layout/hList1"/>
-    <dgm:cxn modelId="{D140A2EB-3F7E-42F4-996C-1F3B53C6C159}" type="presOf" srcId="{C6F6A35E-EF9D-42DB-9F6B-51AFF90BC98C}" destId="{FE6D297C-C9E0-4A7D-A12A-BA53DEE78AEC}" srcOrd="0" destOrd="0" presId="urn:microsoft.com/office/officeart/2005/8/layout/hList1"/>
-    <dgm:cxn modelId="{C2F7A3ED-EE26-432F-900A-ACCDE9BCB9FF}" srcId="{5D730ECF-5E56-4BCC-9295-01AA7310EDA9}" destId="{C08907B6-F4F6-4E9F-A114-87BF3EF73DB3}" srcOrd="4" destOrd="0" parTransId="{5DF358E1-6826-4640-B338-EEAE82712288}" sibTransId="{0BB32A38-3545-4719-B85C-E151C3E1FE0F}"/>
-    <dgm:cxn modelId="{97A59AEE-2696-465D-9C7F-991A44950D53}" type="presOf" srcId="{658E0A94-E4E8-4BC5-977C-55EB688A6C84}" destId="{FE6D297C-C9E0-4A7D-A12A-BA53DEE78AEC}" srcOrd="0" destOrd="3" presId="urn:microsoft.com/office/officeart/2005/8/layout/hList1"/>
-    <dgm:cxn modelId="{235AF3F2-4DC6-4ACE-9EC0-844AD822351F}" type="presOf" srcId="{8A005F68-872E-4565-97CF-5F934A8F7106}" destId="{569DA3D3-C2E5-4089-A6F0-CF7A0DE5293E}" srcOrd="0" destOrd="1" presId="urn:microsoft.com/office/officeart/2005/8/layout/hList1"/>
-    <dgm:cxn modelId="{859A80F6-6C30-41DA-94B4-28EA67AB63B6}" type="presOf" srcId="{1F091809-64B7-4EDB-B64B-E91ABBD1972E}" destId="{FE6D297C-C9E0-4A7D-A12A-BA53DEE78AEC}" srcOrd="0" destOrd="5" presId="urn:microsoft.com/office/officeart/2005/8/layout/hList1"/>
-    <dgm:cxn modelId="{E8DF9DF6-FF12-48DC-93F7-62A9460C794D}" srcId="{AA0CC1A4-89B3-4AA2-AE39-4C1399639CA2}" destId="{3FF34A44-49F2-4761-8B3C-706C18349373}" srcOrd="6" destOrd="0" parTransId="{5E6D0FDF-D479-483B-A503-28B735817019}" sibTransId="{6E531A41-70C0-40F8-8CD1-20C376A35278}"/>
-    <dgm:cxn modelId="{970FEFFB-03A1-4920-904C-6FEDE24B2E92}" type="presOf" srcId="{FF7479FA-D3DE-42F8-A37E-4C7A90DEED1E}" destId="{FE6D297C-C9E0-4A7D-A12A-BA53DEE78AEC}" srcOrd="0" destOrd="4" presId="urn:microsoft.com/office/officeart/2005/8/layout/hList1"/>
-    <dgm:cxn modelId="{0EE837FC-2AC7-483C-BBEB-085A76A0BAAA}" srcId="{3F8F7C63-6D9D-4496-99F3-13DF66B8EAD6}" destId="{4E3D64BF-2AD9-45C1-AC04-097E5D037127}" srcOrd="5" destOrd="0" parTransId="{9F13A664-2CE7-4547-BE24-B47D59CE4E84}" sibTransId="{CDFA3C01-8856-462D-A67B-92FDA903ED41}"/>
-    <dgm:cxn modelId="{C27273EA-4BBE-4CDF-BA99-119922753A30}" type="presParOf" srcId="{E2E8F0FF-2562-411A-AEBD-32131929444C}" destId="{176247BB-19BB-49E9-B85D-3D6E084ED755}" srcOrd="0" destOrd="0" presId="urn:microsoft.com/office/officeart/2005/8/layout/hList1"/>
-    <dgm:cxn modelId="{A7989258-082B-43FB-BBA7-9D01E89C807E}" type="presParOf" srcId="{176247BB-19BB-49E9-B85D-3D6E084ED755}" destId="{DEBF50E0-4517-471F-B18E-2795B1F5C0A8}" srcOrd="0" destOrd="0" presId="urn:microsoft.com/office/officeart/2005/8/layout/hList1"/>
-    <dgm:cxn modelId="{58737E10-116E-4B14-AFD6-A05A4CFEB10A}" type="presParOf" srcId="{176247BB-19BB-49E9-B85D-3D6E084ED755}" destId="{F9540AD5-4F34-4720-A853-23023519F2F5}" srcOrd="1" destOrd="0" presId="urn:microsoft.com/office/officeart/2005/8/layout/hList1"/>
-    <dgm:cxn modelId="{FB31CCC3-6086-4C77-845F-1D930EF414ED}" type="presParOf" srcId="{E2E8F0FF-2562-411A-AEBD-32131929444C}" destId="{453092C0-69F2-4133-89C7-1EFC080540F9}" srcOrd="1" destOrd="0" presId="urn:microsoft.com/office/officeart/2005/8/layout/hList1"/>
-    <dgm:cxn modelId="{AAEE7370-DC35-4FC9-B85F-EF4F725DEFF4}" type="presParOf" srcId="{E2E8F0FF-2562-411A-AEBD-32131929444C}" destId="{B534AEEA-7710-46E1-8E7F-AEB445BB6ECE}" srcOrd="2" destOrd="0" presId="urn:microsoft.com/office/officeart/2005/8/layout/hList1"/>
-    <dgm:cxn modelId="{BFC20E4B-75C0-4E42-90F8-EE036EAF96ED}" type="presParOf" srcId="{B534AEEA-7710-46E1-8E7F-AEB445BB6ECE}" destId="{A15940E0-E524-4386-893B-E5C857ACD0DE}" srcOrd="0" destOrd="0" presId="urn:microsoft.com/office/officeart/2005/8/layout/hList1"/>
-    <dgm:cxn modelId="{B36EB1AF-7177-41E2-B1A8-F16552359F01}" type="presParOf" srcId="{B534AEEA-7710-46E1-8E7F-AEB445BB6ECE}" destId="{CD66AAD5-A74B-4989-8AD5-348B79FA87C7}" srcOrd="1" destOrd="0" presId="urn:microsoft.com/office/officeart/2005/8/layout/hList1"/>
-    <dgm:cxn modelId="{0594C1EA-C561-4163-9C93-86E6A24239DF}" type="presParOf" srcId="{E2E8F0FF-2562-411A-AEBD-32131929444C}" destId="{C5BE0DCA-B96B-4057-8554-960F944CF794}" srcOrd="3" destOrd="0" presId="urn:microsoft.com/office/officeart/2005/8/layout/hList1"/>
-    <dgm:cxn modelId="{E98F90F6-A432-4C3D-8AE9-74407D45FF25}" type="presParOf" srcId="{E2E8F0FF-2562-411A-AEBD-32131929444C}" destId="{23BDFAD9-10B7-498B-8F93-50B81A884DDF}" srcOrd="4" destOrd="0" presId="urn:microsoft.com/office/officeart/2005/8/layout/hList1"/>
-    <dgm:cxn modelId="{7CCF56D1-7162-4DAF-B707-33278AF8187D}" type="presParOf" srcId="{23BDFAD9-10B7-498B-8F93-50B81A884DDF}" destId="{6D51457A-C3C5-41AF-B616-CDB4705EBFBD}" srcOrd="0" destOrd="0" presId="urn:microsoft.com/office/officeart/2005/8/layout/hList1"/>
-    <dgm:cxn modelId="{6B9C62C7-7F3D-4CA0-A980-D1B5C74B417D}" type="presParOf" srcId="{23BDFAD9-10B7-498B-8F93-50B81A884DDF}" destId="{FE6D297C-C9E0-4A7D-A12A-BA53DEE78AEC}" srcOrd="1" destOrd="0" presId="urn:microsoft.com/office/officeart/2005/8/layout/hList1"/>
-    <dgm:cxn modelId="{A37C5AC5-4CC0-4638-A65A-280974CD54D9}" type="presParOf" srcId="{E2E8F0FF-2562-411A-AEBD-32131929444C}" destId="{00CE47B6-B023-4B8B-9908-3FA50864829F}" srcOrd="5" destOrd="0" presId="urn:microsoft.com/office/officeart/2005/8/layout/hList1"/>
-    <dgm:cxn modelId="{4C2129FF-52F0-46BE-A8FD-49B302A16B2E}" type="presParOf" srcId="{E2E8F0FF-2562-411A-AEBD-32131929444C}" destId="{EB537E39-DA26-4699-AF84-94C94096DDA9}" srcOrd="6" destOrd="0" presId="urn:microsoft.com/office/officeart/2005/8/layout/hList1"/>
-    <dgm:cxn modelId="{9A627AA8-FCD1-458E-B73F-82DB549D7EA2}" type="presParOf" srcId="{EB537E39-DA26-4699-AF84-94C94096DDA9}" destId="{79AA2380-6C09-4C3E-A320-87D02EF11B92}" srcOrd="0" destOrd="0" presId="urn:microsoft.com/office/officeart/2005/8/layout/hList1"/>
-    <dgm:cxn modelId="{FC08A935-375F-4C2C-804E-B8FBDECF6897}" type="presParOf" srcId="{EB537E39-DA26-4699-AF84-94C94096DDA9}" destId="{569DA3D3-C2E5-4089-A6F0-CF7A0DE5293E}" srcOrd="1" destOrd="0" presId="urn:microsoft.com/office/officeart/2005/8/layout/hList1"/>
-  </dgm:cxnLst>
-  <dgm:bg>
-    <a:noFill/>
-  </dgm:bg>
-  <dgm:whole/>
-  <dgm:extLst>
-    <a:ext uri="http://schemas.microsoft.com/office/drawing/2008/diagram">
-      <dsp:dataModelExt xmlns:dsp="http://schemas.microsoft.com/office/drawing/2008/diagram" relId="rId7" minVer="http://schemas.openxmlformats.org/drawingml/2006/diagram"/>
-    </a:ext>
-  </dgm:extLst>
-</dgm:dataModel>
-</file>
-
-<file path=ppt/diagrams/drawing1.xml><?xml version="1.0" encoding="utf-8"?>
-<dsp:drawing xmlns:dgm="http://schemas.openxmlformats.org/drawingml/2006/diagram" xmlns:dsp="http://schemas.microsoft.com/office/drawing/2008/diagram" xmlns:a="http://schemas.openxmlformats.org/drawingml/2006/main">
-  <dsp:spTree>
-    <dsp:nvGrpSpPr>
-      <dsp:cNvPr id="0" name=""/>
-      <dsp:cNvGrpSpPr/>
-    </dsp:nvGrpSpPr>
-    <dsp:grpSpPr/>
-    <dsp:sp modelId="{DEBF50E0-4517-471F-B18E-2795B1F5C0A8}">
-      <dsp:nvSpPr>
-        <dsp:cNvPr id="0" name=""/>
-        <dsp:cNvSpPr/>
-      </dsp:nvSpPr>
-      <dsp:spPr>
-        <a:xfrm>
-          <a:off x="4219" y="140655"/>
-          <a:ext cx="2537287" cy="1014914"/>
-        </a:xfrm>
-        <a:prstGeom prst="rect">
-          <a:avLst/>
-        </a:prstGeom>
-        <a:solidFill>
-          <a:srgbClr val="7030A0"/>
-        </a:solidFill>
-        <a:ln w="12700" cap="flat" cmpd="sng" algn="ctr">
-          <a:solidFill>
-            <a:srgbClr val="6600FF"/>
-          </a:solidFill>
-          <a:prstDash val="solid"/>
-          <a:miter lim="800000"/>
-        </a:ln>
-        <a:effectLst/>
-      </dsp:spPr>
-      <dsp:style>
-        <a:lnRef idx="2">
-          <a:scrgbClr r="0" g="0" b="0"/>
-        </a:lnRef>
-        <a:fillRef idx="1">
-          <a:scrgbClr r="0" g="0" b="0"/>
-        </a:fillRef>
-        <a:effectRef idx="0">
-          <a:scrgbClr r="0" g="0" b="0"/>
-        </a:effectRef>
-        <a:fontRef idx="minor">
-          <a:schemeClr val="lt1"/>
-        </a:fontRef>
-      </dsp:style>
-      <dsp:txBody>
-        <a:bodyPr spcFirstLastPara="0" vert="horz" wrap="square" lIns="78232" tIns="44704" rIns="78232" bIns="44704" numCol="1" spcCol="1270" anchor="ctr" anchorCtr="0">
-          <a:noAutofit/>
-        </a:bodyPr>
-        <a:lstStyle/>
-        <a:p>
-          <a:pPr marL="0" lvl="0" indent="0" algn="ctr" defTabSz="488950">
-            <a:lnSpc>
-              <a:spcPct val="90000"/>
-            </a:lnSpc>
-            <a:spcBef>
-              <a:spcPct val="0"/>
-            </a:spcBef>
-            <a:spcAft>
-              <a:spcPct val="35000"/>
-            </a:spcAft>
-            <a:buNone/>
-          </a:pPr>
-          <a:r>
-            <a:rPr lang="en-AU" sz="1100" kern="1200" dirty="0"/>
-            <a:t>Day 1 </a:t>
-          </a:r>
-        </a:p>
-        <a:p>
-          <a:pPr marL="0" lvl="0" indent="0" algn="ctr" defTabSz="488950">
-            <a:lnSpc>
-              <a:spcPct val="90000"/>
-            </a:lnSpc>
-            <a:spcBef>
-              <a:spcPct val="0"/>
-            </a:spcBef>
-            <a:spcAft>
-              <a:spcPct val="35000"/>
-            </a:spcAft>
-            <a:buNone/>
-          </a:pPr>
-          <a:r>
-            <a:rPr lang="en-US" sz="1100" kern="1200" dirty="0"/>
-            <a:t>Empowering everyone with Power Platform</a:t>
-          </a:r>
-          <a:endParaRPr lang="en-AU" sz="1100" kern="1200" dirty="0"/>
-        </a:p>
-      </dsp:txBody>
-      <dsp:txXfrm>
-        <a:off x="4219" y="140655"/>
-        <a:ext cx="2537287" cy="1014914"/>
-      </dsp:txXfrm>
-    </dsp:sp>
-    <dsp:sp modelId="{F9540AD5-4F34-4720-A853-23023519F2F5}">
-      <dsp:nvSpPr>
-        <dsp:cNvPr id="0" name=""/>
-        <dsp:cNvSpPr/>
-      </dsp:nvSpPr>
-      <dsp:spPr>
-        <a:xfrm>
-          <a:off x="4219" y="1155569"/>
-          <a:ext cx="2537287" cy="3390074"/>
-        </a:xfrm>
-        <a:prstGeom prst="rect">
-          <a:avLst/>
-        </a:prstGeom>
-        <a:noFill/>
-        <a:ln w="12700" cap="flat" cmpd="sng" algn="ctr">
-          <a:solidFill>
-            <a:schemeClr val="accent1">
-              <a:alpha val="90000"/>
-              <a:tint val="40000"/>
-              <a:hueOff val="0"/>
-              <a:satOff val="0"/>
-              <a:lumOff val="0"/>
-              <a:alphaOff val="0"/>
-            </a:schemeClr>
-          </a:solidFill>
-          <a:prstDash val="solid"/>
-          <a:miter lim="800000"/>
-        </a:ln>
-        <a:effectLst/>
-      </dsp:spPr>
-      <dsp:style>
-        <a:lnRef idx="2">
-          <a:scrgbClr r="0" g="0" b="0"/>
-        </a:lnRef>
-        <a:fillRef idx="1">
-          <a:scrgbClr r="0" g="0" b="0"/>
-        </a:fillRef>
-        <a:effectRef idx="0">
-          <a:scrgbClr r="0" g="0" b="0"/>
-        </a:effectRef>
-        <a:fontRef idx="minor"/>
-      </dsp:style>
-      <dsp:txBody>
-        <a:bodyPr spcFirstLastPara="0" vert="horz" wrap="square" lIns="58674" tIns="58674" rIns="78232" bIns="88011" numCol="1" spcCol="1270" anchor="t" anchorCtr="0">
-          <a:noAutofit/>
-        </a:bodyPr>
-        <a:lstStyle/>
-        <a:p>
-          <a:pPr marL="57150" lvl="1" indent="-57150" algn="l" defTabSz="488950">
-            <a:lnSpc>
-              <a:spcPct val="150000"/>
-            </a:lnSpc>
-            <a:spcBef>
-              <a:spcPct val="0"/>
-            </a:spcBef>
-            <a:spcAft>
-              <a:spcPct val="15000"/>
-            </a:spcAft>
-            <a:buFont typeface="Wingdings" panose="05000000000000000000" pitchFamily="2" charset="2"/>
-            <a:buChar char="ü"/>
-          </a:pPr>
-          <a:r>
-            <a:rPr lang="en-GB" sz="1100" kern="1200" dirty="0"/>
-            <a:t>Introduction to Power Platform</a:t>
-          </a:r>
-          <a:endParaRPr lang="en-AU" sz="1100" kern="1200" dirty="0"/>
-        </a:p>
-        <a:p>
-          <a:pPr marL="57150" lvl="1" indent="-57150" algn="l" defTabSz="488950">
-            <a:lnSpc>
-              <a:spcPct val="150000"/>
-            </a:lnSpc>
-            <a:spcBef>
-              <a:spcPct val="0"/>
-            </a:spcBef>
-            <a:spcAft>
-              <a:spcPct val="15000"/>
-            </a:spcAft>
-            <a:buFont typeface="Wingdings" panose="05000000000000000000" pitchFamily="2" charset="2"/>
-            <a:buChar char="ü"/>
-          </a:pPr>
-          <a:r>
-            <a:rPr lang="en-GB" sz="1100" kern="1200" dirty="0"/>
-            <a:t>Microsoft Power Platform momentum</a:t>
-          </a:r>
-        </a:p>
-        <a:p>
-          <a:pPr marL="57150" lvl="1" indent="-57150" algn="l" defTabSz="488950">
-            <a:lnSpc>
-              <a:spcPct val="150000"/>
-            </a:lnSpc>
-            <a:spcBef>
-              <a:spcPct val="0"/>
-            </a:spcBef>
-            <a:spcAft>
-              <a:spcPct val="15000"/>
-            </a:spcAft>
-            <a:buFont typeface="Wingdings" panose="05000000000000000000" pitchFamily="2" charset="2"/>
-            <a:buChar char="ü"/>
-          </a:pPr>
-          <a:r>
-            <a:rPr lang="en-GB" sz="1100" kern="1200" dirty="0"/>
-            <a:t>Why Power Platform?</a:t>
-          </a:r>
-        </a:p>
-        <a:p>
-          <a:pPr marL="57150" lvl="1" indent="-57150" algn="l" defTabSz="488950">
-            <a:lnSpc>
-              <a:spcPct val="150000"/>
-            </a:lnSpc>
-            <a:spcBef>
-              <a:spcPct val="0"/>
-            </a:spcBef>
-            <a:spcAft>
-              <a:spcPct val="15000"/>
-            </a:spcAft>
-            <a:buFont typeface="Wingdings" panose="05000000000000000000" pitchFamily="2" charset="2"/>
-            <a:buChar char="ü"/>
-          </a:pPr>
-          <a:r>
-            <a:rPr lang="en-GB" sz="1100" kern="1200" dirty="0"/>
-            <a:t>Customer Stories</a:t>
-          </a:r>
-        </a:p>
-        <a:p>
-          <a:pPr marL="57150" lvl="1" indent="-57150" algn="l" defTabSz="488950">
-            <a:lnSpc>
-              <a:spcPct val="150000"/>
-            </a:lnSpc>
-            <a:spcBef>
-              <a:spcPct val="0"/>
-            </a:spcBef>
-            <a:spcAft>
-              <a:spcPct val="15000"/>
-            </a:spcAft>
-            <a:buFont typeface="Wingdings" panose="05000000000000000000" pitchFamily="2" charset="2"/>
-            <a:buChar char="ü"/>
-          </a:pPr>
-          <a:r>
-            <a:rPr lang="en-GB" sz="1100" kern="1200" dirty="0"/>
-            <a:t>Power Platform Components Demo</a:t>
-          </a:r>
-        </a:p>
-        <a:p>
-          <a:pPr marL="57150" lvl="1" indent="-57150" algn="l" defTabSz="488950">
-            <a:lnSpc>
-              <a:spcPct val="150000"/>
-            </a:lnSpc>
-            <a:spcBef>
-              <a:spcPct val="0"/>
-            </a:spcBef>
-            <a:spcAft>
-              <a:spcPct val="15000"/>
-            </a:spcAft>
-            <a:buFont typeface="Wingdings" panose="05000000000000000000" pitchFamily="2" charset="2"/>
-            <a:buChar char="ü"/>
-          </a:pPr>
-          <a:r>
-            <a:rPr lang="en-GB" sz="1100" kern="1200" dirty="0"/>
-            <a:t>Power Platform Account Setup</a:t>
-          </a:r>
-        </a:p>
-        <a:p>
-          <a:pPr marL="57150" lvl="1" indent="-57150" algn="l" defTabSz="488950">
-            <a:lnSpc>
-              <a:spcPct val="150000"/>
-            </a:lnSpc>
-            <a:spcBef>
-              <a:spcPct val="0"/>
-            </a:spcBef>
-            <a:spcAft>
-              <a:spcPct val="15000"/>
-            </a:spcAft>
-            <a:buFont typeface="Wingdings" panose="05000000000000000000" pitchFamily="2" charset="2"/>
-            <a:buChar char="ü"/>
-          </a:pPr>
-          <a:endParaRPr lang="en-GB" sz="1100" kern="1200" dirty="0"/>
-        </a:p>
-      </dsp:txBody>
-      <dsp:txXfrm>
-        <a:off x="4219" y="1155569"/>
-        <a:ext cx="2537287" cy="3390074"/>
-      </dsp:txXfrm>
-    </dsp:sp>
-    <dsp:sp modelId="{A15940E0-E524-4386-893B-E5C857ACD0DE}">
-      <dsp:nvSpPr>
-        <dsp:cNvPr id="0" name=""/>
-        <dsp:cNvSpPr/>
-      </dsp:nvSpPr>
-      <dsp:spPr>
-        <a:xfrm>
-          <a:off x="2896726" y="140655"/>
-          <a:ext cx="2537287" cy="1014914"/>
-        </a:xfrm>
-        <a:prstGeom prst="rect">
-          <a:avLst/>
-        </a:prstGeom>
-        <a:solidFill>
-          <a:schemeClr val="bg1">
-            <a:lumMod val="65000"/>
-          </a:schemeClr>
-        </a:solidFill>
-        <a:ln w="12700" cap="flat" cmpd="sng" algn="ctr">
-          <a:solidFill>
-            <a:schemeClr val="bg1">
-              <a:lumMod val="65000"/>
-            </a:schemeClr>
-          </a:solidFill>
-          <a:prstDash val="solid"/>
-          <a:miter lim="800000"/>
-        </a:ln>
-        <a:effectLst/>
-      </dsp:spPr>
-      <dsp:style>
-        <a:lnRef idx="2">
-          <a:scrgbClr r="0" g="0" b="0"/>
-        </a:lnRef>
-        <a:fillRef idx="1">
-          <a:scrgbClr r="0" g="0" b="0"/>
-        </a:fillRef>
-        <a:effectRef idx="0">
-          <a:scrgbClr r="0" g="0" b="0"/>
-        </a:effectRef>
-        <a:fontRef idx="minor">
-          <a:schemeClr val="lt1"/>
-        </a:fontRef>
-      </dsp:style>
-      <dsp:txBody>
-        <a:bodyPr spcFirstLastPara="0" vert="horz" wrap="square" lIns="78232" tIns="44704" rIns="78232" bIns="44704" numCol="1" spcCol="1270" anchor="ctr" anchorCtr="0">
-          <a:noAutofit/>
-        </a:bodyPr>
-        <a:lstStyle/>
-        <a:p>
-          <a:pPr marL="0" lvl="0" indent="0" algn="ctr" defTabSz="488950">
-            <a:lnSpc>
-              <a:spcPct val="90000"/>
-            </a:lnSpc>
-            <a:spcBef>
-              <a:spcPct val="0"/>
-            </a:spcBef>
-            <a:spcAft>
-              <a:spcPct val="35000"/>
-            </a:spcAft>
-            <a:buNone/>
-          </a:pPr>
-          <a:r>
-            <a:rPr lang="en-AU" sz="1100" kern="1200" dirty="0"/>
-            <a:t>Day 2</a:t>
-          </a:r>
-        </a:p>
-        <a:p>
-          <a:pPr marL="0" lvl="0" indent="0" algn="ctr" defTabSz="488950">
-            <a:lnSpc>
-              <a:spcPct val="90000"/>
-            </a:lnSpc>
-            <a:spcBef>
-              <a:spcPct val="0"/>
-            </a:spcBef>
-            <a:spcAft>
-              <a:spcPct val="35000"/>
-            </a:spcAft>
-            <a:buNone/>
-          </a:pPr>
-          <a:r>
-            <a:rPr lang="en-GB" sz="1100" kern="1200" dirty="0"/>
-            <a:t>Power Automate Introduction</a:t>
-          </a:r>
-          <a:endParaRPr lang="en-AU" sz="1100" kern="1200" dirty="0"/>
-        </a:p>
-      </dsp:txBody>
-      <dsp:txXfrm>
-        <a:off x="2896726" y="140655"/>
-        <a:ext cx="2537287" cy="1014914"/>
-      </dsp:txXfrm>
-    </dsp:sp>
-    <dsp:sp modelId="{CD66AAD5-A74B-4989-8AD5-348B79FA87C7}">
-      <dsp:nvSpPr>
-        <dsp:cNvPr id="0" name=""/>
-        <dsp:cNvSpPr/>
-      </dsp:nvSpPr>
-      <dsp:spPr>
-        <a:xfrm>
-          <a:off x="2896726" y="1155569"/>
-          <a:ext cx="2537287" cy="3390074"/>
-        </a:xfrm>
-        <a:prstGeom prst="rect">
-          <a:avLst/>
-        </a:prstGeom>
-        <a:noFill/>
-        <a:ln w="12700" cap="flat" cmpd="sng" algn="ctr">
-          <a:solidFill>
-            <a:schemeClr val="accent1">
-              <a:alpha val="90000"/>
-              <a:tint val="40000"/>
-              <a:hueOff val="0"/>
-              <a:satOff val="0"/>
-              <a:lumOff val="0"/>
-              <a:alphaOff val="0"/>
-            </a:schemeClr>
-          </a:solidFill>
-          <a:prstDash val="solid"/>
-          <a:miter lim="800000"/>
-        </a:ln>
-        <a:effectLst/>
-      </dsp:spPr>
-      <dsp:style>
-        <a:lnRef idx="2">
-          <a:scrgbClr r="0" g="0" b="0"/>
-        </a:lnRef>
-        <a:fillRef idx="1">
-          <a:scrgbClr r="0" g="0" b="0"/>
-        </a:fillRef>
-        <a:effectRef idx="0">
-          <a:scrgbClr r="0" g="0" b="0"/>
-        </a:effectRef>
-        <a:fontRef idx="minor"/>
-      </dsp:style>
-      <dsp:txBody>
-        <a:bodyPr spcFirstLastPara="0" vert="horz" wrap="square" lIns="58674" tIns="58674" rIns="78232" bIns="88011" numCol="1" spcCol="1270" anchor="t" anchorCtr="0">
-          <a:noAutofit/>
-        </a:bodyPr>
-        <a:lstStyle/>
-        <a:p>
-          <a:pPr marL="57150" lvl="1" indent="-57150" algn="l" defTabSz="488950">
-            <a:lnSpc>
-              <a:spcPct val="150000"/>
-            </a:lnSpc>
-            <a:spcBef>
-              <a:spcPct val="0"/>
-            </a:spcBef>
-            <a:spcAft>
-              <a:spcPct val="15000"/>
-            </a:spcAft>
-            <a:buFont typeface="Wingdings" panose="05000000000000000000" pitchFamily="2" charset="2"/>
-            <a:buChar char="ü"/>
-          </a:pPr>
-          <a:r>
-            <a:rPr lang="en-GB" sz="1100" kern="1200" dirty="0">
-              <a:solidFill>
-                <a:prstClr val="black">
-                  <a:hueOff val="0"/>
-                  <a:satOff val="0"/>
-                  <a:lumOff val="0"/>
-                  <a:alphaOff val="0"/>
-                </a:prstClr>
-              </a:solidFill>
-              <a:latin typeface="Calibri" panose="020F0502020204030204"/>
-              <a:ea typeface="+mn-ea"/>
-              <a:cs typeface="+mn-cs"/>
-            </a:rPr>
-            <a:t>Microsoft Flow Basics</a:t>
-          </a:r>
-          <a:endParaRPr lang="en-AU" sz="1100" kern="1200" dirty="0">
-            <a:solidFill>
-              <a:prstClr val="black">
-                <a:hueOff val="0"/>
-                <a:satOff val="0"/>
-                <a:lumOff val="0"/>
-                <a:alphaOff val="0"/>
-              </a:prstClr>
-            </a:solidFill>
-            <a:latin typeface="Calibri" panose="020F0502020204030204"/>
-            <a:ea typeface="+mn-ea"/>
-            <a:cs typeface="+mn-cs"/>
-          </a:endParaRPr>
-        </a:p>
-        <a:p>
-          <a:pPr marL="57150" lvl="1" indent="-57150" algn="l" defTabSz="488950">
-            <a:lnSpc>
-              <a:spcPct val="150000"/>
-            </a:lnSpc>
-            <a:spcBef>
-              <a:spcPct val="0"/>
-            </a:spcBef>
-            <a:spcAft>
-              <a:spcPct val="15000"/>
-            </a:spcAft>
-            <a:buFont typeface="Wingdings" panose="05000000000000000000" pitchFamily="2" charset="2"/>
-            <a:buChar char="ü"/>
-          </a:pPr>
-          <a:r>
-            <a:rPr lang="en-GB" sz="1100" kern="1200" dirty="0">
-              <a:solidFill>
-                <a:prstClr val="black">
-                  <a:hueOff val="0"/>
-                  <a:satOff val="0"/>
-                  <a:lumOff val="0"/>
-                  <a:alphaOff val="0"/>
-                </a:prstClr>
-              </a:solidFill>
-              <a:latin typeface="Calibri" panose="020F0502020204030204"/>
-              <a:ea typeface="+mn-ea"/>
-              <a:cs typeface="+mn-cs"/>
-            </a:rPr>
-            <a:t>Microsoft Flow Templates</a:t>
-          </a:r>
-        </a:p>
-        <a:p>
-          <a:pPr marL="57150" lvl="1" indent="-57150" algn="l" defTabSz="488950">
-            <a:lnSpc>
-              <a:spcPct val="150000"/>
-            </a:lnSpc>
-            <a:spcBef>
-              <a:spcPct val="0"/>
-            </a:spcBef>
-            <a:spcAft>
-              <a:spcPct val="15000"/>
-            </a:spcAft>
-            <a:buFont typeface="Wingdings" panose="05000000000000000000" pitchFamily="2" charset="2"/>
-            <a:buChar char="ü"/>
-          </a:pPr>
-          <a:r>
-            <a:rPr lang="en-GB" sz="1100" kern="1200" dirty="0">
-              <a:solidFill>
-                <a:prstClr val="black">
-                  <a:hueOff val="0"/>
-                  <a:satOff val="0"/>
-                  <a:lumOff val="0"/>
-                  <a:alphaOff val="0"/>
-                </a:prstClr>
-              </a:solidFill>
-              <a:latin typeface="Calibri" panose="020F0502020204030204"/>
-              <a:ea typeface="+mn-ea"/>
-              <a:cs typeface="+mn-cs"/>
-            </a:rPr>
-            <a:t>Decision Making with Flow</a:t>
-          </a:r>
-        </a:p>
-        <a:p>
-          <a:pPr marL="114300" lvl="2" indent="-57150" algn="l" defTabSz="488950">
-            <a:lnSpc>
-              <a:spcPct val="150000"/>
-            </a:lnSpc>
-            <a:spcBef>
-              <a:spcPct val="0"/>
-            </a:spcBef>
-            <a:spcAft>
-              <a:spcPct val="15000"/>
-            </a:spcAft>
-            <a:buFont typeface="Wingdings" panose="05000000000000000000" pitchFamily="2" charset="2"/>
-            <a:buNone/>
-          </a:pPr>
-          <a:r>
-            <a:rPr lang="en-US" sz="1100" kern="1200" dirty="0">
-              <a:solidFill>
-                <a:prstClr val="black">
-                  <a:hueOff val="0"/>
-                  <a:satOff val="0"/>
-                  <a:lumOff val="0"/>
-                  <a:alphaOff val="0"/>
-                </a:prstClr>
-              </a:solidFill>
-              <a:latin typeface="Calibri" panose="020F0502020204030204"/>
-              <a:ea typeface="+mn-ea"/>
-              <a:cs typeface="+mn-cs"/>
-            </a:rPr>
-            <a:t>		Conditions, Switches, Scope &amp; 	Context of Decision-Making 	Control Elements</a:t>
-          </a:r>
-          <a:endParaRPr lang="en-GB" sz="1100" kern="1200" dirty="0">
-            <a:solidFill>
-              <a:prstClr val="black">
-                <a:hueOff val="0"/>
-                <a:satOff val="0"/>
-                <a:lumOff val="0"/>
-                <a:alphaOff val="0"/>
-              </a:prstClr>
-            </a:solidFill>
-            <a:latin typeface="Calibri" panose="020F0502020204030204"/>
-            <a:ea typeface="+mn-ea"/>
-            <a:cs typeface="+mn-cs"/>
-          </a:endParaRPr>
-        </a:p>
-        <a:p>
-          <a:pPr marL="57150" lvl="1" indent="-57150" algn="l" defTabSz="488950">
-            <a:lnSpc>
-              <a:spcPct val="150000"/>
-            </a:lnSpc>
-            <a:spcBef>
-              <a:spcPct val="0"/>
-            </a:spcBef>
-            <a:spcAft>
-              <a:spcPct val="15000"/>
-            </a:spcAft>
-            <a:buFont typeface="Wingdings" panose="05000000000000000000" pitchFamily="2" charset="2"/>
-            <a:buChar char="ü"/>
-          </a:pPr>
-          <a:r>
-            <a:rPr lang="en-GB" sz="1100" kern="1200" dirty="0">
-              <a:solidFill>
-                <a:prstClr val="black">
-                  <a:hueOff val="0"/>
-                  <a:satOff val="0"/>
-                  <a:lumOff val="0"/>
-                  <a:alphaOff val="0"/>
-                </a:prstClr>
-              </a:solidFill>
-              <a:latin typeface="Calibri" panose="020F0502020204030204"/>
-              <a:ea typeface="+mn-ea"/>
-              <a:cs typeface="+mn-cs"/>
-            </a:rPr>
-            <a:t>Building</a:t>
-          </a:r>
-          <a:r>
-            <a:rPr lang="en-US" sz="1100" kern="1200" dirty="0">
-              <a:solidFill>
-                <a:prstClr val="black">
-                  <a:hueOff val="0"/>
-                  <a:satOff val="0"/>
-                  <a:lumOff val="0"/>
-                  <a:alphaOff val="0"/>
-                </a:prstClr>
-              </a:solidFill>
-              <a:latin typeface="Calibri" panose="020F0502020204030204"/>
-              <a:ea typeface="+mn-ea"/>
-              <a:cs typeface="+mn-cs"/>
-            </a:rPr>
-            <a:t> Workflows with Power Automate</a:t>
-          </a:r>
-          <a:endParaRPr lang="en-GB" sz="1100" kern="1200" dirty="0">
-            <a:solidFill>
-              <a:prstClr val="black">
-                <a:hueOff val="0"/>
-                <a:satOff val="0"/>
-                <a:lumOff val="0"/>
-                <a:alphaOff val="0"/>
-              </a:prstClr>
-            </a:solidFill>
-            <a:latin typeface="Calibri" panose="020F0502020204030204"/>
-            <a:ea typeface="+mn-ea"/>
-            <a:cs typeface="+mn-cs"/>
-          </a:endParaRPr>
-        </a:p>
-        <a:p>
-          <a:pPr marL="57150" lvl="1" indent="-57150" algn="l" defTabSz="488950">
-            <a:lnSpc>
-              <a:spcPct val="150000"/>
-            </a:lnSpc>
-            <a:spcBef>
-              <a:spcPct val="0"/>
-            </a:spcBef>
-            <a:spcAft>
-              <a:spcPct val="15000"/>
-            </a:spcAft>
-            <a:buFont typeface="Wingdings" panose="05000000000000000000" pitchFamily="2" charset="2"/>
-            <a:buChar char="ü"/>
-          </a:pPr>
-          <a:r>
-            <a:rPr lang="en-US" sz="1100" kern="1200" dirty="0">
-              <a:solidFill>
-                <a:prstClr val="black">
-                  <a:hueOff val="0"/>
-                  <a:satOff val="0"/>
-                  <a:lumOff val="0"/>
-                  <a:alphaOff val="0"/>
-                </a:prstClr>
-              </a:solidFill>
-              <a:latin typeface="Calibri" panose="020F0502020204030204"/>
-              <a:ea typeface="+mn-ea"/>
-              <a:cs typeface="+mn-cs"/>
-            </a:rPr>
-            <a:t>Hands on Lab - Microsoft Flow</a:t>
-          </a:r>
-          <a:endParaRPr lang="en-GB" sz="1100" kern="1200" dirty="0">
-            <a:solidFill>
-              <a:prstClr val="black">
-                <a:hueOff val="0"/>
-                <a:satOff val="0"/>
-                <a:lumOff val="0"/>
-                <a:alphaOff val="0"/>
-              </a:prstClr>
-            </a:solidFill>
-            <a:latin typeface="Calibri" panose="020F0502020204030204"/>
-            <a:ea typeface="+mn-ea"/>
-            <a:cs typeface="+mn-cs"/>
-          </a:endParaRPr>
-        </a:p>
-      </dsp:txBody>
-      <dsp:txXfrm>
-        <a:off x="2896726" y="1155569"/>
-        <a:ext cx="2537287" cy="3390074"/>
-      </dsp:txXfrm>
-    </dsp:sp>
-    <dsp:sp modelId="{6D51457A-C3C5-41AF-B616-CDB4705EBFBD}">
-      <dsp:nvSpPr>
-        <dsp:cNvPr id="0" name=""/>
-        <dsp:cNvSpPr/>
-      </dsp:nvSpPr>
-      <dsp:spPr>
-        <a:xfrm>
-          <a:off x="5789234" y="140655"/>
-          <a:ext cx="2537287" cy="1014914"/>
-        </a:xfrm>
-        <a:prstGeom prst="rect">
-          <a:avLst/>
-        </a:prstGeom>
-        <a:solidFill>
-          <a:schemeClr val="bg1">
-            <a:lumMod val="65000"/>
-          </a:schemeClr>
-        </a:solidFill>
-        <a:ln w="12700" cap="flat" cmpd="sng" algn="ctr">
-          <a:solidFill>
-            <a:schemeClr val="bg1">
-              <a:lumMod val="65000"/>
-            </a:schemeClr>
-          </a:solidFill>
-          <a:prstDash val="solid"/>
-          <a:miter lim="800000"/>
-        </a:ln>
-        <a:effectLst/>
-      </dsp:spPr>
-      <dsp:style>
-        <a:lnRef idx="2">
-          <a:scrgbClr r="0" g="0" b="0"/>
-        </a:lnRef>
-        <a:fillRef idx="1">
-          <a:scrgbClr r="0" g="0" b="0"/>
-        </a:fillRef>
-        <a:effectRef idx="0">
-          <a:scrgbClr r="0" g="0" b="0"/>
-        </a:effectRef>
-        <a:fontRef idx="minor">
-          <a:schemeClr val="lt1"/>
-        </a:fontRef>
-      </dsp:style>
-      <dsp:txBody>
-        <a:bodyPr spcFirstLastPara="0" vert="horz" wrap="square" lIns="78232" tIns="44704" rIns="78232" bIns="44704" numCol="1" spcCol="1270" anchor="ctr" anchorCtr="0">
-          <a:noAutofit/>
-        </a:bodyPr>
-        <a:lstStyle/>
-        <a:p>
-          <a:pPr marL="0" lvl="0" indent="0" algn="ctr" defTabSz="488950">
-            <a:lnSpc>
-              <a:spcPct val="90000"/>
-            </a:lnSpc>
-            <a:spcBef>
-              <a:spcPct val="0"/>
-            </a:spcBef>
-            <a:spcAft>
-              <a:spcPct val="35000"/>
-            </a:spcAft>
-            <a:buNone/>
-          </a:pPr>
-          <a:r>
-            <a:rPr lang="en-AU" sz="1100" kern="1200" dirty="0"/>
-            <a:t>Day 3</a:t>
-          </a:r>
-        </a:p>
-        <a:p>
-          <a:pPr marL="0" lvl="0" indent="0" algn="ctr" defTabSz="488950">
-            <a:lnSpc>
-              <a:spcPct val="90000"/>
-            </a:lnSpc>
-            <a:spcBef>
-              <a:spcPct val="0"/>
-            </a:spcBef>
-            <a:spcAft>
-              <a:spcPct val="35000"/>
-            </a:spcAft>
-            <a:buNone/>
-          </a:pPr>
-          <a:r>
-            <a:rPr lang="en-GB" sz="1100" kern="1200" dirty="0"/>
-            <a:t>Power Automate Project Scenarios</a:t>
-          </a:r>
-          <a:endParaRPr lang="en-AU" sz="1100" kern="1200" dirty="0"/>
-        </a:p>
-      </dsp:txBody>
-      <dsp:txXfrm>
-        <a:off x="5789234" y="140655"/>
-        <a:ext cx="2537287" cy="1014914"/>
-      </dsp:txXfrm>
-    </dsp:sp>
-    <dsp:sp modelId="{FE6D297C-C9E0-4A7D-A12A-BA53DEE78AEC}">
-      <dsp:nvSpPr>
-        <dsp:cNvPr id="0" name=""/>
-        <dsp:cNvSpPr/>
-      </dsp:nvSpPr>
-      <dsp:spPr>
-        <a:xfrm>
-          <a:off x="5789234" y="1155569"/>
-          <a:ext cx="2537287" cy="3390074"/>
-        </a:xfrm>
-        <a:prstGeom prst="rect">
-          <a:avLst/>
-        </a:prstGeom>
-        <a:noFill/>
-        <a:ln w="12700" cap="flat" cmpd="sng" algn="ctr">
-          <a:solidFill>
-            <a:schemeClr val="accent1">
-              <a:alpha val="90000"/>
-              <a:tint val="40000"/>
-              <a:hueOff val="0"/>
-              <a:satOff val="0"/>
-              <a:lumOff val="0"/>
-              <a:alphaOff val="0"/>
-            </a:schemeClr>
-          </a:solidFill>
-          <a:prstDash val="solid"/>
-          <a:miter lim="800000"/>
-        </a:ln>
-        <a:effectLst/>
-      </dsp:spPr>
-      <dsp:style>
-        <a:lnRef idx="2">
-          <a:scrgbClr r="0" g="0" b="0"/>
-        </a:lnRef>
-        <a:fillRef idx="1">
-          <a:scrgbClr r="0" g="0" b="0"/>
-        </a:fillRef>
-        <a:effectRef idx="0">
-          <a:scrgbClr r="0" g="0" b="0"/>
-        </a:effectRef>
-        <a:fontRef idx="minor"/>
-      </dsp:style>
-      <dsp:txBody>
-        <a:bodyPr spcFirstLastPara="0" vert="horz" wrap="square" lIns="58674" tIns="58674" rIns="78232" bIns="88011" numCol="1" spcCol="1270" anchor="t" anchorCtr="0">
-          <a:noAutofit/>
-        </a:bodyPr>
-        <a:lstStyle/>
-        <a:p>
-          <a:pPr marL="57150" lvl="1" indent="-57150" algn="l" defTabSz="488950">
-            <a:lnSpc>
-              <a:spcPct val="150000"/>
-            </a:lnSpc>
-            <a:spcBef>
-              <a:spcPct val="0"/>
-            </a:spcBef>
-            <a:spcAft>
-              <a:spcPct val="15000"/>
-            </a:spcAft>
-            <a:buFont typeface="Wingdings" panose="05000000000000000000" pitchFamily="2" charset="2"/>
-            <a:buChar char="ü"/>
-          </a:pPr>
-          <a:r>
-            <a:rPr lang="en-GB" sz="1100" kern="1200" dirty="0"/>
-            <a:t>Approve / Reject Workflow  Scenario</a:t>
-          </a:r>
-          <a:endParaRPr lang="en-AU" sz="1100" kern="1200" dirty="0"/>
-        </a:p>
-        <a:p>
-          <a:pPr marL="57150" lvl="1" indent="-57150" algn="l" defTabSz="488950">
-            <a:lnSpc>
-              <a:spcPct val="150000"/>
-            </a:lnSpc>
-            <a:spcBef>
-              <a:spcPct val="0"/>
-            </a:spcBef>
-            <a:spcAft>
-              <a:spcPct val="15000"/>
-            </a:spcAft>
-            <a:buFont typeface="Wingdings" panose="05000000000000000000" pitchFamily="2" charset="2"/>
-            <a:buChar char="ü"/>
-          </a:pPr>
-          <a:r>
-            <a:rPr lang="en-GB" sz="1100" kern="1200" dirty="0"/>
-            <a:t>Recurrence Workflow Scenario</a:t>
-          </a:r>
-        </a:p>
-        <a:p>
-          <a:pPr marL="57150" lvl="1" indent="-57150" algn="l" defTabSz="488950">
-            <a:lnSpc>
-              <a:spcPct val="150000"/>
-            </a:lnSpc>
-            <a:spcBef>
-              <a:spcPct val="0"/>
-            </a:spcBef>
-            <a:spcAft>
-              <a:spcPct val="15000"/>
-            </a:spcAft>
-            <a:buFont typeface="Wingdings" panose="05000000000000000000" pitchFamily="2" charset="2"/>
-            <a:buChar char="ü"/>
-          </a:pPr>
-          <a:r>
-            <a:rPr lang="en-GB" sz="1100" kern="1200" dirty="0"/>
-            <a:t>Errorless workflows Scenario</a:t>
-          </a:r>
-        </a:p>
-        <a:p>
-          <a:pPr marL="57150" lvl="1" indent="-57150" algn="l" defTabSz="488950">
-            <a:lnSpc>
-              <a:spcPct val="150000"/>
-            </a:lnSpc>
-            <a:spcBef>
-              <a:spcPct val="0"/>
-            </a:spcBef>
-            <a:spcAft>
-              <a:spcPct val="15000"/>
-            </a:spcAft>
-            <a:buFont typeface="Wingdings" panose="05000000000000000000" pitchFamily="2" charset="2"/>
-            <a:buChar char="ü"/>
-          </a:pPr>
-          <a:r>
-            <a:rPr lang="en-US" sz="1100" kern="1200" dirty="0"/>
-            <a:t>Build and Implement Custom Connector</a:t>
-          </a:r>
-          <a:endParaRPr lang="en-GB" sz="1100" kern="1200" dirty="0"/>
-        </a:p>
-        <a:p>
-          <a:pPr marL="57150" lvl="1" indent="-57150" algn="l" defTabSz="488950">
-            <a:lnSpc>
-              <a:spcPct val="150000"/>
-            </a:lnSpc>
-            <a:spcBef>
-              <a:spcPct val="0"/>
-            </a:spcBef>
-            <a:spcAft>
-              <a:spcPct val="15000"/>
-            </a:spcAft>
-            <a:buFont typeface="Wingdings" panose="05000000000000000000" pitchFamily="2" charset="2"/>
-            <a:buChar char="ü"/>
-          </a:pPr>
-          <a:r>
-            <a:rPr lang="en-GB" sz="1100" kern="1200" dirty="0"/>
-            <a:t>Azure Cognitive Services AI Integration Workflow Scenario</a:t>
-          </a:r>
-        </a:p>
-        <a:p>
-          <a:pPr marL="57150" lvl="1" indent="-57150" algn="l" defTabSz="488950">
-            <a:lnSpc>
-              <a:spcPct val="150000"/>
-            </a:lnSpc>
-            <a:spcBef>
-              <a:spcPct val="0"/>
-            </a:spcBef>
-            <a:spcAft>
-              <a:spcPct val="15000"/>
-            </a:spcAft>
-            <a:buFont typeface="Wingdings" panose="05000000000000000000" pitchFamily="2" charset="2"/>
-            <a:buChar char="ü"/>
-          </a:pPr>
-          <a:r>
-            <a:rPr lang="en-US" sz="1100" kern="1200" dirty="0"/>
-            <a:t>Power App Integration Workflow Scenario</a:t>
-          </a:r>
-          <a:endParaRPr lang="en-GB" sz="1100" kern="1200" dirty="0"/>
-        </a:p>
-        <a:p>
-          <a:pPr marL="57150" lvl="1" indent="-57150" algn="l" defTabSz="488950">
-            <a:lnSpc>
-              <a:spcPct val="150000"/>
-            </a:lnSpc>
-            <a:spcBef>
-              <a:spcPct val="0"/>
-            </a:spcBef>
-            <a:spcAft>
-              <a:spcPct val="15000"/>
-            </a:spcAft>
-            <a:buFont typeface="Wingdings" panose="05000000000000000000" pitchFamily="2" charset="2"/>
-            <a:buChar char="ü"/>
-          </a:pPr>
-          <a:r>
-            <a:rPr lang="en-US" sz="1100" kern="1200" dirty="0"/>
-            <a:t>SQL Server Integration Workflow Scenario</a:t>
-          </a:r>
-          <a:endParaRPr lang="en-GB" sz="1100" kern="1200" dirty="0"/>
-        </a:p>
-        <a:p>
-          <a:pPr marL="57150" lvl="1" indent="-57150" algn="l" defTabSz="488950">
-            <a:lnSpc>
-              <a:spcPct val="150000"/>
-            </a:lnSpc>
-            <a:spcBef>
-              <a:spcPct val="0"/>
-            </a:spcBef>
-            <a:spcAft>
-              <a:spcPct val="15000"/>
-            </a:spcAft>
-            <a:buFont typeface="Wingdings" panose="05000000000000000000" pitchFamily="2" charset="2"/>
-            <a:buChar char="ü"/>
-          </a:pPr>
-          <a:r>
-            <a:rPr lang="en-US" sz="1100" kern="1200" dirty="0"/>
-            <a:t>HoL - End to End Business Flow with all Scenarios</a:t>
-          </a:r>
-          <a:endParaRPr lang="en-GB" sz="1100" kern="1200" dirty="0"/>
-        </a:p>
-      </dsp:txBody>
-      <dsp:txXfrm>
-        <a:off x="5789234" y="1155569"/>
-        <a:ext cx="2537287" cy="3390074"/>
-      </dsp:txXfrm>
-    </dsp:sp>
-    <dsp:sp modelId="{79AA2380-6C09-4C3E-A320-87D02EF11B92}">
-      <dsp:nvSpPr>
-        <dsp:cNvPr id="0" name=""/>
-        <dsp:cNvSpPr/>
-      </dsp:nvSpPr>
-      <dsp:spPr>
-        <a:xfrm>
-          <a:off x="8681741" y="140655"/>
-          <a:ext cx="2537287" cy="1014914"/>
-        </a:xfrm>
-        <a:prstGeom prst="rect">
-          <a:avLst/>
-        </a:prstGeom>
-        <a:solidFill>
-          <a:schemeClr val="bg1">
-            <a:lumMod val="65000"/>
-          </a:schemeClr>
-        </a:solidFill>
-        <a:ln w="12700" cap="flat" cmpd="sng" algn="ctr">
-          <a:solidFill>
-            <a:schemeClr val="bg1">
-              <a:lumMod val="65000"/>
-            </a:schemeClr>
-          </a:solidFill>
-          <a:prstDash val="solid"/>
-          <a:miter lim="800000"/>
-        </a:ln>
-        <a:effectLst/>
-      </dsp:spPr>
-      <dsp:style>
-        <a:lnRef idx="2">
-          <a:scrgbClr r="0" g="0" b="0"/>
-        </a:lnRef>
-        <a:fillRef idx="1">
-          <a:scrgbClr r="0" g="0" b="0"/>
-        </a:fillRef>
-        <a:effectRef idx="0">
-          <a:scrgbClr r="0" g="0" b="0"/>
-        </a:effectRef>
-        <a:fontRef idx="minor">
-          <a:schemeClr val="lt1"/>
-        </a:fontRef>
-      </dsp:style>
-      <dsp:txBody>
-        <a:bodyPr spcFirstLastPara="0" vert="horz" wrap="square" lIns="78232" tIns="44704" rIns="78232" bIns="44704" numCol="1" spcCol="1270" anchor="ctr" anchorCtr="0">
-          <a:noAutofit/>
-        </a:bodyPr>
-        <a:lstStyle/>
-        <a:p>
-          <a:pPr marL="0" lvl="0" indent="0" algn="ctr" defTabSz="488950">
-            <a:lnSpc>
-              <a:spcPct val="90000"/>
-            </a:lnSpc>
-            <a:spcBef>
-              <a:spcPct val="0"/>
-            </a:spcBef>
-            <a:spcAft>
-              <a:spcPct val="35000"/>
-            </a:spcAft>
-            <a:buNone/>
-          </a:pPr>
-          <a:r>
-            <a:rPr lang="en-AU" sz="1100" kern="1200" dirty="0"/>
-            <a:t>Day 4</a:t>
-          </a:r>
-        </a:p>
-        <a:p>
-          <a:pPr marL="0" lvl="0" indent="0" algn="ctr" defTabSz="488950">
-            <a:lnSpc>
-              <a:spcPct val="90000"/>
-            </a:lnSpc>
-            <a:spcBef>
-              <a:spcPct val="0"/>
-            </a:spcBef>
-            <a:spcAft>
-              <a:spcPct val="35000"/>
-            </a:spcAft>
-            <a:buNone/>
-          </a:pPr>
-          <a:r>
-            <a:rPr lang="en-US" sz="1100" kern="1200" dirty="0"/>
-            <a:t>Monitoring &amp; Administration of Power Automate</a:t>
-          </a:r>
-          <a:endParaRPr lang="en-AU" sz="1100" kern="1200" dirty="0"/>
-        </a:p>
-      </dsp:txBody>
-      <dsp:txXfrm>
-        <a:off x="8681741" y="140655"/>
-        <a:ext cx="2537287" cy="1014914"/>
-      </dsp:txXfrm>
-    </dsp:sp>
-    <dsp:sp modelId="{569DA3D3-C2E5-4089-A6F0-CF7A0DE5293E}">
-      <dsp:nvSpPr>
-        <dsp:cNvPr id="0" name=""/>
-        <dsp:cNvSpPr/>
-      </dsp:nvSpPr>
-      <dsp:spPr>
-        <a:xfrm>
-          <a:off x="8681741" y="1155569"/>
-          <a:ext cx="2537287" cy="3390074"/>
-        </a:xfrm>
-        <a:prstGeom prst="rect">
-          <a:avLst/>
-        </a:prstGeom>
-        <a:noFill/>
-        <a:ln w="12700" cap="flat" cmpd="sng" algn="ctr">
-          <a:solidFill>
-            <a:schemeClr val="accent1">
-              <a:alpha val="90000"/>
-              <a:tint val="40000"/>
-              <a:hueOff val="0"/>
-              <a:satOff val="0"/>
-              <a:lumOff val="0"/>
-              <a:alphaOff val="0"/>
-            </a:schemeClr>
-          </a:solidFill>
-          <a:prstDash val="solid"/>
-          <a:miter lim="800000"/>
-        </a:ln>
-        <a:effectLst/>
-      </dsp:spPr>
-      <dsp:style>
-        <a:lnRef idx="2">
-          <a:scrgbClr r="0" g="0" b="0"/>
-        </a:lnRef>
-        <a:fillRef idx="1">
-          <a:scrgbClr r="0" g="0" b="0"/>
-        </a:fillRef>
-        <a:effectRef idx="0">
-          <a:scrgbClr r="0" g="0" b="0"/>
-        </a:effectRef>
-        <a:fontRef idx="minor"/>
-      </dsp:style>
-      <dsp:txBody>
-        <a:bodyPr spcFirstLastPara="0" vert="horz" wrap="square" lIns="58674" tIns="58674" rIns="78232" bIns="88011" numCol="1" spcCol="1270" anchor="t" anchorCtr="0">
-          <a:noAutofit/>
-        </a:bodyPr>
-        <a:lstStyle/>
-        <a:p>
-          <a:pPr marL="57150" lvl="1" indent="-57150" algn="l" defTabSz="488950">
-            <a:lnSpc>
-              <a:spcPct val="150000"/>
-            </a:lnSpc>
-            <a:spcBef>
-              <a:spcPct val="0"/>
-            </a:spcBef>
-            <a:spcAft>
-              <a:spcPct val="15000"/>
-            </a:spcAft>
-            <a:buFont typeface="Wingdings" panose="05000000000000000000" pitchFamily="2" charset="2"/>
-            <a:buChar char="ü"/>
-          </a:pPr>
-          <a:r>
-            <a:rPr lang="en-AU" sz="1100" kern="1200" dirty="0"/>
-            <a:t>UI Flows</a:t>
-          </a:r>
-        </a:p>
-        <a:p>
-          <a:pPr marL="57150" lvl="1" indent="-57150" algn="l" defTabSz="488950">
-            <a:lnSpc>
-              <a:spcPct val="150000"/>
-            </a:lnSpc>
-            <a:spcBef>
-              <a:spcPct val="0"/>
-            </a:spcBef>
-            <a:spcAft>
-              <a:spcPct val="15000"/>
-            </a:spcAft>
-            <a:buFont typeface="Wingdings" panose="05000000000000000000" pitchFamily="2" charset="2"/>
-            <a:buChar char="ü"/>
-          </a:pPr>
-          <a:r>
-            <a:rPr lang="en-GB" sz="1100" kern="1200" dirty="0"/>
-            <a:t>Import, Export Flows</a:t>
-          </a:r>
-          <a:endParaRPr lang="en-AU" sz="1100" kern="1200" dirty="0"/>
-        </a:p>
-        <a:p>
-          <a:pPr marL="57150" lvl="1" indent="-57150" algn="l" defTabSz="488950">
-            <a:lnSpc>
-              <a:spcPct val="150000"/>
-            </a:lnSpc>
-            <a:spcBef>
-              <a:spcPct val="0"/>
-            </a:spcBef>
-            <a:spcAft>
-              <a:spcPct val="15000"/>
-            </a:spcAft>
-            <a:buFont typeface="Wingdings" panose="05000000000000000000" pitchFamily="2" charset="2"/>
-            <a:buChar char="ü"/>
-          </a:pPr>
-          <a:r>
-            <a:rPr lang="en-GB" sz="1100" kern="1200" dirty="0"/>
-            <a:t>Distribute Flows</a:t>
-          </a:r>
-        </a:p>
-        <a:p>
-          <a:pPr marL="57150" lvl="1" indent="-57150" algn="l" defTabSz="488950">
-            <a:lnSpc>
-              <a:spcPct val="150000"/>
-            </a:lnSpc>
-            <a:spcBef>
-              <a:spcPct val="0"/>
-            </a:spcBef>
-            <a:spcAft>
-              <a:spcPct val="15000"/>
-            </a:spcAft>
-            <a:buFont typeface="Wingdings" panose="05000000000000000000" pitchFamily="2" charset="2"/>
-            <a:buChar char="ü"/>
-          </a:pPr>
-          <a:r>
-            <a:rPr lang="en-US" sz="1100" kern="1200" dirty="0"/>
-            <a:t>Sharing of Flows across workspaces</a:t>
-          </a:r>
-          <a:endParaRPr lang="en-GB" sz="1100" kern="1200" dirty="0"/>
-        </a:p>
-        <a:p>
-          <a:pPr marL="57150" lvl="1" indent="-57150" algn="l" defTabSz="488950">
-            <a:lnSpc>
-              <a:spcPct val="150000"/>
-            </a:lnSpc>
-            <a:spcBef>
-              <a:spcPct val="0"/>
-            </a:spcBef>
-            <a:spcAft>
-              <a:spcPct val="15000"/>
-            </a:spcAft>
-            <a:buFont typeface="Wingdings" panose="05000000000000000000" pitchFamily="2" charset="2"/>
-            <a:buChar char="ü"/>
-          </a:pPr>
-          <a:r>
-            <a:rPr lang="en-US" sz="1100" kern="1200" dirty="0"/>
-            <a:t>Different Flow Environments and Code Promotion</a:t>
-          </a:r>
-          <a:endParaRPr lang="en-GB" sz="1100" kern="1200" dirty="0"/>
-        </a:p>
-        <a:p>
-          <a:pPr marL="57150" lvl="1" indent="-57150" algn="l" defTabSz="488950">
-            <a:lnSpc>
-              <a:spcPct val="150000"/>
-            </a:lnSpc>
-            <a:spcBef>
-              <a:spcPct val="0"/>
-            </a:spcBef>
-            <a:spcAft>
-              <a:spcPct val="15000"/>
-            </a:spcAft>
-            <a:buFont typeface="Wingdings" panose="05000000000000000000" pitchFamily="2" charset="2"/>
-            <a:buChar char="ü"/>
-          </a:pPr>
-          <a:r>
-            <a:rPr lang="en-US" sz="1100" kern="1200" dirty="0"/>
-            <a:t>Data Policies &amp; Integration Check Points</a:t>
-          </a:r>
-          <a:endParaRPr lang="en-GB" sz="1100" kern="1200" dirty="0"/>
-        </a:p>
-        <a:p>
-          <a:pPr marL="57150" lvl="1" indent="-57150" algn="l" defTabSz="488950">
-            <a:lnSpc>
-              <a:spcPct val="150000"/>
-            </a:lnSpc>
-            <a:spcBef>
-              <a:spcPct val="0"/>
-            </a:spcBef>
-            <a:spcAft>
-              <a:spcPct val="15000"/>
-            </a:spcAft>
-            <a:buFont typeface="Wingdings" panose="05000000000000000000" pitchFamily="2" charset="2"/>
-            <a:buChar char="ü"/>
-          </a:pPr>
-          <a:r>
-            <a:rPr lang="en-GB" sz="1100" kern="1200" dirty="0"/>
-            <a:t>Flow History and Analytics</a:t>
-          </a:r>
-        </a:p>
-        <a:p>
-          <a:pPr marL="57150" lvl="1" indent="-57150" algn="l" defTabSz="488950">
-            <a:lnSpc>
-              <a:spcPct val="150000"/>
-            </a:lnSpc>
-            <a:spcBef>
-              <a:spcPct val="0"/>
-            </a:spcBef>
-            <a:spcAft>
-              <a:spcPct val="15000"/>
-            </a:spcAft>
-            <a:buFont typeface="Wingdings" panose="05000000000000000000" pitchFamily="2" charset="2"/>
-            <a:buChar char="ü"/>
-          </a:pPr>
-          <a:r>
-            <a:rPr lang="en-GB" sz="1100" kern="1200" dirty="0"/>
-            <a:t>HoL - Check your Knowledge</a:t>
-          </a:r>
-        </a:p>
-        <a:p>
-          <a:pPr marL="57150" lvl="1" indent="-57150" algn="l" defTabSz="488950">
-            <a:lnSpc>
-              <a:spcPct val="150000"/>
-            </a:lnSpc>
-            <a:spcBef>
-              <a:spcPct val="0"/>
-            </a:spcBef>
-            <a:spcAft>
-              <a:spcPct val="15000"/>
-            </a:spcAft>
-            <a:buFont typeface="Wingdings" panose="05000000000000000000" pitchFamily="2" charset="2"/>
-            <a:buNone/>
-          </a:pPr>
-          <a:endParaRPr lang="en-GB" sz="1100" kern="1200" dirty="0"/>
-        </a:p>
-      </dsp:txBody>
-      <dsp:txXfrm>
-        <a:off x="8681741" y="1155569"/>
-        <a:ext cx="2537287" cy="3390074"/>
-      </dsp:txXfrm>
-    </dsp:sp>
-  </dsp:spTree>
-</dsp:drawing>
-</file>
-
-<file path=ppt/diagrams/layout1.xml><?xml version="1.0" encoding="utf-8"?>
-<dgm:layoutDef xmlns:dgm="http://schemas.openxmlformats.org/drawingml/2006/diagram" xmlns:a="http://schemas.openxmlformats.org/drawingml/2006/main" uniqueId="urn:microsoft.com/office/officeart/2005/8/layout/hList1">
-  <dgm:title val=""/>
-  <dgm:desc val=""/>
-  <dgm:catLst>
-    <dgm:cat type="list" pri="5000"/>
-    <dgm:cat type="convert" pri="5000"/>
-  </dgm:catLst>
-  <dgm:sampData>
-    <dgm:dataModel>
-      <dgm:ptLst>
-        <dgm:pt modelId="0" type="doc"/>
-        <dgm:pt modelId="1">
-          <dgm:prSet phldr="1"/>
-        </dgm:pt>
-        <dgm:pt modelId="11">
-          <dgm:prSet phldr="1"/>
-        </dgm:pt>
-        <dgm:pt modelId="12">
-          <dgm:prSet phldr="1"/>
-        </dgm:pt>
-        <dgm:pt modelId="2">
-          <dgm:prSet phldr="1"/>
-        </dgm:pt>
-        <dgm:pt modelId="21">
-          <dgm:prSet phldr="1"/>
-        </dgm:pt>
-        <dgm:pt modelId="22">
-          <dgm:prSet phldr="1"/>
-        </dgm:pt>
-        <dgm:pt modelId="3">
-          <dgm:prSet phldr="1"/>
-        </dgm:pt>
-        <dgm:pt modelId="31">
-          <dgm:prSet phldr="1"/>
-        </dgm:pt>
-        <dgm:pt modelId="32">
-          <dgm:prSet phldr="1"/>
-        </dgm:pt>
-      </dgm:ptLst>
-      <dgm:cxnLst>
-        <dgm:cxn modelId="4" srcId="0" destId="1" srcOrd="0" destOrd="0"/>
-        <dgm:cxn modelId="5" srcId="0" destId="2" srcOrd="1" destOrd="0"/>
-        <dgm:cxn modelId="6" srcId="0" destId="3" srcOrd="2" destOrd="0"/>
-        <dgm:cxn modelId="13" srcId="1" destId="11" srcOrd="0" destOrd="0"/>
-        <dgm:cxn modelId="14" srcId="1" destId="12" srcOrd="1" destOrd="0"/>
-        <dgm:cxn modelId="23" srcId="2" destId="21" srcOrd="0" destOrd="0"/>
-        <dgm:cxn modelId="24" srcId="2" destId="22" srcOrd="1" destOrd="0"/>
-        <dgm:cxn modelId="33" srcId="3" destId="31" srcOrd="0" destOrd="0"/>
-        <dgm:cxn modelId="34" srcId="3" destId="32" srcOrd="1" destOrd="0"/>
-      </dgm:cxnLst>
-      <dgm:bg/>
-      <dgm:whole/>
-    </dgm:dataModel>
-  </dgm:sampData>
-  <dgm:styleData>
-    <dgm:dataModel>
-      <dgm:ptLst>
-        <dgm:pt modelId="0" type="doc"/>
-        <dgm:pt modelId="1">
-          <dgm:prSet phldr="1"/>
-        </dgm:pt>
-        <dgm:pt modelId="2">
-          <dgm:prSet phldr="1"/>
-        </dgm:pt>
-      </dgm:ptLst>
-      <dgm:cxnLst>
-        <dgm:cxn modelId="3" srcId="0" destId="1" srcOrd="0" destOrd="0"/>
-        <dgm:cxn modelId="4" srcId="0" destId="2" srcOrd="1" destOrd="0"/>
-      </dgm:cxnLst>
-      <dgm:bg/>
-      <dgm:whole/>
-    </dgm:dataModel>
-  </dgm:styleData>
-  <dgm:clrData>
-    <dgm:dataModel>
-      <dgm:ptLst>
-        <dgm:pt modelId="0" type="doc"/>
-        <dgm:pt modelId="1">
-          <dgm:prSet phldr="1"/>
-        </dgm:pt>
-        <dgm:pt modelId="2">
-          <dgm:prSet phldr="1"/>
-        </dgm:pt>
-        <dgm:pt modelId="3">
-          <dgm:prSet phldr="1"/>
-        </dgm:pt>
-        <dgm:pt modelId="4">
-          <dgm:prSet phldr="1"/>
-        </dgm:pt>
-      </dgm:ptLst>
-      <dgm:cxnLst>
-        <dgm:cxn modelId="5" srcId="0" destId="1" srcOrd="0" destOrd="0"/>
-        <dgm:cxn modelId="6" srcId="0" destId="2" srcOrd="1" destOrd="0"/>
-        <dgm:cxn modelId="7" srcId="0" destId="3" srcOrd="2" destOrd="0"/>
-        <dgm:cxn modelId="8" srcId="0" destId="4" srcOrd="3" destOrd="0"/>
-      </dgm:cxnLst>
-      <dgm:bg/>
-      <dgm:whole/>
-    </dgm:dataModel>
-  </dgm:clrData>
-  <dgm:layoutNode name="Name0">
-    <dgm:varLst>
-      <dgm:dir/>
-      <dgm:animLvl val="lvl"/>
-      <dgm:resizeHandles val="exact"/>
-    </dgm:varLst>
-    <dgm:choose name="Name1">
-      <dgm:if name="Name2" func="var" arg="dir" op="equ" val="norm">
-        <dgm:alg type="lin"/>
-      </dgm:if>
-      <dgm:else name="Name3">
-        <dgm:alg type="lin">
-          <dgm:param type="linDir" val="fromR"/>
-        </dgm:alg>
-      </dgm:else>
-    </dgm:choose>
-    <dgm:shape xmlns:r="http://schemas.openxmlformats.org/officeDocument/2006/relationships" r:blip="">
-      <dgm:adjLst/>
-    </dgm:shape>
-    <dgm:presOf/>
-    <dgm:constrLst>
-      <dgm:constr type="h" for="ch" forName="composite" refType="h"/>
-      <dgm:constr type="w" for="ch" forName="composite" refType="w"/>
-      <dgm:constr type="w" for="des" forName="parTx"/>
-      <dgm:constr type="h" for="des" forName="parTx" op="equ"/>
-      <dgm:constr type="w" for="des" forName="desTx"/>
-      <dgm:constr type="h" for="des" forName="desTx" op="equ"/>
-      <dgm:constr type="primFontSz" for="des" forName="parTx" val="65"/>
-      <dgm:constr type="secFontSz" for="des" forName="desTx" refType="primFontSz" refFor="des" refForName="parTx" op="equ"/>
-      <dgm:constr type="h" for="des" forName="parTx" refType="primFontSz" refFor="des" refForName="parTx" fact="0.8"/>
-      <dgm:constr type="h" for="des" forName="desTx" refType="primFontSz" refFor="des" refForName="parTx" fact="1.22"/>
-      <dgm:constr type="w" for="ch" forName="space" refType="w" refFor="ch" refForName="composite" op="equ" fact="0.14"/>
-    </dgm:constrLst>
-    <dgm:ruleLst>
-      <dgm:rule type="w" for="ch" forName="composite" val="0" fact="NaN" max="NaN"/>
-      <dgm:rule type="primFontSz" for="des" forName="parTx" val="5" fact="NaN" max="NaN"/>
-    </dgm:ruleLst>
-    <dgm:forEach name="Name4" axis="ch" ptType="node">
-      <dgm:layoutNode name="composite">
-        <dgm:alg type="composite"/>
-        <dgm:shape xmlns:r="http://schemas.openxmlformats.org/officeDocument/2006/relationships" r:blip="">
-          <dgm:adjLst/>
-        </dgm:shape>
-        <dgm:presOf/>
-        <dgm:constrLst>
-          <dgm:constr type="l" for="ch" forName="parTx"/>
-          <dgm:constr type="w" for="ch" forName="parTx" refType="w"/>
-          <dgm:constr type="t" for="ch" forName="parTx"/>
-          <dgm:constr type="l" for="ch" forName="desTx"/>
-          <dgm:constr type="w" for="ch" forName="desTx" refType="w" refFor="ch" refForName="parTx"/>
-          <dgm:constr type="t" for="ch" forName="desTx" refType="h" refFor="ch" refForName="parTx"/>
-        </dgm:constrLst>
-        <dgm:ruleLst>
-          <dgm:rule type="h" val="INF" fact="NaN" max="NaN"/>
-        </dgm:ruleLst>
-        <dgm:layoutNode name="parTx" styleLbl="alignNode1">
-          <dgm:varLst>
-            <dgm:chMax val="0"/>
-            <dgm:chPref val="0"/>
-            <dgm:bulletEnabled val="1"/>
-          </dgm:varLst>
-          <dgm:alg type="tx"/>
-          <dgm:shape xmlns:r="http://schemas.openxmlformats.org/officeDocument/2006/relationships" type="rect" r:blip="">
-            <dgm:adjLst/>
-          </dgm:shape>
-          <dgm:presOf axis="self" ptType="node"/>
-          <dgm:constrLst>
-            <dgm:constr type="h" refType="w" op="lte" fact="0.4"/>
-            <dgm:constr type="h"/>
-            <dgm:constr type="tMarg" refType="primFontSz" fact="0.32"/>
-            <dgm:constr type="bMarg" refType="primFontSz" fact="0.32"/>
-          </dgm:constrLst>
-          <dgm:ruleLst>
-            <dgm:rule type="h" val="INF" fact="NaN" max="NaN"/>
-          </dgm:ruleLst>
-        </dgm:layoutNode>
-        <dgm:layoutNode name="desTx" styleLbl="alignAccFollowNode1">
-          <dgm:varLst>
-            <dgm:bulletEnabled val="1"/>
-          </dgm:varLst>
-          <dgm:alg type="tx">
-            <dgm:param type="stBulletLvl" val="1"/>
-          </dgm:alg>
-          <dgm:shape xmlns:r="http://schemas.openxmlformats.org/officeDocument/2006/relationships" type="rect" r:blip="">
-            <dgm:adjLst/>
-          </dgm:shape>
-          <dgm:presOf axis="des" ptType="node"/>
-          <dgm:constrLst>
-            <dgm:constr type="secFontSz" val="65"/>
-            <dgm:constr type="primFontSz" refType="secFontSz"/>
-            <dgm:constr type="h"/>
-            <dgm:constr type="lMarg" refType="primFontSz" fact="0.42"/>
-            <dgm:constr type="tMarg" refType="primFontSz" fact="0.42"/>
-            <dgm:constr type="bMarg" refType="primFontSz" fact="0.63"/>
-          </dgm:constrLst>
-          <dgm:ruleLst>
-            <dgm:rule type="h" val="INF" fact="NaN" max="NaN"/>
-          </dgm:ruleLst>
-        </dgm:layoutNode>
-      </dgm:layoutNode>
-      <dgm:forEach name="Name5" axis="followSib" ptType="sibTrans" cnt="1">
-        <dgm:layoutNode name="space">
-          <dgm:alg type="sp"/>
-          <dgm:shape xmlns:r="http://schemas.openxmlformats.org/officeDocument/2006/relationships" r:blip="">
-            <dgm:adjLst/>
-          </dgm:shape>
-          <dgm:presOf/>
-          <dgm:constrLst/>
-          <dgm:ruleLst/>
-        </dgm:layoutNode>
-      </dgm:forEach>
-    </dgm:forEach>
-  </dgm:layoutNode>
-</dgm:layoutDef>
-</file>
-
-<file path=ppt/diagrams/quickStyle1.xml><?xml version="1.0" encoding="utf-8"?>
-<dgm:styleDef xmlns:dgm="http://schemas.openxmlformats.org/drawingml/2006/diagram" xmlns:a="http://schemas.openxmlformats.org/drawingml/2006/main" uniqueId="urn:microsoft.com/office/officeart/2005/8/quickstyle/simple1">
-  <dgm:title val=""/>
-  <dgm:desc val=""/>
-  <dgm:catLst>
-    <dgm:cat type="simple" pri="10100"/>
-  </dgm:catLst>
-  <dgm:scene3d>
-    <a:camera prst="orthographicFront"/>
-    <a:lightRig rig="threePt" dir="t"/>
-  </dgm:scene3d>
-  <dgm:styleLbl name="node0">
-    <dgm:scene3d>
-      <a:camera prst="orthographicFront"/>
-      <a:lightRig rig="threePt" dir="t"/>
-    </dgm:scene3d>
-    <dgm:sp3d/>
-    <dgm:txPr/>
-    <dgm:style>
-      <a:lnRef idx="2">
-        <a:scrgbClr r="0" g="0" b="0"/>
-      </a:lnRef>
-      <a:fillRef idx="1">
-        <a:scrgbClr r="0" g="0" b="0"/>
-      </a:fillRef>
-      <a:effectRef idx="0">
-        <a:scrgbClr r="0" g="0" b="0"/>
-      </a:effectRef>
-      <a:fontRef idx="minor">
-        <a:schemeClr val="lt1"/>
-      </a:fontRef>
-    </dgm:style>
-  </dgm:styleLbl>
-  <dgm:styleLbl name="lnNode1">
-    <dgm:scene3d>
-      <a:camera prst="orthographicFront"/>
-      <a:lightRig rig="threePt" dir="t"/>
-    </dgm:scene3d>
-    <dgm:sp3d/>
-    <dgm:txPr/>
-    <dgm:style>
-      <a:lnRef idx="2">
-        <a:scrgbClr r="0" g="0" b="0"/>
-      </a:lnRef>
-      <a:fillRef idx="1">
-        <a:scrgbClr r="0" g="0" b="0"/>
-      </a:fillRef>
-      <a:effectRef idx="0">
-        <a:scrgbClr r="0" g="0" b="0"/>
-      </a:effectRef>
-      <a:fontRef idx="minor">
-        <a:schemeClr val="lt1"/>
-      </a:fontRef>
-    </dgm:style>
-  </dgm:styleLbl>
-  <dgm:styleLbl name="vennNode1">
-    <dgm:scene3d>
-      <a:camera prst="orthographicFront"/>
-      <a:lightRig rig="threePt" dir="t"/>
-    </dgm:scene3d>
-    <dgm:sp3d/>
-    <dgm:txPr/>
-    <dgm:style>
-      <a:lnRef idx="2">
-        <a:scrgbClr r="0" g="0" b="0"/>
-      </a:lnRef>
-      <a:fillRef idx="1">
-        <a:scrgbClr r="0" g="0" b="0"/>
-      </a:fillRef>
-      <a:effectRef idx="0">
-        <a:scrgbClr r="0" g="0" b="0"/>
-      </a:effectRef>
-      <a:fontRef idx="minor">
-        <a:schemeClr val="tx1"/>
-      </a:fontRef>
-    </dgm:style>
-  </dgm:styleLbl>
-  <dgm:styleLbl name="alignNode1">
-    <dgm:scene3d>
-      <a:camera prst="orthographicFront"/>
-      <a:lightRig rig="threePt" dir="t"/>
-    </dgm:scene3d>
-    <dgm:sp3d/>
-    <dgm:txPr/>
-    <dgm:style>
-      <a:lnRef idx="2">
-        <a:scrgbClr r="0" g="0" b="0"/>
-      </a:lnRef>
-      <a:fillRef idx="1">
-        <a:scrgbClr r="0" g="0" b="0"/>
-      </a:fillRef>
-      <a:effectRef idx="0">
-        <a:scrgbClr r="0" g="0" b="0"/>
-      </a:effectRef>
-      <a:fontRef idx="minor">
-        <a:schemeClr val="lt1"/>
-      </a:fontRef>
-    </dgm:style>
-  </dgm:styleLbl>
-  <dgm:styleLbl name="node1">
-    <dgm:scene3d>
-      <a:camera prst="orthographicFront"/>
-      <a:lightRig rig="threePt" dir="t"/>
-    </dgm:scene3d>
-    <dgm:sp3d/>
-    <dgm:txPr/>
-    <dgm:style>
-      <a:lnRef idx="2">
-        <a:scrgbClr r="0" g="0" b="0"/>
-      </a:lnRef>
-      <a:fillRef idx="1">
-        <a:scrgbClr r="0" g="0" b="0"/>
-      </a:fillRef>
-      <a:effectRef idx="0">
-        <a:scrgbClr r="0" g="0" b="0"/>
-      </a:effectRef>
-      <a:fontRef idx="minor">
-        <a:schemeClr val="lt1"/>
-      </a:fontRef>
-    </dgm:style>
-  </dgm:styleLbl>
-  <dgm:styleLbl name="node2">
-    <dgm:scene3d>
-      <a:camera prst="orthographicFront"/>
-      <a:lightRig rig="threePt" dir="t"/>
-    </dgm:scene3d>
-    <dgm:sp3d/>
-    <dgm:txPr/>
-    <dgm:style>
-      <a:lnRef idx="2">
-        <a:scrgbClr r="0" g="0" b="0"/>
-      </a:lnRef>
-      <a:fillRef idx="1">
-        <a:scrgbClr r="0" g="0" b="0"/>
-      </a:fillRef>
-      <a:effectRef idx="0">
-        <a:scrgbClr r="0" g="0" b="0"/>
-      </a:effectRef>
-      <a:fontRef idx="minor">
-        <a:schemeClr val="lt1"/>
-      </a:fontRef>
-    </dgm:style>
-  </dgm:styleLbl>
-  <dgm:styleLbl name="node3">
-    <dgm:scene3d>
-      <a:camera prst="orthographicFront"/>
-      <a:lightRig rig="threePt" dir="t"/>
-    </dgm:scene3d>
-    <dgm:sp3d/>
-    <dgm:txPr/>
-    <dgm:style>
-      <a:lnRef idx="2">
-        <a:scrgbClr r="0" g="0" b="0"/>
-      </a:lnRef>
-      <a:fillRef idx="1">
-        <a:scrgbClr r="0" g="0" b="0"/>
-      </a:fillRef>
-      <a:effectRef idx="0">
-        <a:scrgbClr r="0" g="0" b="0"/>
-      </a:effectRef>
-      <a:fontRef idx="minor">
-        <a:schemeClr val="lt1"/>
-      </a:fontRef>
-    </dgm:style>
-  </dgm:styleLbl>
-  <dgm:styleLbl name="node4">
-    <dgm:scene3d>
-      <a:camera prst="orthographicFront"/>
-      <a:lightRig rig="threePt" dir="t"/>
-    </dgm:scene3d>
-    <dgm:sp3d/>
-    <dgm:txPr/>
-    <dgm:style>
-      <a:lnRef idx="2">
-        <a:scrgbClr r="0" g="0" b="0"/>
-      </a:lnRef>
-      <a:fillRef idx="1">
-        <a:scrgbClr r="0" g="0" b="0"/>
-      </a:fillRef>
-      <a:effectRef idx="0">
-        <a:scrgbClr r="0" g="0" b="0"/>
-      </a:effectRef>
-      <a:fontRef idx="minor">
-        <a:schemeClr val="lt1"/>
-      </a:fontRef>
-    </dgm:style>
-  </dgm:styleLbl>
-  <dgm:styleLbl name="fgImgPlace1">
-    <dgm:scene3d>
-      <a:camera prst="orthographicFront"/>
-      <a:lightRig rig="threePt" dir="t"/>
-    </dgm:scene3d>
-    <dgm:sp3d/>
-    <dgm:txPr/>
-    <dgm:style>
-      <a:lnRef idx="2">
-        <a:scrgbClr r="0" g="0" b="0"/>
-      </a:lnRef>
-      <a:fillRef idx="1">
-        <a:scrgbClr r="0" g="0" b="0"/>
-      </a:fillRef>
-      <a:effectRef idx="0">
-        <a:scrgbClr r="0" g="0" b="0"/>
-      </a:effectRef>
-      <a:fontRef idx="minor"/>
-    </dgm:style>
-  </dgm:styleLbl>
-  <dgm:styleLbl name="alignImgPlace1">
-    <dgm:scene3d>
-      <a:camera prst="orthographicFront"/>
-      <a:lightRig rig="threePt" dir="t"/>
-    </dgm:scene3d>
-    <dgm:sp3d/>
-    <dgm:txPr/>
-    <dgm:style>
-      <a:lnRef idx="2">
-        <a:scrgbClr r="0" g="0" b="0"/>
-      </a:lnRef>
-      <a:fillRef idx="1">
-        <a:scrgbClr r="0" g="0" b="0"/>
-      </a:fillRef>
-      <a:effectRef idx="0">
-        <a:scrgbClr r="0" g="0" b="0"/>
-      </a:effectRef>
-      <a:fontRef idx="minor"/>
-    </dgm:style>
-  </dgm:styleLbl>
-  <dgm:styleLbl name="bgImgPlace1">
-    <dgm:scene3d>
-      <a:camera prst="orthographicFront"/>
-      <a:lightRig rig="threePt" dir="t"/>
-    </dgm:scene3d>
-    <dgm:sp3d/>
-    <dgm:txPr/>
-    <dgm:style>
-      <a:lnRef idx="2">
-        <a:scrgbClr r="0" g="0" b="0"/>
-      </a:lnRef>
-      <a:fillRef idx="1">
-        <a:scrgbClr r="0" g="0" b="0"/>
-      </a:fillRef>
-      <a:effectRef idx="0">
-        <a:scrgbClr r="0" g="0" b="0"/>
-      </a:effectRef>
-      <a:fontRef idx="minor"/>
-    </dgm:style>
-  </dgm:styleLbl>
-  <dgm:styleLbl name="sibTrans2D1">
-    <dgm:scene3d>
-      <a:camera prst="orthographicFront"/>
-      <a:lightRig rig="threePt" dir="t"/>
-    </dgm:scene3d>
-    <dgm:sp3d/>
-    <dgm:txPr/>
-    <dgm:style>
-      <a:lnRef idx="0">
-        <a:scrgbClr r="0" g="0" b="0"/>
-      </a:lnRef>
-      <a:fillRef idx="1">
-        <a:scrgbClr r="0" g="0" b="0"/>
-      </a:fillRef>
-      <a:effectRef idx="0">
-        <a:scrgbClr r="0" g="0" b="0"/>
-      </a:effectRef>
-      <a:fontRef idx="minor">
-        <a:schemeClr val="lt1"/>
-      </a:fontRef>
-    </dgm:style>
-  </dgm:styleLbl>
-  <dgm:styleLbl name="fgSibTrans2D1">
-    <dgm:scene3d>
-      <a:camera prst="orthographicFront"/>
-      <a:lightRig rig="threePt" dir="t"/>
-    </dgm:scene3d>
-    <dgm:sp3d/>
-    <dgm:txPr/>
-    <dgm:style>
-      <a:lnRef idx="0">
-        <a:scrgbClr r="0" g="0" b="0"/>
-      </a:lnRef>
-      <a:fillRef idx="1">
-        <a:scrgbClr r="0" g="0" b="0"/>
-      </a:fillRef>
-      <a:effectRef idx="0">
-        <a:scrgbClr r="0" g="0" b="0"/>
-      </a:effectRef>
-      <a:fontRef idx="minor">
-        <a:schemeClr val="lt1"/>
-      </a:fontRef>
-    </dgm:style>
-  </dgm:styleLbl>
-  <dgm:styleLbl name="bgSibTrans2D1">
-    <dgm:scene3d>
-      <a:camera prst="orthographicFront"/>
-      <a:lightRig rig="threePt" dir="t"/>
-    </dgm:scene3d>
-    <dgm:sp3d/>
-    <dgm:txPr/>
-    <dgm:style>
-      <a:lnRef idx="0">
-        <a:scrgbClr r="0" g="0" b="0"/>
-      </a:lnRef>
-      <a:fillRef idx="1">
-        <a:scrgbClr r="0" g="0" b="0"/>
-      </a:fillRef>
-      <a:effectRef idx="0">
-        <a:scrgbClr r="0" g="0" b="0"/>
-      </a:effectRef>
-      <a:fontRef idx="minor">
-        <a:schemeClr val="lt1"/>
-      </a:fontRef>
-    </dgm:style>
-  </dgm:styleLbl>
-  <dgm:styleLbl name="sibTrans1D1">
-    <dgm:scene3d>
-      <a:camera prst="orthographicFront"/>
-      <a:lightRig rig="threePt" dir="t"/>
-    </dgm:scene3d>
-    <dgm:sp3d/>
-    <dgm:txPr/>
-    <dgm:style>
-      <a:lnRef idx="1">
-        <a:scrgbClr r="0" g="0" b="0"/>
-      </a:lnRef>
-      <a:fillRef idx="0">
-        <a:scrgbClr r="0" g="0" b="0"/>
-      </a:fillRef>
-      <a:effectRef idx="0">
-        <a:scrgbClr r="0" g="0" b="0"/>
-      </a:effectRef>
-      <a:fontRef idx="minor"/>
-    </dgm:style>
-  </dgm:styleLbl>
-  <dgm:styleLbl name="callout">
-    <dgm:scene3d>
-      <a:camera prst="orthographicFront"/>
-      <a:lightRig rig="threePt" dir="t"/>
-    </dgm:scene3d>
-    <dgm:sp3d/>
-    <dgm:txPr/>
-    <dgm:style>
-      <a:lnRef idx="2">
-        <a:scrgbClr r="0" g="0" b="0"/>
-      </a:lnRef>
-      <a:fillRef idx="1">
-        <a:scrgbClr r="0" g="0" b="0"/>
-      </a:fillRef>
-      <a:effectRef idx="0">
-        <a:scrgbClr r="0" g="0" b="0"/>
-      </a:effectRef>
-      <a:fontRef idx="minor"/>
-    </dgm:style>
-  </dgm:styleLbl>
-  <dgm:styleLbl name="asst0">
-    <dgm:scene3d>
-      <a:camera prst="orthographicFront"/>
-      <a:lightRig rig="threePt" dir="t"/>
-    </dgm:scene3d>
-    <dgm:sp3d/>
-    <dgm:txPr/>
-    <dgm:style>
-      <a:lnRef idx="2">
-        <a:scrgbClr r="0" g="0" b="0"/>
-      </a:lnRef>
-      <a:fillRef idx="1">
-        <a:scrgbClr r="0" g="0" b="0"/>
-      </a:fillRef>
-      <a:effectRef idx="0">
-        <a:scrgbClr r="0" g="0" b="0"/>
-      </a:effectRef>
-      <a:fontRef idx="minor">
-        <a:schemeClr val="lt1"/>
-      </a:fontRef>
-    </dgm:style>
-  </dgm:styleLbl>
-  <dgm:styleLbl name="asst1">
-    <dgm:scene3d>
-      <a:camera prst="orthographicFront"/>
-      <a:lightRig rig="threePt" dir="t"/>
-    </dgm:scene3d>
-    <dgm:sp3d/>
-    <dgm:txPr/>
-    <dgm:style>
-      <a:lnRef idx="2">
-        <a:scrgbClr r="0" g="0" b="0"/>
-      </a:lnRef>
-      <a:fillRef idx="1">
-        <a:scrgbClr r="0" g="0" b="0"/>
-      </a:fillRef>
-      <a:effectRef idx="0">
-        <a:scrgbClr r="0" g="0" b="0"/>
-      </a:effectRef>
-      <a:fontRef idx="minor">
-        <a:schemeClr val="lt1"/>
-      </a:fontRef>
-    </dgm:style>
-  </dgm:styleLbl>
-  <dgm:styleLbl name="asst2">
-    <dgm:scene3d>
-      <a:camera prst="orthographicFront"/>
-      <a:lightRig rig="threePt" dir="t"/>
-    </dgm:scene3d>
-    <dgm:sp3d/>
-    <dgm:txPr/>
-    <dgm:style>
-      <a:lnRef idx="2">
-        <a:scrgbClr r="0" g="0" b="0"/>
-      </a:lnRef>
-      <a:fillRef idx="1">
-        <a:scrgbClr r="0" g="0" b="0"/>
-      </a:fillRef>
-      <a:effectRef idx="0">
-        <a:scrgbClr r="0" g="0" b="0"/>
-      </a:effectRef>
-      <a:fontRef idx="minor">
-        <a:schemeClr val="lt1"/>
-      </a:fontRef>
-    </dgm:style>
-  </dgm:styleLbl>
-  <dgm:styleLbl name="asst3">
-    <dgm:scene3d>
-      <a:camera prst="orthographicFront"/>
-      <a:lightRig rig="threePt" dir="t"/>
-    </dgm:scene3d>
-    <dgm:sp3d/>
-    <dgm:txPr/>
-    <dgm:style>
-      <a:lnRef idx="2">
-        <a:scrgbClr r="0" g="0" b="0"/>
-      </a:lnRef>
-      <a:fillRef idx="1">
-        <a:scrgbClr r="0" g="0" b="0"/>
-      </a:fillRef>
-      <a:effectRef idx="0">
-        <a:scrgbClr r="0" g="0" b="0"/>
-      </a:effectRef>
-      <a:fontRef idx="minor">
-        <a:schemeClr val="lt1"/>
-      </a:fontRef>
-    </dgm:style>
-  </dgm:styleLbl>
-  <dgm:styleLbl name="asst4">
-    <dgm:scene3d>
-      <a:camera prst="orthographicFront"/>
-      <a:lightRig rig="threePt" dir="t"/>
-    </dgm:scene3d>
-    <dgm:sp3d/>
-    <dgm:txPr/>
-    <dgm:style>
-      <a:lnRef idx="2">
-        <a:scrgbClr r="0" g="0" b="0"/>
-      </a:lnRef>
-      <a:fillRef idx="1">
-        <a:scrgbClr r="0" g="0" b="0"/>
-      </a:fillRef>
-      <a:effectRef idx="0">
-        <a:scrgbClr r="0" g="0" b="0"/>
-      </a:effectRef>
-      <a:fontRef idx="minor">
-        <a:schemeClr val="lt1"/>
-      </a:fontRef>
-    </dgm:style>
-  </dgm:styleLbl>
-  <dgm:styleLbl name="parChTrans2D1">
-    <dgm:scene3d>
-      <a:camera prst="orthographicFront"/>
-      <a:lightRig rig="threePt" dir="t"/>
-    </dgm:scene3d>
-    <dgm:sp3d/>
-    <dgm:txPr/>
-    <dgm:style>
-      <a:lnRef idx="2">
-        <a:scrgbClr r="0" g="0" b="0"/>
-      </a:lnRef>
-      <a:fillRef idx="1">
-        <a:scrgbClr r="0" g="0" b="0"/>
-      </a:fillRef>
-      <a:effectRef idx="0">
-        <a:scrgbClr r="0" g="0" b="0"/>
-      </a:effectRef>
-      <a:fontRef idx="minor">
-        <a:schemeClr val="lt1"/>
-      </a:fontRef>
-    </dgm:style>
-  </dgm:styleLbl>
-  <dgm:styleLbl name="parChTrans2D2">
-    <dgm:scene3d>
-      <a:camera prst="orthographicFront"/>
-      <a:lightRig rig="threePt" dir="t"/>
-    </dgm:scene3d>
-    <dgm:sp3d/>
-    <dgm:txPr/>
-    <dgm:style>
-      <a:lnRef idx="2">
-        <a:scrgbClr r="0" g="0" b="0"/>
-      </a:lnRef>
-      <a:fillRef idx="1">
-        <a:scrgbClr r="0" g="0" b="0"/>
-      </a:fillRef>
-      <a:effectRef idx="0">
-        <a:scrgbClr r="0" g="0" b="0"/>
-      </a:effectRef>
-      <a:fontRef idx="minor">
-        <a:schemeClr val="lt1"/>
-      </a:fontRef>
-    </dgm:style>
-  </dgm:styleLbl>
-  <dgm:styleLbl name="parChTrans2D3">
-    <dgm:scene3d>
-      <a:camera prst="orthographicFront"/>
-      <a:lightRig rig="threePt" dir="t"/>
-    </dgm:scene3d>
-    <dgm:sp3d/>
-    <dgm:txPr/>
-    <dgm:style>
-      <a:lnRef idx="2">
-        <a:scrgbClr r="0" g="0" b="0"/>
-      </a:lnRef>
-      <a:fillRef idx="1">
-        <a:scrgbClr r="0" g="0" b="0"/>
-      </a:fillRef>
-      <a:effectRef idx="0">
-        <a:scrgbClr r="0" g="0" b="0"/>
-      </a:effectRef>
-      <a:fontRef idx="minor">
-        <a:schemeClr val="lt1"/>
-      </a:fontRef>
-    </dgm:style>
-  </dgm:styleLbl>
-  <dgm:styleLbl name="parChTrans2D4">
-    <dgm:scene3d>
-      <a:camera prst="orthographicFront"/>
-      <a:lightRig rig="threePt" dir="t"/>
-    </dgm:scene3d>
-    <dgm:sp3d/>
-    <dgm:txPr/>
-    <dgm:style>
-      <a:lnRef idx="2">
-        <a:scrgbClr r="0" g="0" b="0"/>
-      </a:lnRef>
-      <a:fillRef idx="1">
-        <a:scrgbClr r="0" g="0" b="0"/>
-      </a:fillRef>
-      <a:effectRef idx="0">
-        <a:scrgbClr r="0" g="0" b="0"/>
-      </a:effectRef>
-      <a:fontRef idx="minor">
-        <a:schemeClr val="lt1"/>
-      </a:fontRef>
-    </dgm:style>
-  </dgm:styleLbl>
-  <dgm:styleLbl name="parChTrans1D1">
-    <dgm:scene3d>
-      <a:camera prst="orthographicFront"/>
-      <a:lightRig rig="threePt" dir="t"/>
-    </dgm:scene3d>
-    <dgm:sp3d/>
-    <dgm:txPr/>
-    <dgm:style>
-      <a:lnRef idx="2">
-        <a:scrgbClr r="0" g="0" b="0"/>
-      </a:lnRef>
-      <a:fillRef idx="0">
-        <a:scrgbClr r="0" g="0" b="0"/>
-      </a:fillRef>
-      <a:effectRef idx="0">
-        <a:scrgbClr r="0" g="0" b="0"/>
-      </a:effectRef>
-      <a:fontRef idx="minor"/>
-    </dgm:style>
-  </dgm:styleLbl>
-  <dgm:styleLbl name="parChTrans1D2">
-    <dgm:scene3d>
-      <a:camera prst="orthographicFront"/>
-      <a:lightRig rig="threePt" dir="t"/>
-    </dgm:scene3d>
-    <dgm:sp3d/>
-    <dgm:txPr/>
-    <dgm:style>
-      <a:lnRef idx="2">
-        <a:scrgbClr r="0" g="0" b="0"/>
-      </a:lnRef>
-      <a:fillRef idx="0">
-        <a:scrgbClr r="0" g="0" b="0"/>
-      </a:fillRef>
-      <a:effectRef idx="0">
-        <a:scrgbClr r="0" g="0" b="0"/>
-      </a:effectRef>
-      <a:fontRef idx="minor"/>
-    </dgm:style>
-  </dgm:styleLbl>
-  <dgm:styleLbl name="parChTrans1D3">
-    <dgm:scene3d>
-      <a:camera prst="orthographicFront"/>
-      <a:lightRig rig="threePt" dir="t"/>
-    </dgm:scene3d>
-    <dgm:sp3d/>
-    <dgm:txPr/>
-    <dgm:style>
-      <a:lnRef idx="2">
-        <a:scrgbClr r="0" g="0" b="0"/>
-      </a:lnRef>
-      <a:fillRef idx="0">
-        <a:scrgbClr r="0" g="0" b="0"/>
-      </a:fillRef>
-      <a:effectRef idx="0">
-        <a:scrgbClr r="0" g="0" b="0"/>
-      </a:effectRef>
-      <a:fontRef idx="minor"/>
-    </dgm:style>
-  </dgm:styleLbl>
-  <dgm:styleLbl name="parChTrans1D4">
-    <dgm:scene3d>
-      <a:camera prst="orthographicFront"/>
-      <a:lightRig rig="threePt" dir="t"/>
-    </dgm:scene3d>
-    <dgm:sp3d/>
-    <dgm:txPr/>
-    <dgm:style>
-      <a:lnRef idx="2">
-        <a:scrgbClr r="0" g="0" b="0"/>
-      </a:lnRef>
-      <a:fillRef idx="0">
-        <a:scrgbClr r="0" g="0" b="0"/>
-      </a:fillRef>
-      <a:effectRef idx="0">
-        <a:scrgbClr r="0" g="0" b="0"/>
-      </a:effectRef>
-      <a:fontRef idx="minor"/>
-    </dgm:style>
-  </dgm:styleLbl>
-  <dgm:styleLbl name="fgAcc1">
-    <dgm:scene3d>
-      <a:camera prst="orthographicFront"/>
-      <a:lightRig rig="threePt" dir="t"/>
-    </dgm:scene3d>
-    <dgm:sp3d/>
-    <dgm:txPr/>
-    <dgm:style>
-      <a:lnRef idx="2">
-        <a:scrgbClr r="0" g="0" b="0"/>
-      </a:lnRef>
-      <a:fillRef idx="1">
-        <a:scrgbClr r="0" g="0" b="0"/>
-      </a:fillRef>
-      <a:effectRef idx="0">
-        <a:scrgbClr r="0" g="0" b="0"/>
-      </a:effectRef>
-      <a:fontRef idx="minor"/>
-    </dgm:style>
-  </dgm:styleLbl>
-  <dgm:styleLbl name="conFgAcc1">
-    <dgm:scene3d>
-      <a:camera prst="orthographicFront"/>
-      <a:lightRig rig="threePt" dir="t"/>
-    </dgm:scene3d>
-    <dgm:sp3d/>
-    <dgm:txPr/>
-    <dgm:style>
-      <a:lnRef idx="2">
-        <a:scrgbClr r="0" g="0" b="0"/>
-      </a:lnRef>
-      <a:fillRef idx="1">
-        <a:scrgbClr r="0" g="0" b="0"/>
-      </a:fillRef>
-      <a:effectRef idx="0">
-        <a:scrgbClr r="0" g="0" b="0"/>
-      </a:effectRef>
-      <a:fontRef idx="minor"/>
-    </dgm:style>
-  </dgm:styleLbl>
-  <dgm:styleLbl name="alignAcc1">
-    <dgm:scene3d>
-      <a:camera prst="orthographicFront"/>
-      <a:lightRig rig="threePt" dir="t"/>
-    </dgm:scene3d>
-    <dgm:sp3d/>
-    <dgm:txPr/>
-    <dgm:style>
-      <a:lnRef idx="2">
-        <a:scrgbClr r="0" g="0" b="0"/>
-      </a:lnRef>
-      <a:fillRef idx="1">
-        <a:scrgbClr r="0" g="0" b="0"/>
-      </a:fillRef>
-      <a:effectRef idx="0">
-        <a:scrgbClr r="0" g="0" b="0"/>
-      </a:effectRef>
-      <a:fontRef idx="minor"/>
-    </dgm:style>
-  </dgm:styleLbl>
-  <dgm:styleLbl name="trAlignAcc1">
-    <dgm:scene3d>
-      <a:camera prst="orthographicFront"/>
-      <a:lightRig rig="threePt" dir="t"/>
-    </dgm:scene3d>
-    <dgm:sp3d/>
-    <dgm:txPr/>
-    <dgm:style>
-      <a:lnRef idx="1">
-        <a:scrgbClr r="0" g="0" b="0"/>
-      </a:lnRef>
-      <a:fillRef idx="1">
-        <a:scrgbClr r="0" g="0" b="0"/>
-      </a:fillRef>
-      <a:effectRef idx="0">
-        <a:scrgbClr r="0" g="0" b="0"/>
-      </a:effectRef>
-      <a:fontRef idx="minor"/>
-    </dgm:style>
-  </dgm:styleLbl>
-  <dgm:styleLbl name="bgAcc1">
-    <dgm:scene3d>
-      <a:camera prst="orthographicFront"/>
-      <a:lightRig rig="threePt" dir="t"/>
-    </dgm:scene3d>
-    <dgm:sp3d/>
-    <dgm:txPr/>
-    <dgm:style>
-      <a:lnRef idx="2">
-        <a:scrgbClr r="0" g="0" b="0"/>
-      </a:lnRef>
-      <a:fillRef idx="1">
-        <a:scrgbClr r="0" g="0" b="0"/>
-      </a:fillRef>
-      <a:effectRef idx="0">
-        <a:scrgbClr r="0" g="0" b="0"/>
-      </a:effectRef>
-      <a:fontRef idx="minor"/>
-    </dgm:style>
-  </dgm:styleLbl>
-  <dgm:styleLbl name="solidFgAcc1">
-    <dgm:scene3d>
-      <a:camera prst="orthographicFront"/>
-      <a:lightRig rig="threePt" dir="t"/>
-    </dgm:scene3d>
-    <dgm:sp3d/>
-    <dgm:txPr/>
-    <dgm:style>
-      <a:lnRef idx="2">
-        <a:scrgbClr r="0" g="0" b="0"/>
-      </a:lnRef>
-      <a:fillRef idx="1">
-        <a:scrgbClr r="0" g="0" b="0"/>
-      </a:fillRef>
-      <a:effectRef idx="0">
-        <a:scrgbClr r="0" g="0" b="0"/>
-      </a:effectRef>
-      <a:fontRef idx="minor"/>
-    </dgm:style>
-  </dgm:styleLbl>
-  <dgm:styleLbl name="solidAlignAcc1">
-    <dgm:scene3d>
-      <a:camera prst="orthographicFront"/>
-      <a:lightRig rig="threePt" dir="t"/>
-    </dgm:scene3d>
-    <dgm:sp3d/>
-    <dgm:txPr/>
-    <dgm:style>
-      <a:lnRef idx="2">
-        <a:scrgbClr r="0" g="0" b="0"/>
-      </a:lnRef>
-      <a:fillRef idx="1">
-        <a:scrgbClr r="0" g="0" b="0"/>
-      </a:fillRef>
-      <a:effectRef idx="0">
-        <a:scrgbClr r="0" g="0" b="0"/>
-      </a:effectRef>
-      <a:fontRef idx="minor"/>
-    </dgm:style>
-  </dgm:styleLbl>
-  <dgm:styleLbl name="solidBgAcc1">
-    <dgm:scene3d>
-      <a:camera prst="orthographicFront"/>
-      <a:lightRig rig="threePt" dir="t"/>
-    </dgm:scene3d>
-    <dgm:sp3d/>
-    <dgm:txPr/>
-    <dgm:style>
-      <a:lnRef idx="2">
-        <a:scrgbClr r="0" g="0" b="0"/>
-      </a:lnRef>
-      <a:fillRef idx="1">
-        <a:scrgbClr r="0" g="0" b="0"/>
-      </a:fillRef>
-      <a:effectRef idx="0">
-        <a:scrgbClr r="0" g="0" b="0"/>
-      </a:effectRef>
-      <a:fontRef idx="minor"/>
-    </dgm:style>
-  </dgm:styleLbl>
-  <dgm:styleLbl name="fgAccFollowNode1">
-    <dgm:scene3d>
-      <a:camera prst="orthographicFront"/>
-      <a:lightRig rig="threePt" dir="t"/>
-    </dgm:scene3d>
-    <dgm:sp3d/>
-    <dgm:txPr/>
-    <dgm:style>
-      <a:lnRef idx="2">
-        <a:scrgbClr r="0" g="0" b="0"/>
-      </a:lnRef>
-      <a:fillRef idx="1">
-        <a:scrgbClr r="0" g="0" b="0"/>
-      </a:fillRef>
-      <a:effectRef idx="0">
-        <a:scrgbClr r="0" g="0" b="0"/>
-      </a:effectRef>
-      <a:fontRef idx="minor"/>
-    </dgm:style>
-  </dgm:styleLbl>
-  <dgm:styleLbl name="alignAccFollowNode1">
-    <dgm:scene3d>
-      <a:camera prst="orthographicFront"/>
-      <a:lightRig rig="threePt" dir="t"/>
-    </dgm:scene3d>
-    <dgm:sp3d/>
-    <dgm:txPr/>
-    <dgm:style>
-      <a:lnRef idx="2">
-        <a:scrgbClr r="0" g="0" b="0"/>
-      </a:lnRef>
-      <a:fillRef idx="1">
-        <a:scrgbClr r="0" g="0" b="0"/>
-      </a:fillRef>
-      <a:effectRef idx="0">
-        <a:scrgbClr r="0" g="0" b="0"/>
-      </a:effectRef>
-      <a:fontRef idx="minor"/>
-    </dgm:style>
-  </dgm:styleLbl>
-  <dgm:styleLbl name="bgAccFollowNode1">
-    <dgm:scene3d>
-      <a:camera prst="orthographicFront"/>
-      <a:lightRig rig="threePt" dir="t"/>
-    </dgm:scene3d>
-    <dgm:sp3d/>
-    <dgm:txPr/>
-    <dgm:style>
-      <a:lnRef idx="2">
-        <a:scrgbClr r="0" g="0" b="0"/>
-      </a:lnRef>
-      <a:fillRef idx="1">
-        <a:scrgbClr r="0" g="0" b="0"/>
-      </a:fillRef>
-      <a:effectRef idx="0">
-        <a:scrgbClr r="0" g="0" b="0"/>
-      </a:effectRef>
-      <a:fontRef idx="minor"/>
-    </dgm:style>
-  </dgm:styleLbl>
-  <dgm:styleLbl name="fgAcc0">
-    <dgm:scene3d>
-      <a:camera prst="orthographicFront"/>
-      <a:lightRig rig="threePt" dir="t"/>
-    </dgm:scene3d>
-    <dgm:sp3d/>
-    <dgm:txPr/>
-    <dgm:style>
-      <a:lnRef idx="2">
-        <a:scrgbClr r="0" g="0" b="0"/>
-      </a:lnRef>
-      <a:fillRef idx="1">
-        <a:scrgbClr r="0" g="0" b="0"/>
-      </a:fillRef>
-      <a:effectRef idx="0">
-        <a:scrgbClr r="0" g="0" b="0"/>
-      </a:effectRef>
-      <a:fontRef idx="minor"/>
-    </dgm:style>
-  </dgm:styleLbl>
-  <dgm:styleLbl name="fgAcc2">
-    <dgm:scene3d>
-      <a:camera prst="orthographicFront"/>
-      <a:lightRig rig="threePt" dir="t"/>
-    </dgm:scene3d>
-    <dgm:sp3d/>
-    <dgm:txPr/>
-    <dgm:style>
-      <a:lnRef idx="2">
-        <a:scrgbClr r="0" g="0" b="0"/>
-      </a:lnRef>
-      <a:fillRef idx="1">
-        <a:scrgbClr r="0" g="0" b="0"/>
-      </a:fillRef>
-      <a:effectRef idx="0">
-        <a:scrgbClr r="0" g="0" b="0"/>
-      </a:effectRef>
-      <a:fontRef idx="minor"/>
-    </dgm:style>
-  </dgm:styleLbl>
-  <dgm:styleLbl name="fgAcc3">
-    <dgm:scene3d>
-      <a:camera prst="orthographicFront"/>
-      <a:lightRig rig="threePt" dir="t"/>
-    </dgm:scene3d>
-    <dgm:sp3d/>
-    <dgm:txPr/>
-    <dgm:style>
-      <a:lnRef idx="2">
-        <a:scrgbClr r="0" g="0" b="0"/>
-      </a:lnRef>
-      <a:fillRef idx="1">
-        <a:scrgbClr r="0" g="0" b="0"/>
-      </a:fillRef>
-      <a:effectRef idx="0">
-        <a:scrgbClr r="0" g="0" b="0"/>
-      </a:effectRef>
-      <a:fontRef idx="minor"/>
-    </dgm:style>
-  </dgm:styleLbl>
-  <dgm:styleLbl name="fgAcc4">
-    <dgm:scene3d>
-      <a:camera prst="orthographicFront"/>
-      <a:lightRig rig="threePt" dir="t"/>
-    </dgm:scene3d>
-    <dgm:sp3d/>
-    <dgm:txPr/>
-    <dgm:style>
-      <a:lnRef idx="2">
-        <a:scrgbClr r="0" g="0" b="0"/>
-      </a:lnRef>
-      <a:fillRef idx="1">
-        <a:scrgbClr r="0" g="0" b="0"/>
-      </a:fillRef>
-      <a:effectRef idx="0">
-        <a:scrgbClr r="0" g="0" b="0"/>
-      </a:effectRef>
-      <a:fontRef idx="minor"/>
-    </dgm:style>
-  </dgm:styleLbl>
-  <dgm:styleLbl name="bgShp">
-    <dgm:scene3d>
-      <a:camera prst="orthographicFront"/>
-      <a:lightRig rig="threePt" dir="t"/>
-    </dgm:scene3d>
-    <dgm:sp3d/>
-    <dgm:txPr/>
-    <dgm:style>
-      <a:lnRef idx="0">
-        <a:scrgbClr r="0" g="0" b="0"/>
-      </a:lnRef>
-      <a:fillRef idx="1">
-        <a:scrgbClr r="0" g="0" b="0"/>
-      </a:fillRef>
-      <a:effectRef idx="0">
-        <a:scrgbClr r="0" g="0" b="0"/>
-      </a:effectRef>
-      <a:fontRef idx="minor"/>
-    </dgm:style>
-  </dgm:styleLbl>
-  <dgm:styleLbl name="dkBgShp">
-    <dgm:scene3d>
-      <a:camera prst="orthographicFront"/>
-      <a:lightRig rig="threePt" dir="t"/>
-    </dgm:scene3d>
-    <dgm:sp3d/>
-    <dgm:txPr/>
-    <dgm:style>
-      <a:lnRef idx="0">
-        <a:scrgbClr r="0" g="0" b="0"/>
-      </a:lnRef>
-      <a:fillRef idx="1">
-        <a:scrgbClr r="0" g="0" b="0"/>
-      </a:fillRef>
-      <a:effectRef idx="0">
-        <a:scrgbClr r="0" g="0" b="0"/>
-      </a:effectRef>
-      <a:fontRef idx="minor"/>
-    </dgm:style>
-  </dgm:styleLbl>
-  <dgm:styleLbl name="trBgShp">
-    <dgm:scene3d>
-      <a:camera prst="orthographicFront"/>
-      <a:lightRig rig="threePt" dir="t"/>
-    </dgm:scene3d>
-    <dgm:sp3d/>
-    <dgm:txPr/>
-    <dgm:style>
-      <a:lnRef idx="0">
-        <a:scrgbClr r="0" g="0" b="0"/>
-      </a:lnRef>
-      <a:fillRef idx="1">
-        <a:scrgbClr r="0" g="0" b="0"/>
-      </a:fillRef>
-      <a:effectRef idx="0">
-        <a:scrgbClr r="0" g="0" b="0"/>
-      </a:effectRef>
-      <a:fontRef idx="minor"/>
-    </dgm:style>
-  </dgm:styleLbl>
-  <dgm:styleLbl name="fgShp">
-    <dgm:scene3d>
-      <a:camera prst="orthographicFront"/>
-      <a:lightRig rig="threePt" dir="t"/>
-    </dgm:scene3d>
-    <dgm:sp3d/>
-    <dgm:txPr/>
-    <dgm:style>
-      <a:lnRef idx="2">
-        <a:scrgbClr r="0" g="0" b="0"/>
-      </a:lnRef>
-      <a:fillRef idx="1">
-        <a:scrgbClr r="0" g="0" b="0"/>
-      </a:fillRef>
-      <a:effectRef idx="0">
-        <a:scrgbClr r="0" g="0" b="0"/>
-      </a:effectRef>
-      <a:fontRef idx="minor"/>
-    </dgm:style>
-  </dgm:styleLbl>
-  <dgm:styleLbl name="revTx">
-    <dgm:scene3d>
-      <a:camera prst="orthographicFront"/>
-      <a:lightRig rig="threePt" dir="t"/>
-    </dgm:scene3d>
-    <dgm:sp3d/>
-    <dgm:txPr/>
-    <dgm:style>
-      <a:lnRef idx="0">
-        <a:scrgbClr r="0" g="0" b="0"/>
-      </a:lnRef>
-      <a:fillRef idx="0">
-        <a:scrgbClr r="0" g="0" b="0"/>
-      </a:fillRef>
-      <a:effectRef idx="0">
-        <a:scrgbClr r="0" g="0" b="0"/>
-      </a:effectRef>
-      <a:fontRef idx="minor"/>
-    </dgm:style>
-  </dgm:styleLbl>
-</dgm:styleDef>
 </file>
 
 <file path=ppt/notesMasters/notesMaster1.xml><?xml version="1.0" encoding="utf-8"?>
@@ -17585,7 +12407,7 @@
           </a:ln>
           <a:extLst>
             <a:ext uri="{91240B29-F687-4f45-9708-019B960494DF}">
-              <a14:hiddenLine xmlns:a14="http://schemas.microsoft.com/office/drawing/2010/main" xmlns="" w="9525">
+              <a14:hiddenLine xmlns="" xmlns:a14="http://schemas.microsoft.com/office/drawing/2010/main" w="9525">
                 <a:solidFill>
                   <a:srgbClr val="000000"/>
                 </a:solidFill>
@@ -17837,7 +12659,7 @@
           </a:ln>
           <a:extLst>
             <a:ext uri="{91240B29-F687-4f45-9708-019B960494DF}">
-              <a14:hiddenLine xmlns:a14="http://schemas.microsoft.com/office/drawing/2010/main" xmlns="" w="9525">
+              <a14:hiddenLine xmlns="" xmlns:a14="http://schemas.microsoft.com/office/drawing/2010/main" w="9525">
                 <a:solidFill>
                   <a:srgbClr val="000000"/>
                 </a:solidFill>
@@ -18797,30 +13619,1028 @@
           </a:p>
         </p:txBody>
       </p:sp>
-      <p:graphicFrame>
-        <p:nvGraphicFramePr>
-          <p:cNvPr id="4" name="Content Placeholder 4">
+      <p:sp>
+        <p:nvSpPr>
+          <p:cNvPr id="5" name="Rectangle 4">
             <a:extLst>
               <a:ext uri="{FF2B5EF4-FFF2-40B4-BE49-F238E27FC236}">
-                <a16:creationId xmlns:a16="http://schemas.microsoft.com/office/drawing/2014/main" id="{6C5676AD-2E8E-4C68-BD5E-C540499153DB}"/>
+                <a16:creationId xmlns:a16="http://schemas.microsoft.com/office/drawing/2014/main" id="{87BA2A01-0787-4D76-B84C-EA43BFC25C35}"/>
               </a:ext>
             </a:extLst>
           </p:cNvPr>
-          <p:cNvGraphicFramePr>
-            <a:graphicFrameLocks/>
-          </p:cNvGraphicFramePr>
+          <p:cNvSpPr/>
           <p:nvPr/>
-        </p:nvGraphicFramePr>
-        <p:xfrm>
-          <a:off x="539215" y="1404257"/>
-          <a:ext cx="11223248" cy="4686300"/>
-        </p:xfrm>
-        <a:graphic>
-          <a:graphicData uri="http://schemas.openxmlformats.org/drawingml/2006/diagram">
-            <dgm:relIds xmlns:dgm="http://schemas.openxmlformats.org/drawingml/2006/diagram" xmlns:r="http://schemas.openxmlformats.org/officeDocument/2006/relationships" r:dm="rId3" r:lo="rId4" r:qs="rId5" r:cs="rId6"/>
-          </a:graphicData>
-        </a:graphic>
-      </p:graphicFrame>
+        </p:nvSpPr>
+        <p:spPr>
+          <a:xfrm>
+            <a:off x="539215" y="1404257"/>
+            <a:ext cx="11180034" cy="4686300"/>
+          </a:xfrm>
+          <a:prstGeom prst="rect">
+            <a:avLst/>
+          </a:prstGeom>
+          <a:noFill/>
+        </p:spPr>
+      </p:sp>
+      <p:sp>
+        <p:nvSpPr>
+          <p:cNvPr id="6" name="Freeform: Shape 5">
+            <a:extLst>
+              <a:ext uri="{FF2B5EF4-FFF2-40B4-BE49-F238E27FC236}">
+                <a16:creationId xmlns:a16="http://schemas.microsoft.com/office/drawing/2014/main" id="{632411E0-DC29-4FA0-8ACD-1B60D80D43D1}"/>
+              </a:ext>
+            </a:extLst>
+          </p:cNvPr>
+          <p:cNvSpPr/>
+          <p:nvPr/>
+        </p:nvSpPr>
+        <p:spPr>
+          <a:xfrm>
+            <a:off x="544820" y="1544912"/>
+            <a:ext cx="3370763" cy="1014914"/>
+          </a:xfrm>
+          <a:custGeom>
+            <a:avLst/>
+            <a:gdLst>
+              <a:gd name="connsiteX0" fmla="*/ 0 w 2537287"/>
+              <a:gd name="connsiteY0" fmla="*/ 0 h 1014914"/>
+              <a:gd name="connsiteX1" fmla="*/ 2537287 w 2537287"/>
+              <a:gd name="connsiteY1" fmla="*/ 0 h 1014914"/>
+              <a:gd name="connsiteX2" fmla="*/ 2537287 w 2537287"/>
+              <a:gd name="connsiteY2" fmla="*/ 1014914 h 1014914"/>
+              <a:gd name="connsiteX3" fmla="*/ 0 w 2537287"/>
+              <a:gd name="connsiteY3" fmla="*/ 1014914 h 1014914"/>
+              <a:gd name="connsiteX4" fmla="*/ 0 w 2537287"/>
+              <a:gd name="connsiteY4" fmla="*/ 0 h 1014914"/>
+            </a:gdLst>
+            <a:ahLst/>
+            <a:cxnLst>
+              <a:cxn ang="0">
+                <a:pos x="connsiteX0" y="connsiteY0"/>
+              </a:cxn>
+              <a:cxn ang="0">
+                <a:pos x="connsiteX1" y="connsiteY1"/>
+              </a:cxn>
+              <a:cxn ang="0">
+                <a:pos x="connsiteX2" y="connsiteY2"/>
+              </a:cxn>
+              <a:cxn ang="0">
+                <a:pos x="connsiteX3" y="connsiteY3"/>
+              </a:cxn>
+              <a:cxn ang="0">
+                <a:pos x="connsiteX4" y="connsiteY4"/>
+              </a:cxn>
+            </a:cxnLst>
+            <a:rect l="l" t="t" r="r" b="b"/>
+            <a:pathLst>
+              <a:path w="2537287" h="1014914">
+                <a:moveTo>
+                  <a:pt x="0" y="0"/>
+                </a:moveTo>
+                <a:lnTo>
+                  <a:pt x="2537287" y="0"/>
+                </a:lnTo>
+                <a:lnTo>
+                  <a:pt x="2537287" y="1014914"/>
+                </a:lnTo>
+                <a:lnTo>
+                  <a:pt x="0" y="1014914"/>
+                </a:lnTo>
+                <a:lnTo>
+                  <a:pt x="0" y="0"/>
+                </a:lnTo>
+                <a:close/>
+              </a:path>
+            </a:pathLst>
+          </a:custGeom>
+          <a:solidFill>
+            <a:srgbClr val="7030A0"/>
+          </a:solidFill>
+          <a:ln>
+            <a:solidFill>
+              <a:srgbClr val="6600FF"/>
+            </a:solidFill>
+          </a:ln>
+        </p:spPr>
+        <p:style>
+          <a:lnRef idx="2">
+            <a:scrgbClr r="0" g="0" b="0"/>
+          </a:lnRef>
+          <a:fillRef idx="1">
+            <a:scrgbClr r="0" g="0" b="0"/>
+          </a:fillRef>
+          <a:effectRef idx="0">
+            <a:schemeClr val="accent1">
+              <a:hueOff val="0"/>
+              <a:satOff val="0"/>
+              <a:lumOff val="0"/>
+              <a:alphaOff val="0"/>
+            </a:schemeClr>
+          </a:effectRef>
+          <a:fontRef idx="minor">
+            <a:schemeClr val="lt1"/>
+          </a:fontRef>
+        </p:style>
+        <p:txBody>
+          <a:bodyPr spcFirstLastPara="0" vert="horz" wrap="square" lIns="78232" tIns="44704" rIns="78232" bIns="44704" numCol="1" spcCol="1270" anchor="ctr" anchorCtr="0">
+            <a:noAutofit/>
+          </a:bodyPr>
+          <a:lstStyle/>
+          <a:p>
+            <a:pPr marL="0" lvl="0" indent="0" algn="ctr" defTabSz="488950">
+              <a:lnSpc>
+                <a:spcPct val="90000"/>
+              </a:lnSpc>
+              <a:spcBef>
+                <a:spcPct val="0"/>
+              </a:spcBef>
+              <a:spcAft>
+                <a:spcPct val="35000"/>
+              </a:spcAft>
+              <a:buNone/>
+            </a:pPr>
+            <a:r>
+              <a:rPr lang="en-AU" sz="1100" kern="1200" dirty="0"/>
+              <a:t>Microsoft Teams</a:t>
+            </a:r>
+          </a:p>
+        </p:txBody>
+      </p:sp>
+      <p:sp>
+        <p:nvSpPr>
+          <p:cNvPr id="8" name="Freeform: Shape 7">
+            <a:extLst>
+              <a:ext uri="{FF2B5EF4-FFF2-40B4-BE49-F238E27FC236}">
+                <a16:creationId xmlns:a16="http://schemas.microsoft.com/office/drawing/2014/main" id="{491F5BC4-47D8-455E-B695-733E59B57ACD}"/>
+              </a:ext>
+            </a:extLst>
+          </p:cNvPr>
+          <p:cNvSpPr/>
+          <p:nvPr/>
+        </p:nvSpPr>
+        <p:spPr>
+          <a:xfrm>
+            <a:off x="4387490" y="1544912"/>
+            <a:ext cx="3370763" cy="1014914"/>
+          </a:xfrm>
+          <a:custGeom>
+            <a:avLst/>
+            <a:gdLst>
+              <a:gd name="connsiteX0" fmla="*/ 0 w 2537287"/>
+              <a:gd name="connsiteY0" fmla="*/ 0 h 1014914"/>
+              <a:gd name="connsiteX1" fmla="*/ 2537287 w 2537287"/>
+              <a:gd name="connsiteY1" fmla="*/ 0 h 1014914"/>
+              <a:gd name="connsiteX2" fmla="*/ 2537287 w 2537287"/>
+              <a:gd name="connsiteY2" fmla="*/ 1014914 h 1014914"/>
+              <a:gd name="connsiteX3" fmla="*/ 0 w 2537287"/>
+              <a:gd name="connsiteY3" fmla="*/ 1014914 h 1014914"/>
+              <a:gd name="connsiteX4" fmla="*/ 0 w 2537287"/>
+              <a:gd name="connsiteY4" fmla="*/ 0 h 1014914"/>
+            </a:gdLst>
+            <a:ahLst/>
+            <a:cxnLst>
+              <a:cxn ang="0">
+                <a:pos x="connsiteX0" y="connsiteY0"/>
+              </a:cxn>
+              <a:cxn ang="0">
+                <a:pos x="connsiteX1" y="connsiteY1"/>
+              </a:cxn>
+              <a:cxn ang="0">
+                <a:pos x="connsiteX2" y="connsiteY2"/>
+              </a:cxn>
+              <a:cxn ang="0">
+                <a:pos x="connsiteX3" y="connsiteY3"/>
+              </a:cxn>
+              <a:cxn ang="0">
+                <a:pos x="connsiteX4" y="connsiteY4"/>
+              </a:cxn>
+            </a:cxnLst>
+            <a:rect l="l" t="t" r="r" b="b"/>
+            <a:pathLst>
+              <a:path w="2537287" h="1014914">
+                <a:moveTo>
+                  <a:pt x="0" y="0"/>
+                </a:moveTo>
+                <a:lnTo>
+                  <a:pt x="2537287" y="0"/>
+                </a:lnTo>
+                <a:lnTo>
+                  <a:pt x="2537287" y="1014914"/>
+                </a:lnTo>
+                <a:lnTo>
+                  <a:pt x="0" y="1014914"/>
+                </a:lnTo>
+                <a:lnTo>
+                  <a:pt x="0" y="0"/>
+                </a:lnTo>
+                <a:close/>
+              </a:path>
+            </a:pathLst>
+          </a:custGeom>
+          <a:solidFill>
+            <a:schemeClr val="bg1">
+              <a:lumMod val="65000"/>
+            </a:schemeClr>
+          </a:solidFill>
+          <a:ln>
+            <a:solidFill>
+              <a:schemeClr val="bg1">
+                <a:lumMod val="65000"/>
+              </a:schemeClr>
+            </a:solidFill>
+          </a:ln>
+        </p:spPr>
+        <p:style>
+          <a:lnRef idx="2">
+            <a:scrgbClr r="0" g="0" b="0"/>
+          </a:lnRef>
+          <a:fillRef idx="1">
+            <a:scrgbClr r="0" g="0" b="0"/>
+          </a:fillRef>
+          <a:effectRef idx="0">
+            <a:schemeClr val="accent1">
+              <a:hueOff val="0"/>
+              <a:satOff val="0"/>
+              <a:lumOff val="0"/>
+              <a:alphaOff val="0"/>
+            </a:schemeClr>
+          </a:effectRef>
+          <a:fontRef idx="minor">
+            <a:schemeClr val="lt1"/>
+          </a:fontRef>
+        </p:style>
+        <p:txBody>
+          <a:bodyPr spcFirstLastPara="0" vert="horz" wrap="square" lIns="78232" tIns="44704" rIns="78232" bIns="44704" numCol="1" spcCol="1270" anchor="ctr" anchorCtr="0">
+            <a:noAutofit/>
+          </a:bodyPr>
+          <a:lstStyle/>
+          <a:p>
+            <a:pPr marL="0" lvl="0" indent="0" algn="ctr" defTabSz="488950">
+              <a:lnSpc>
+                <a:spcPct val="90000"/>
+              </a:lnSpc>
+              <a:spcBef>
+                <a:spcPct val="0"/>
+              </a:spcBef>
+              <a:spcAft>
+                <a:spcPct val="35000"/>
+              </a:spcAft>
+              <a:buNone/>
+            </a:pPr>
+            <a:r>
+              <a:rPr lang="en-AU" sz="1100" kern="1200" dirty="0"/>
+              <a:t>Microsoft Teams Administration</a:t>
+            </a:r>
+          </a:p>
+        </p:txBody>
+      </p:sp>
+      <p:sp>
+        <p:nvSpPr>
+          <p:cNvPr id="9" name="Freeform: Shape 8">
+            <a:extLst>
+              <a:ext uri="{FF2B5EF4-FFF2-40B4-BE49-F238E27FC236}">
+                <a16:creationId xmlns:a16="http://schemas.microsoft.com/office/drawing/2014/main" id="{501A38CE-111F-495F-ABDD-FF8CCF7BF01E}"/>
+              </a:ext>
+            </a:extLst>
+          </p:cNvPr>
+          <p:cNvSpPr/>
+          <p:nvPr/>
+        </p:nvSpPr>
+        <p:spPr>
+          <a:xfrm>
+            <a:off x="4387490" y="2559826"/>
+            <a:ext cx="3370763" cy="3671386"/>
+          </a:xfrm>
+          <a:custGeom>
+            <a:avLst/>
+            <a:gdLst>
+              <a:gd name="connsiteX0" fmla="*/ 0 w 2537287"/>
+              <a:gd name="connsiteY0" fmla="*/ 0 h 3390074"/>
+              <a:gd name="connsiteX1" fmla="*/ 2537287 w 2537287"/>
+              <a:gd name="connsiteY1" fmla="*/ 0 h 3390074"/>
+              <a:gd name="connsiteX2" fmla="*/ 2537287 w 2537287"/>
+              <a:gd name="connsiteY2" fmla="*/ 3390074 h 3390074"/>
+              <a:gd name="connsiteX3" fmla="*/ 0 w 2537287"/>
+              <a:gd name="connsiteY3" fmla="*/ 3390074 h 3390074"/>
+              <a:gd name="connsiteX4" fmla="*/ 0 w 2537287"/>
+              <a:gd name="connsiteY4" fmla="*/ 0 h 3390074"/>
+            </a:gdLst>
+            <a:ahLst/>
+            <a:cxnLst>
+              <a:cxn ang="0">
+                <a:pos x="connsiteX0" y="connsiteY0"/>
+              </a:cxn>
+              <a:cxn ang="0">
+                <a:pos x="connsiteX1" y="connsiteY1"/>
+              </a:cxn>
+              <a:cxn ang="0">
+                <a:pos x="connsiteX2" y="connsiteY2"/>
+              </a:cxn>
+              <a:cxn ang="0">
+                <a:pos x="connsiteX3" y="connsiteY3"/>
+              </a:cxn>
+              <a:cxn ang="0">
+                <a:pos x="connsiteX4" y="connsiteY4"/>
+              </a:cxn>
+            </a:cxnLst>
+            <a:rect l="l" t="t" r="r" b="b"/>
+            <a:pathLst>
+              <a:path w="2537287" h="3390074">
+                <a:moveTo>
+                  <a:pt x="0" y="0"/>
+                </a:moveTo>
+                <a:lnTo>
+                  <a:pt x="2537287" y="0"/>
+                </a:lnTo>
+                <a:lnTo>
+                  <a:pt x="2537287" y="3390074"/>
+                </a:lnTo>
+                <a:lnTo>
+                  <a:pt x="0" y="3390074"/>
+                </a:lnTo>
+                <a:lnTo>
+                  <a:pt x="0" y="0"/>
+                </a:lnTo>
+                <a:close/>
+              </a:path>
+            </a:pathLst>
+          </a:custGeom>
+          <a:noFill/>
+        </p:spPr>
+        <p:style>
+          <a:lnRef idx="2">
+            <a:schemeClr val="accent1">
+              <a:alpha val="90000"/>
+              <a:tint val="40000"/>
+              <a:hueOff val="0"/>
+              <a:satOff val="0"/>
+              <a:lumOff val="0"/>
+              <a:alphaOff val="0"/>
+            </a:schemeClr>
+          </a:lnRef>
+          <a:fillRef idx="1">
+            <a:scrgbClr r="0" g="0" b="0"/>
+          </a:fillRef>
+          <a:effectRef idx="0">
+            <a:schemeClr val="accent1">
+              <a:alpha val="90000"/>
+              <a:tint val="40000"/>
+              <a:hueOff val="0"/>
+              <a:satOff val="0"/>
+              <a:lumOff val="0"/>
+              <a:alphaOff val="0"/>
+            </a:schemeClr>
+          </a:effectRef>
+          <a:fontRef idx="minor">
+            <a:schemeClr val="dk1">
+              <a:hueOff val="0"/>
+              <a:satOff val="0"/>
+              <a:lumOff val="0"/>
+              <a:alphaOff val="0"/>
+            </a:schemeClr>
+          </a:fontRef>
+        </p:style>
+        <p:txBody>
+          <a:bodyPr spcFirstLastPara="0" vert="horz" wrap="square" lIns="58674" tIns="58674" rIns="78232" bIns="88011" numCol="1" spcCol="1270" anchor="t" anchorCtr="0">
+            <a:noAutofit/>
+          </a:bodyPr>
+          <a:lstStyle/>
+          <a:p>
+            <a:pPr marL="57150" lvl="1" indent="-57150" algn="l" defTabSz="488950">
+              <a:lnSpc>
+                <a:spcPct val="150000"/>
+              </a:lnSpc>
+              <a:spcBef>
+                <a:spcPct val="0"/>
+              </a:spcBef>
+              <a:spcAft>
+                <a:spcPct val="15000"/>
+              </a:spcAft>
+              <a:buFont typeface="Wingdings" panose="05000000000000000000" pitchFamily="2" charset="2"/>
+              <a:buChar char="ü"/>
+            </a:pPr>
+            <a:r>
+              <a:rPr lang="en-GB" sz="1100" kern="1200" dirty="0">
+                <a:solidFill>
+                  <a:prstClr val="black">
+                    <a:hueOff val="0"/>
+                    <a:satOff val="0"/>
+                    <a:lumOff val="0"/>
+                    <a:alphaOff val="0"/>
+                  </a:prstClr>
+                </a:solidFill>
+                <a:latin typeface="Calibri" panose="020F0502020204030204"/>
+                <a:ea typeface="+mn-ea"/>
+                <a:cs typeface="+mn-cs"/>
+              </a:rPr>
+              <a:t>Microsoft</a:t>
+            </a:r>
+          </a:p>
+        </p:txBody>
+      </p:sp>
+      <p:sp>
+        <p:nvSpPr>
+          <p:cNvPr id="10" name="Freeform: Shape 9">
+            <a:extLst>
+              <a:ext uri="{FF2B5EF4-FFF2-40B4-BE49-F238E27FC236}">
+                <a16:creationId xmlns:a16="http://schemas.microsoft.com/office/drawing/2014/main" id="{4AAA4881-40ED-49F6-AC1C-A175DA674129}"/>
+              </a:ext>
+            </a:extLst>
+          </p:cNvPr>
+          <p:cNvSpPr/>
+          <p:nvPr/>
+        </p:nvSpPr>
+        <p:spPr>
+          <a:xfrm>
+            <a:off x="8230161" y="1544912"/>
+            <a:ext cx="3370763" cy="1014914"/>
+          </a:xfrm>
+          <a:custGeom>
+            <a:avLst/>
+            <a:gdLst>
+              <a:gd name="connsiteX0" fmla="*/ 0 w 2537287"/>
+              <a:gd name="connsiteY0" fmla="*/ 0 h 1014914"/>
+              <a:gd name="connsiteX1" fmla="*/ 2537287 w 2537287"/>
+              <a:gd name="connsiteY1" fmla="*/ 0 h 1014914"/>
+              <a:gd name="connsiteX2" fmla="*/ 2537287 w 2537287"/>
+              <a:gd name="connsiteY2" fmla="*/ 1014914 h 1014914"/>
+              <a:gd name="connsiteX3" fmla="*/ 0 w 2537287"/>
+              <a:gd name="connsiteY3" fmla="*/ 1014914 h 1014914"/>
+              <a:gd name="connsiteX4" fmla="*/ 0 w 2537287"/>
+              <a:gd name="connsiteY4" fmla="*/ 0 h 1014914"/>
+            </a:gdLst>
+            <a:ahLst/>
+            <a:cxnLst>
+              <a:cxn ang="0">
+                <a:pos x="connsiteX0" y="connsiteY0"/>
+              </a:cxn>
+              <a:cxn ang="0">
+                <a:pos x="connsiteX1" y="connsiteY1"/>
+              </a:cxn>
+              <a:cxn ang="0">
+                <a:pos x="connsiteX2" y="connsiteY2"/>
+              </a:cxn>
+              <a:cxn ang="0">
+                <a:pos x="connsiteX3" y="connsiteY3"/>
+              </a:cxn>
+              <a:cxn ang="0">
+                <a:pos x="connsiteX4" y="connsiteY4"/>
+              </a:cxn>
+            </a:cxnLst>
+            <a:rect l="l" t="t" r="r" b="b"/>
+            <a:pathLst>
+              <a:path w="2537287" h="1014914">
+                <a:moveTo>
+                  <a:pt x="0" y="0"/>
+                </a:moveTo>
+                <a:lnTo>
+                  <a:pt x="2537287" y="0"/>
+                </a:lnTo>
+                <a:lnTo>
+                  <a:pt x="2537287" y="1014914"/>
+                </a:lnTo>
+                <a:lnTo>
+                  <a:pt x="0" y="1014914"/>
+                </a:lnTo>
+                <a:lnTo>
+                  <a:pt x="0" y="0"/>
+                </a:lnTo>
+                <a:close/>
+              </a:path>
+            </a:pathLst>
+          </a:custGeom>
+          <a:solidFill>
+            <a:schemeClr val="bg1">
+              <a:lumMod val="65000"/>
+            </a:schemeClr>
+          </a:solidFill>
+          <a:ln>
+            <a:solidFill>
+              <a:schemeClr val="bg1">
+                <a:lumMod val="65000"/>
+              </a:schemeClr>
+            </a:solidFill>
+          </a:ln>
+        </p:spPr>
+        <p:style>
+          <a:lnRef idx="2">
+            <a:scrgbClr r="0" g="0" b="0"/>
+          </a:lnRef>
+          <a:fillRef idx="1">
+            <a:scrgbClr r="0" g="0" b="0"/>
+          </a:fillRef>
+          <a:effectRef idx="0">
+            <a:schemeClr val="accent1">
+              <a:hueOff val="0"/>
+              <a:satOff val="0"/>
+              <a:lumOff val="0"/>
+              <a:alphaOff val="0"/>
+            </a:schemeClr>
+          </a:effectRef>
+          <a:fontRef idx="minor">
+            <a:schemeClr val="lt1"/>
+          </a:fontRef>
+        </p:style>
+        <p:txBody>
+          <a:bodyPr spcFirstLastPara="0" vert="horz" wrap="square" lIns="78232" tIns="44704" rIns="78232" bIns="44704" numCol="1" spcCol="1270" anchor="ctr" anchorCtr="0">
+            <a:noAutofit/>
+          </a:bodyPr>
+          <a:lstStyle/>
+          <a:p>
+            <a:pPr marL="0" lvl="0" indent="0" algn="ctr" defTabSz="488950">
+              <a:lnSpc>
+                <a:spcPct val="90000"/>
+              </a:lnSpc>
+              <a:spcBef>
+                <a:spcPct val="0"/>
+              </a:spcBef>
+              <a:spcAft>
+                <a:spcPct val="35000"/>
+              </a:spcAft>
+              <a:buNone/>
+            </a:pPr>
+            <a:r>
+              <a:rPr lang="en-US" sz="1100" kern="1200" dirty="0"/>
+              <a:t>Teamwork Solutions Development Workshop</a:t>
+            </a:r>
+            <a:endParaRPr lang="en-AU" sz="1100" kern="1200" dirty="0"/>
+          </a:p>
+        </p:txBody>
+      </p:sp>
+      <p:sp>
+        <p:nvSpPr>
+          <p:cNvPr id="11" name="Freeform: Shape 10">
+            <a:extLst>
+              <a:ext uri="{FF2B5EF4-FFF2-40B4-BE49-F238E27FC236}">
+                <a16:creationId xmlns:a16="http://schemas.microsoft.com/office/drawing/2014/main" id="{F59489BF-F011-40BC-BF1E-F7CD9129C83F}"/>
+              </a:ext>
+            </a:extLst>
+          </p:cNvPr>
+          <p:cNvSpPr/>
+          <p:nvPr/>
+        </p:nvSpPr>
+        <p:spPr>
+          <a:xfrm>
+            <a:off x="8230161" y="2559826"/>
+            <a:ext cx="3370763" cy="3671386"/>
+          </a:xfrm>
+          <a:custGeom>
+            <a:avLst/>
+            <a:gdLst>
+              <a:gd name="connsiteX0" fmla="*/ 0 w 2537287"/>
+              <a:gd name="connsiteY0" fmla="*/ 0 h 3390074"/>
+              <a:gd name="connsiteX1" fmla="*/ 2537287 w 2537287"/>
+              <a:gd name="connsiteY1" fmla="*/ 0 h 3390074"/>
+              <a:gd name="connsiteX2" fmla="*/ 2537287 w 2537287"/>
+              <a:gd name="connsiteY2" fmla="*/ 3390074 h 3390074"/>
+              <a:gd name="connsiteX3" fmla="*/ 0 w 2537287"/>
+              <a:gd name="connsiteY3" fmla="*/ 3390074 h 3390074"/>
+              <a:gd name="connsiteX4" fmla="*/ 0 w 2537287"/>
+              <a:gd name="connsiteY4" fmla="*/ 0 h 3390074"/>
+            </a:gdLst>
+            <a:ahLst/>
+            <a:cxnLst>
+              <a:cxn ang="0">
+                <a:pos x="connsiteX0" y="connsiteY0"/>
+              </a:cxn>
+              <a:cxn ang="0">
+                <a:pos x="connsiteX1" y="connsiteY1"/>
+              </a:cxn>
+              <a:cxn ang="0">
+                <a:pos x="connsiteX2" y="connsiteY2"/>
+              </a:cxn>
+              <a:cxn ang="0">
+                <a:pos x="connsiteX3" y="connsiteY3"/>
+              </a:cxn>
+              <a:cxn ang="0">
+                <a:pos x="connsiteX4" y="connsiteY4"/>
+              </a:cxn>
+            </a:cxnLst>
+            <a:rect l="l" t="t" r="r" b="b"/>
+            <a:pathLst>
+              <a:path w="2537287" h="3390074">
+                <a:moveTo>
+                  <a:pt x="0" y="0"/>
+                </a:moveTo>
+                <a:lnTo>
+                  <a:pt x="2537287" y="0"/>
+                </a:lnTo>
+                <a:lnTo>
+                  <a:pt x="2537287" y="3390074"/>
+                </a:lnTo>
+                <a:lnTo>
+                  <a:pt x="0" y="3390074"/>
+                </a:lnTo>
+                <a:lnTo>
+                  <a:pt x="0" y="0"/>
+                </a:lnTo>
+                <a:close/>
+              </a:path>
+            </a:pathLst>
+          </a:custGeom>
+          <a:noFill/>
+        </p:spPr>
+        <p:style>
+          <a:lnRef idx="2">
+            <a:schemeClr val="accent1">
+              <a:alpha val="90000"/>
+              <a:tint val="40000"/>
+              <a:hueOff val="0"/>
+              <a:satOff val="0"/>
+              <a:lumOff val="0"/>
+              <a:alphaOff val="0"/>
+            </a:schemeClr>
+          </a:lnRef>
+          <a:fillRef idx="1">
+            <a:scrgbClr r="0" g="0" b="0"/>
+          </a:fillRef>
+          <a:effectRef idx="0">
+            <a:schemeClr val="accent1">
+              <a:alpha val="90000"/>
+              <a:tint val="40000"/>
+              <a:hueOff val="0"/>
+              <a:satOff val="0"/>
+              <a:lumOff val="0"/>
+              <a:alphaOff val="0"/>
+            </a:schemeClr>
+          </a:effectRef>
+          <a:fontRef idx="minor">
+            <a:schemeClr val="dk1">
+              <a:hueOff val="0"/>
+              <a:satOff val="0"/>
+              <a:lumOff val="0"/>
+              <a:alphaOff val="0"/>
+            </a:schemeClr>
+          </a:fontRef>
+        </p:style>
+        <p:txBody>
+          <a:bodyPr spcFirstLastPara="0" vert="horz" wrap="square" lIns="58674" tIns="58674" rIns="78232" bIns="88011" numCol="1" spcCol="1270" anchor="t" anchorCtr="0">
+            <a:noAutofit/>
+          </a:bodyPr>
+          <a:lstStyle/>
+          <a:p>
+            <a:pPr marL="57150" lvl="1" indent="-57150" algn="l" defTabSz="488950">
+              <a:lnSpc>
+                <a:spcPct val="150000"/>
+              </a:lnSpc>
+              <a:spcBef>
+                <a:spcPct val="0"/>
+              </a:spcBef>
+              <a:spcAft>
+                <a:spcPct val="15000"/>
+              </a:spcAft>
+              <a:buFont typeface="Wingdings" panose="05000000000000000000" pitchFamily="2" charset="2"/>
+              <a:buChar char="ü"/>
+            </a:pPr>
+            <a:r>
+              <a:rPr lang="en-GB" sz="1100" kern="1200" dirty="0"/>
+              <a:t>Approve</a:t>
+            </a:r>
+          </a:p>
+        </p:txBody>
+      </p:sp>
+      <p:sp>
+        <p:nvSpPr>
+          <p:cNvPr id="18" name="Freeform: Shape 17">
+            <a:extLst>
+              <a:ext uri="{FF2B5EF4-FFF2-40B4-BE49-F238E27FC236}">
+                <a16:creationId xmlns:a16="http://schemas.microsoft.com/office/drawing/2014/main" id="{53658465-BEE2-4D48-9C60-F7FCB340D975}"/>
+              </a:ext>
+            </a:extLst>
+          </p:cNvPr>
+          <p:cNvSpPr/>
+          <p:nvPr/>
+        </p:nvSpPr>
+        <p:spPr>
+          <a:xfrm>
+            <a:off x="544819" y="2556844"/>
+            <a:ext cx="3370763" cy="3674368"/>
+          </a:xfrm>
+          <a:custGeom>
+            <a:avLst/>
+            <a:gdLst>
+              <a:gd name="connsiteX0" fmla="*/ 0 w 2537287"/>
+              <a:gd name="connsiteY0" fmla="*/ 0 h 3390074"/>
+              <a:gd name="connsiteX1" fmla="*/ 2537287 w 2537287"/>
+              <a:gd name="connsiteY1" fmla="*/ 0 h 3390074"/>
+              <a:gd name="connsiteX2" fmla="*/ 2537287 w 2537287"/>
+              <a:gd name="connsiteY2" fmla="*/ 3390074 h 3390074"/>
+              <a:gd name="connsiteX3" fmla="*/ 0 w 2537287"/>
+              <a:gd name="connsiteY3" fmla="*/ 3390074 h 3390074"/>
+              <a:gd name="connsiteX4" fmla="*/ 0 w 2537287"/>
+              <a:gd name="connsiteY4" fmla="*/ 0 h 3390074"/>
+            </a:gdLst>
+            <a:ahLst/>
+            <a:cxnLst>
+              <a:cxn ang="0">
+                <a:pos x="connsiteX0" y="connsiteY0"/>
+              </a:cxn>
+              <a:cxn ang="0">
+                <a:pos x="connsiteX1" y="connsiteY1"/>
+              </a:cxn>
+              <a:cxn ang="0">
+                <a:pos x="connsiteX2" y="connsiteY2"/>
+              </a:cxn>
+              <a:cxn ang="0">
+                <a:pos x="connsiteX3" y="connsiteY3"/>
+              </a:cxn>
+              <a:cxn ang="0">
+                <a:pos x="connsiteX4" y="connsiteY4"/>
+              </a:cxn>
+            </a:cxnLst>
+            <a:rect l="l" t="t" r="r" b="b"/>
+            <a:pathLst>
+              <a:path w="2537287" h="3390074">
+                <a:moveTo>
+                  <a:pt x="0" y="0"/>
+                </a:moveTo>
+                <a:lnTo>
+                  <a:pt x="2537287" y="0"/>
+                </a:lnTo>
+                <a:lnTo>
+                  <a:pt x="2537287" y="3390074"/>
+                </a:lnTo>
+                <a:lnTo>
+                  <a:pt x="0" y="3390074"/>
+                </a:lnTo>
+                <a:lnTo>
+                  <a:pt x="0" y="0"/>
+                </a:lnTo>
+                <a:close/>
+              </a:path>
+            </a:pathLst>
+          </a:custGeom>
+          <a:noFill/>
+        </p:spPr>
+        <p:style>
+          <a:lnRef idx="2">
+            <a:schemeClr val="accent1">
+              <a:alpha val="90000"/>
+              <a:tint val="40000"/>
+              <a:hueOff val="0"/>
+              <a:satOff val="0"/>
+              <a:lumOff val="0"/>
+              <a:alphaOff val="0"/>
+            </a:schemeClr>
+          </a:lnRef>
+          <a:fillRef idx="1">
+            <a:scrgbClr r="0" g="0" b="0"/>
+          </a:fillRef>
+          <a:effectRef idx="0">
+            <a:schemeClr val="accent1">
+              <a:alpha val="90000"/>
+              <a:tint val="40000"/>
+              <a:hueOff val="0"/>
+              <a:satOff val="0"/>
+              <a:lumOff val="0"/>
+              <a:alphaOff val="0"/>
+            </a:schemeClr>
+          </a:effectRef>
+          <a:fontRef idx="minor">
+            <a:schemeClr val="dk1">
+              <a:hueOff val="0"/>
+              <a:satOff val="0"/>
+              <a:lumOff val="0"/>
+              <a:alphaOff val="0"/>
+            </a:schemeClr>
+          </a:fontRef>
+        </p:style>
+        <p:txBody>
+          <a:bodyPr spcFirstLastPara="0" vert="horz" wrap="square" lIns="58674" tIns="58674" rIns="78232" bIns="88011" numCol="1" spcCol="1270" anchor="t" anchorCtr="0">
+            <a:noAutofit/>
+          </a:bodyPr>
+          <a:lstStyle/>
+          <a:p>
+            <a:pPr marL="57150" lvl="1" indent="-57150" defTabSz="488950">
+              <a:lnSpc>
+                <a:spcPct val="150000"/>
+              </a:lnSpc>
+              <a:spcBef>
+                <a:spcPct val="0"/>
+              </a:spcBef>
+              <a:spcAft>
+                <a:spcPct val="15000"/>
+              </a:spcAft>
+              <a:buFont typeface="Wingdings" panose="05000000000000000000" pitchFamily="2" charset="2"/>
+              <a:buChar char="ü"/>
+            </a:pPr>
+            <a:r>
+              <a:rPr lang="en-US" sz="1100" dirty="0"/>
+              <a:t>Setting up Environment Subscribe to Office 365 Free account</a:t>
+            </a:r>
+          </a:p>
+          <a:p>
+            <a:pPr marL="57150" lvl="1" indent="-57150" defTabSz="488950">
+              <a:lnSpc>
+                <a:spcPct val="150000"/>
+              </a:lnSpc>
+              <a:spcBef>
+                <a:spcPct val="0"/>
+              </a:spcBef>
+              <a:spcAft>
+                <a:spcPct val="15000"/>
+              </a:spcAft>
+              <a:buFont typeface="Wingdings" panose="05000000000000000000" pitchFamily="2" charset="2"/>
+              <a:buChar char="ü"/>
+            </a:pPr>
+            <a:r>
+              <a:rPr lang="en-US" sz="1100" dirty="0"/>
+              <a:t>Introduction to MS Teams</a:t>
+            </a:r>
+          </a:p>
+          <a:p>
+            <a:pPr marL="57150" lvl="1" indent="-57150" defTabSz="488950">
+              <a:lnSpc>
+                <a:spcPct val="150000"/>
+              </a:lnSpc>
+              <a:spcBef>
+                <a:spcPct val="0"/>
+              </a:spcBef>
+              <a:spcAft>
+                <a:spcPct val="15000"/>
+              </a:spcAft>
+              <a:buFont typeface="Wingdings" panose="05000000000000000000" pitchFamily="2" charset="2"/>
+              <a:buChar char="ü"/>
+            </a:pPr>
+            <a:r>
+              <a:rPr lang="en-US" sz="1100" dirty="0"/>
+              <a:t>Overview of Microsoft Teams</a:t>
+            </a:r>
+          </a:p>
+          <a:p>
+            <a:pPr marL="57150" lvl="1" indent="-57150" defTabSz="488950">
+              <a:lnSpc>
+                <a:spcPct val="150000"/>
+              </a:lnSpc>
+              <a:spcBef>
+                <a:spcPct val="0"/>
+              </a:spcBef>
+              <a:spcAft>
+                <a:spcPct val="15000"/>
+              </a:spcAft>
+              <a:buFont typeface="Wingdings" panose="05000000000000000000" pitchFamily="2" charset="2"/>
+              <a:buChar char="ü"/>
+            </a:pPr>
+            <a:r>
+              <a:rPr lang="en-US" sz="1100" dirty="0"/>
+              <a:t>Setting up Teams</a:t>
+            </a:r>
+          </a:p>
+          <a:p>
+            <a:pPr marL="57150" lvl="1" indent="-57150" defTabSz="488950">
+              <a:lnSpc>
+                <a:spcPct val="150000"/>
+              </a:lnSpc>
+              <a:spcBef>
+                <a:spcPct val="0"/>
+              </a:spcBef>
+              <a:spcAft>
+                <a:spcPct val="15000"/>
+              </a:spcAft>
+              <a:buFont typeface="Wingdings" panose="05000000000000000000" pitchFamily="2" charset="2"/>
+              <a:buChar char="ü"/>
+            </a:pPr>
+            <a:r>
+              <a:rPr lang="en-US" sz="1100" dirty="0"/>
+              <a:t>Teams and Channels</a:t>
+            </a:r>
+          </a:p>
+          <a:p>
+            <a:pPr marL="57150" lvl="1" indent="-57150" defTabSz="488950">
+              <a:lnSpc>
+                <a:spcPct val="150000"/>
+              </a:lnSpc>
+              <a:spcBef>
+                <a:spcPct val="0"/>
+              </a:spcBef>
+              <a:spcAft>
+                <a:spcPct val="15000"/>
+              </a:spcAft>
+              <a:buFont typeface="Wingdings" panose="05000000000000000000" pitchFamily="2" charset="2"/>
+              <a:buChar char="ü"/>
+            </a:pPr>
+            <a:r>
+              <a:rPr lang="en-US" sz="1100" dirty="0"/>
+              <a:t>Post &amp; Messages</a:t>
+            </a:r>
+          </a:p>
+          <a:p>
+            <a:pPr marL="57150" lvl="1" indent="-57150" defTabSz="488950">
+              <a:lnSpc>
+                <a:spcPct val="150000"/>
+              </a:lnSpc>
+              <a:spcBef>
+                <a:spcPct val="0"/>
+              </a:spcBef>
+              <a:spcAft>
+                <a:spcPct val="15000"/>
+              </a:spcAft>
+              <a:buFont typeface="Wingdings" panose="05000000000000000000" pitchFamily="2" charset="2"/>
+              <a:buChar char="ü"/>
+            </a:pPr>
+            <a:r>
+              <a:rPr lang="en-US" sz="1100" dirty="0"/>
+              <a:t>Chats, calls &amp; meetings</a:t>
+            </a:r>
+          </a:p>
+          <a:p>
+            <a:pPr marL="57150" lvl="1" indent="-57150" defTabSz="488950">
+              <a:lnSpc>
+                <a:spcPct val="150000"/>
+              </a:lnSpc>
+              <a:spcBef>
+                <a:spcPct val="0"/>
+              </a:spcBef>
+              <a:spcAft>
+                <a:spcPct val="15000"/>
+              </a:spcAft>
+              <a:buFont typeface="Wingdings" panose="05000000000000000000" pitchFamily="2" charset="2"/>
+              <a:buChar char="ü"/>
+            </a:pPr>
+            <a:r>
+              <a:rPr lang="en-US" sz="1100" dirty="0"/>
+              <a:t>Apps &amp; tools</a:t>
+            </a:r>
+          </a:p>
+          <a:p>
+            <a:pPr marL="57150" lvl="1" indent="-57150" defTabSz="488950">
+              <a:lnSpc>
+                <a:spcPct val="150000"/>
+              </a:lnSpc>
+              <a:spcBef>
+                <a:spcPct val="0"/>
+              </a:spcBef>
+              <a:spcAft>
+                <a:spcPct val="15000"/>
+              </a:spcAft>
+              <a:buFont typeface="Wingdings" panose="05000000000000000000" pitchFamily="2" charset="2"/>
+              <a:buChar char="ü"/>
+            </a:pPr>
+            <a:r>
+              <a:rPr lang="en-US" sz="1100" dirty="0"/>
+              <a:t>Activity Feed</a:t>
+            </a:r>
+          </a:p>
+          <a:p>
+            <a:pPr marL="57150" lvl="1" indent="-57150" defTabSz="488950">
+              <a:lnSpc>
+                <a:spcPct val="150000"/>
+              </a:lnSpc>
+              <a:spcBef>
+                <a:spcPct val="0"/>
+              </a:spcBef>
+              <a:spcAft>
+                <a:spcPct val="15000"/>
+              </a:spcAft>
+              <a:buFont typeface="Wingdings" panose="05000000000000000000" pitchFamily="2" charset="2"/>
+              <a:buChar char="ü"/>
+            </a:pPr>
+            <a:r>
+              <a:rPr lang="en-US" sz="1100" dirty="0"/>
+              <a:t>Mobile App &amp; Windows Desktop Client</a:t>
+            </a:r>
+          </a:p>
+          <a:p>
+            <a:pPr marL="57150" lvl="1" indent="-57150" defTabSz="488950">
+              <a:lnSpc>
+                <a:spcPct val="150000"/>
+              </a:lnSpc>
+              <a:spcBef>
+                <a:spcPct val="0"/>
+              </a:spcBef>
+              <a:spcAft>
+                <a:spcPct val="15000"/>
+              </a:spcAft>
+              <a:buFont typeface="Wingdings" panose="05000000000000000000" pitchFamily="2" charset="2"/>
+              <a:buChar char="ü"/>
+            </a:pPr>
+            <a:r>
+              <a:rPr lang="en-US" sz="1100" dirty="0"/>
+              <a:t>Search, Settings and Customization</a:t>
+            </a:r>
+          </a:p>
+          <a:p>
+            <a:pPr marL="57150" lvl="1" indent="-57150" defTabSz="488950">
+              <a:lnSpc>
+                <a:spcPct val="150000"/>
+              </a:lnSpc>
+              <a:spcBef>
+                <a:spcPct val="0"/>
+              </a:spcBef>
+              <a:spcAft>
+                <a:spcPct val="15000"/>
+              </a:spcAft>
+              <a:buFont typeface="Wingdings" panose="05000000000000000000" pitchFamily="2" charset="2"/>
+              <a:buChar char="ü"/>
+            </a:pPr>
+            <a:r>
+              <a:rPr lang="en-US" sz="1100" dirty="0"/>
+              <a:t>Microsoft Teams adoption</a:t>
+            </a:r>
+            <a:endParaRPr lang="en-GB" sz="1100" kern="1200" dirty="0"/>
+          </a:p>
+        </p:txBody>
+      </p:sp>
     </p:spTree>
     <p:extLst>
       <p:ext uri="{BB962C8B-B14F-4D97-AF65-F5344CB8AC3E}">
@@ -20519,7 +16339,7 @@
           </a:ln>
           <a:extLst>
             <a:ext uri="{91240B29-F687-4f45-9708-019B960494DF}">
-              <a14:hiddenLine xmlns:a14="http://schemas.microsoft.com/office/drawing/2010/main" xmlns="" w="9525">
+              <a14:hiddenLine xmlns="" xmlns:a14="http://schemas.microsoft.com/office/drawing/2010/main" w="9525">
                 <a:solidFill>
                   <a:srgbClr val="000000"/>
                 </a:solidFill>
@@ -20741,7 +16561,7 @@
           </a:ln>
           <a:extLst>
             <a:ext uri="{91240B29-F687-4f45-9708-019B960494DF}">
-              <a14:hiddenLine xmlns:a14="http://schemas.microsoft.com/office/drawing/2010/main" xmlns="" w="9525">
+              <a14:hiddenLine xmlns="" xmlns:a14="http://schemas.microsoft.com/office/drawing/2010/main" w="9525">
                 <a:solidFill>
                   <a:srgbClr val="000000"/>
                 </a:solidFill>
